--- a/units/1/lessons/5/resources/petascale-lesson-1.5-slides.pptx
+++ b/units/1/lessons/5/resources/petascale-lesson-1.5-slides.pptx
@@ -3,34 +3,40 @@
 <p:presentation xmlns:a="http://schemas.openxmlformats.org/drawingml/2006/main" xmlns:r="http://schemas.openxmlformats.org/officeDocument/2006/relationships" xmlns:p="http://schemas.openxmlformats.org/presentationml/2006/main" saveSubsetFonts="1" autoCompressPictures="0">
   <p:sldMasterIdLst>
     <p:sldMasterId id="2147483648" r:id="rId1"/>
+    <p:sldMasterId id="2147483660" r:id="rId2"/>
   </p:sldMasterIdLst>
+  <p:notesMasterIdLst>
+    <p:notesMasterId r:id="rId31"/>
+  </p:notesMasterIdLst>
   <p:sldIdLst>
-    <p:sldId id="256" r:id="rId2"/>
-    <p:sldId id="257" r:id="rId3"/>
-    <p:sldId id="258" r:id="rId4"/>
-    <p:sldId id="259" r:id="rId5"/>
-    <p:sldId id="260" r:id="rId6"/>
-    <p:sldId id="261" r:id="rId7"/>
-    <p:sldId id="262" r:id="rId8"/>
-    <p:sldId id="263" r:id="rId9"/>
-    <p:sldId id="264" r:id="rId10"/>
-    <p:sldId id="265" r:id="rId11"/>
-    <p:sldId id="266" r:id="rId12"/>
-    <p:sldId id="267" r:id="rId13"/>
-    <p:sldId id="268" r:id="rId14"/>
-    <p:sldId id="269" r:id="rId15"/>
-    <p:sldId id="270" r:id="rId16"/>
-    <p:sldId id="271" r:id="rId17"/>
-    <p:sldId id="272" r:id="rId18"/>
-    <p:sldId id="273" r:id="rId19"/>
-    <p:sldId id="274" r:id="rId20"/>
-    <p:sldId id="275" r:id="rId21"/>
-    <p:sldId id="276" r:id="rId22"/>
-    <p:sldId id="277" r:id="rId23"/>
-    <p:sldId id="278" r:id="rId24"/>
-    <p:sldId id="279" r:id="rId25"/>
-    <p:sldId id="280" r:id="rId26"/>
-    <p:sldId id="281" r:id="rId27"/>
+    <p:sldId id="282" r:id="rId3"/>
+    <p:sldId id="283" r:id="rId4"/>
+    <p:sldId id="256" r:id="rId5"/>
+    <p:sldId id="257" r:id="rId6"/>
+    <p:sldId id="258" r:id="rId7"/>
+    <p:sldId id="259" r:id="rId8"/>
+    <p:sldId id="260" r:id="rId9"/>
+    <p:sldId id="261" r:id="rId10"/>
+    <p:sldId id="262" r:id="rId11"/>
+    <p:sldId id="263" r:id="rId12"/>
+    <p:sldId id="264" r:id="rId13"/>
+    <p:sldId id="265" r:id="rId14"/>
+    <p:sldId id="266" r:id="rId15"/>
+    <p:sldId id="267" r:id="rId16"/>
+    <p:sldId id="268" r:id="rId17"/>
+    <p:sldId id="269" r:id="rId18"/>
+    <p:sldId id="270" r:id="rId19"/>
+    <p:sldId id="271" r:id="rId20"/>
+    <p:sldId id="272" r:id="rId21"/>
+    <p:sldId id="273" r:id="rId22"/>
+    <p:sldId id="274" r:id="rId23"/>
+    <p:sldId id="275" r:id="rId24"/>
+    <p:sldId id="276" r:id="rId25"/>
+    <p:sldId id="277" r:id="rId26"/>
+    <p:sldId id="278" r:id="rId27"/>
+    <p:sldId id="279" r:id="rId28"/>
+    <p:sldId id="280" r:id="rId29"/>
+    <p:sldId id="281" r:id="rId30"/>
   </p:sldIdLst>
   <p:sldSz cx="9144000" cy="6858000" type="screen4x3"/>
   <p:notesSz cx="6858000" cy="9144000"/>
@@ -129,7 +135,373 @@
       </a:defRPr>
     </a:lvl9pPr>
   </p:defaultTextStyle>
+  <p:extLst>
+    <p:ext uri="{EFAFB233-063F-42B5-8137-9DF3F51BA10A}">
+      <p15:sldGuideLst xmlns:p15="http://schemas.microsoft.com/office/powerpoint/2012/main">
+        <p15:guide id="1" orient="horz" pos="2160">
+          <p15:clr>
+            <a:srgbClr val="A4A3A4"/>
+          </p15:clr>
+        </p15:guide>
+        <p15:guide id="2" pos="2880">
+          <p15:clr>
+            <a:srgbClr val="A4A3A4"/>
+          </p15:clr>
+        </p15:guide>
+      </p15:sldGuideLst>
+    </p:ext>
+  </p:extLst>
 </p:presentation>
+</file>
+
+<file path=ppt/notesMasters/notesMaster1.xml><?xml version="1.0" encoding="utf-8"?>
+<p:notesMaster xmlns:a="http://schemas.openxmlformats.org/drawingml/2006/main" xmlns:r="http://schemas.openxmlformats.org/officeDocument/2006/relationships" xmlns:p="http://schemas.openxmlformats.org/presentationml/2006/main">
+  <p:cSld>
+    <p:bg>
+      <p:bgRef idx="1001">
+        <a:schemeClr val="bg1"/>
+      </p:bgRef>
+    </p:bg>
+    <p:spTree>
+      <p:nvGrpSpPr>
+        <p:cNvPr id="1" name=""/>
+        <p:cNvGrpSpPr/>
+        <p:nvPr/>
+      </p:nvGrpSpPr>
+      <p:grpSpPr>
+        <a:xfrm>
+          <a:off x="0" y="0"/>
+          <a:ext cx="0" cy="0"/>
+          <a:chOff x="0" y="0"/>
+          <a:chExt cx="0" cy="0"/>
+        </a:xfrm>
+      </p:grpSpPr>
+      <p:sp>
+        <p:nvSpPr>
+          <p:cNvPr id="2" name="Header Placeholder 1"/>
+          <p:cNvSpPr>
+            <a:spLocks noGrp="1"/>
+          </p:cNvSpPr>
+          <p:nvPr>
+            <p:ph type="hdr" sz="quarter"/>
+          </p:nvPr>
+        </p:nvSpPr>
+        <p:spPr>
+          <a:xfrm>
+            <a:off x="0" y="0"/>
+            <a:ext cx="2971800" cy="458788"/>
+          </a:xfrm>
+          <a:prstGeom prst="rect">
+            <a:avLst/>
+          </a:prstGeom>
+        </p:spPr>
+        <p:txBody>
+          <a:bodyPr vert="horz" lIns="91440" tIns="45720" rIns="91440" bIns="45720" rtlCol="0"/>
+          <a:lstStyle>
+            <a:lvl1pPr algn="l">
+              <a:defRPr sz="1200"/>
+            </a:lvl1pPr>
+          </a:lstStyle>
+          <a:p>
+            <a:endParaRPr lang="en-US"/>
+          </a:p>
+        </p:txBody>
+      </p:sp>
+      <p:sp>
+        <p:nvSpPr>
+          <p:cNvPr id="3" name="Date Placeholder 2"/>
+          <p:cNvSpPr>
+            <a:spLocks noGrp="1"/>
+          </p:cNvSpPr>
+          <p:nvPr>
+            <p:ph type="dt" idx="1"/>
+          </p:nvPr>
+        </p:nvSpPr>
+        <p:spPr>
+          <a:xfrm>
+            <a:off x="3884613" y="0"/>
+            <a:ext cx="2971800" cy="458788"/>
+          </a:xfrm>
+          <a:prstGeom prst="rect">
+            <a:avLst/>
+          </a:prstGeom>
+        </p:spPr>
+        <p:txBody>
+          <a:bodyPr vert="horz" lIns="91440" tIns="45720" rIns="91440" bIns="45720" rtlCol="0"/>
+          <a:lstStyle>
+            <a:lvl1pPr algn="r">
+              <a:defRPr sz="1200"/>
+            </a:lvl1pPr>
+          </a:lstStyle>
+          <a:p>
+            <a:fld id="{17C14295-8DC6-7744-99EA-BC81EB38DAD3}" type="datetimeFigureOut">
+              <a:rPr lang="en-US" smtClean="0"/>
+              <a:t>9/12/20</a:t>
+            </a:fld>
+            <a:endParaRPr lang="en-US"/>
+          </a:p>
+        </p:txBody>
+      </p:sp>
+      <p:sp>
+        <p:nvSpPr>
+          <p:cNvPr id="4" name="Slide Image Placeholder 3"/>
+          <p:cNvSpPr>
+            <a:spLocks noGrp="1" noRot="1" noChangeAspect="1"/>
+          </p:cNvSpPr>
+          <p:nvPr>
+            <p:ph type="sldImg" idx="2"/>
+          </p:nvPr>
+        </p:nvSpPr>
+        <p:spPr>
+          <a:xfrm>
+            <a:off x="1371600" y="1143000"/>
+            <a:ext cx="4114800" cy="3086100"/>
+          </a:xfrm>
+          <a:prstGeom prst="rect">
+            <a:avLst/>
+          </a:prstGeom>
+          <a:noFill/>
+          <a:ln w="12700">
+            <a:solidFill>
+              <a:prstClr val="black"/>
+            </a:solidFill>
+          </a:ln>
+        </p:spPr>
+        <p:txBody>
+          <a:bodyPr vert="horz" lIns="91440" tIns="45720" rIns="91440" bIns="45720" rtlCol="0" anchor="ctr"/>
+          <a:lstStyle/>
+          <a:p>
+            <a:endParaRPr lang="en-US"/>
+          </a:p>
+        </p:txBody>
+      </p:sp>
+      <p:sp>
+        <p:nvSpPr>
+          <p:cNvPr id="5" name="Notes Placeholder 4"/>
+          <p:cNvSpPr>
+            <a:spLocks noGrp="1"/>
+          </p:cNvSpPr>
+          <p:nvPr>
+            <p:ph type="body" sz="quarter" idx="3"/>
+          </p:nvPr>
+        </p:nvSpPr>
+        <p:spPr>
+          <a:xfrm>
+            <a:off x="685800" y="4400550"/>
+            <a:ext cx="5486400" cy="3600450"/>
+          </a:xfrm>
+          <a:prstGeom prst="rect">
+            <a:avLst/>
+          </a:prstGeom>
+        </p:spPr>
+        <p:txBody>
+          <a:bodyPr vert="horz" lIns="91440" tIns="45720" rIns="91440" bIns="45720" rtlCol="0"/>
+          <a:lstStyle/>
+          <a:p>
+            <a:pPr lvl="0"/>
+            <a:r>
+              <a:rPr lang="en-US" smtClean="0"/>
+              <a:t>Click to edit Master text styles</a:t>
+            </a:r>
+          </a:p>
+          <a:p>
+            <a:pPr lvl="1"/>
+            <a:r>
+              <a:rPr lang="en-US" smtClean="0"/>
+              <a:t>Second level</a:t>
+            </a:r>
+          </a:p>
+          <a:p>
+            <a:pPr lvl="2"/>
+            <a:r>
+              <a:rPr lang="en-US" smtClean="0"/>
+              <a:t>Third level</a:t>
+            </a:r>
+          </a:p>
+          <a:p>
+            <a:pPr lvl="3"/>
+            <a:r>
+              <a:rPr lang="en-US" smtClean="0"/>
+              <a:t>Fourth level</a:t>
+            </a:r>
+          </a:p>
+          <a:p>
+            <a:pPr lvl="4"/>
+            <a:r>
+              <a:rPr lang="en-US" smtClean="0"/>
+              <a:t>Fifth level</a:t>
+            </a:r>
+            <a:endParaRPr lang="en-US"/>
+          </a:p>
+        </p:txBody>
+      </p:sp>
+      <p:sp>
+        <p:nvSpPr>
+          <p:cNvPr id="6" name="Footer Placeholder 5"/>
+          <p:cNvSpPr>
+            <a:spLocks noGrp="1"/>
+          </p:cNvSpPr>
+          <p:nvPr>
+            <p:ph type="ftr" sz="quarter" idx="4"/>
+          </p:nvPr>
+        </p:nvSpPr>
+        <p:spPr>
+          <a:xfrm>
+            <a:off x="0" y="8685213"/>
+            <a:ext cx="2971800" cy="458787"/>
+          </a:xfrm>
+          <a:prstGeom prst="rect">
+            <a:avLst/>
+          </a:prstGeom>
+        </p:spPr>
+        <p:txBody>
+          <a:bodyPr vert="horz" lIns="91440" tIns="45720" rIns="91440" bIns="45720" rtlCol="0" anchor="b"/>
+          <a:lstStyle>
+            <a:lvl1pPr algn="l">
+              <a:defRPr sz="1200"/>
+            </a:lvl1pPr>
+          </a:lstStyle>
+          <a:p>
+            <a:endParaRPr lang="en-US"/>
+          </a:p>
+        </p:txBody>
+      </p:sp>
+      <p:sp>
+        <p:nvSpPr>
+          <p:cNvPr id="7" name="Slide Number Placeholder 6"/>
+          <p:cNvSpPr>
+            <a:spLocks noGrp="1"/>
+          </p:cNvSpPr>
+          <p:nvPr>
+            <p:ph type="sldNum" sz="quarter" idx="5"/>
+          </p:nvPr>
+        </p:nvSpPr>
+        <p:spPr>
+          <a:xfrm>
+            <a:off x="3884613" y="8685213"/>
+            <a:ext cx="2971800" cy="458787"/>
+          </a:xfrm>
+          <a:prstGeom prst="rect">
+            <a:avLst/>
+          </a:prstGeom>
+        </p:spPr>
+        <p:txBody>
+          <a:bodyPr vert="horz" lIns="91440" tIns="45720" rIns="91440" bIns="45720" rtlCol="0" anchor="b"/>
+          <a:lstStyle>
+            <a:lvl1pPr algn="r">
+              <a:defRPr sz="1200"/>
+            </a:lvl1pPr>
+          </a:lstStyle>
+          <a:p>
+            <a:fld id="{9DB60748-328D-4643-B9C2-E28912597ACE}" type="slidenum">
+              <a:rPr lang="en-US" smtClean="0"/>
+              <a:t>‹#›</a:t>
+            </a:fld>
+            <a:endParaRPr lang="en-US"/>
+          </a:p>
+        </p:txBody>
+      </p:sp>
+    </p:spTree>
+    <p:extLst>
+      <p:ext uri="{BB962C8B-B14F-4D97-AF65-F5344CB8AC3E}">
+        <p14:creationId xmlns:p14="http://schemas.microsoft.com/office/powerpoint/2010/main" val="556104737"/>
+      </p:ext>
+    </p:extLst>
+  </p:cSld>
+  <p:clrMap bg1="lt1" tx1="dk1" bg2="lt2" tx2="dk2" accent1="accent1" accent2="accent2" accent3="accent3" accent4="accent4" accent5="accent5" accent6="accent6" hlink="hlink" folHlink="folHlink"/>
+  <p:notesStyle>
+    <a:lvl1pPr marL="0" algn="l" defTabSz="914400" rtl="0" eaLnBrk="1" latinLnBrk="0" hangingPunct="1">
+      <a:defRPr sz="1200" kern="1200">
+        <a:solidFill>
+          <a:schemeClr val="tx1"/>
+        </a:solidFill>
+        <a:latin typeface="+mn-lt"/>
+        <a:ea typeface="+mn-ea"/>
+        <a:cs typeface="+mn-cs"/>
+      </a:defRPr>
+    </a:lvl1pPr>
+    <a:lvl2pPr marL="457200" algn="l" defTabSz="914400" rtl="0" eaLnBrk="1" latinLnBrk="0" hangingPunct="1">
+      <a:defRPr sz="1200" kern="1200">
+        <a:solidFill>
+          <a:schemeClr val="tx1"/>
+        </a:solidFill>
+        <a:latin typeface="+mn-lt"/>
+        <a:ea typeface="+mn-ea"/>
+        <a:cs typeface="+mn-cs"/>
+      </a:defRPr>
+    </a:lvl2pPr>
+    <a:lvl3pPr marL="914400" algn="l" defTabSz="914400" rtl="0" eaLnBrk="1" latinLnBrk="0" hangingPunct="1">
+      <a:defRPr sz="1200" kern="1200">
+        <a:solidFill>
+          <a:schemeClr val="tx1"/>
+        </a:solidFill>
+        <a:latin typeface="+mn-lt"/>
+        <a:ea typeface="+mn-ea"/>
+        <a:cs typeface="+mn-cs"/>
+      </a:defRPr>
+    </a:lvl3pPr>
+    <a:lvl4pPr marL="1371600" algn="l" defTabSz="914400" rtl="0" eaLnBrk="1" latinLnBrk="0" hangingPunct="1">
+      <a:defRPr sz="1200" kern="1200">
+        <a:solidFill>
+          <a:schemeClr val="tx1"/>
+        </a:solidFill>
+        <a:latin typeface="+mn-lt"/>
+        <a:ea typeface="+mn-ea"/>
+        <a:cs typeface="+mn-cs"/>
+      </a:defRPr>
+    </a:lvl4pPr>
+    <a:lvl5pPr marL="1828800" algn="l" defTabSz="914400" rtl="0" eaLnBrk="1" latinLnBrk="0" hangingPunct="1">
+      <a:defRPr sz="1200" kern="1200">
+        <a:solidFill>
+          <a:schemeClr val="tx1"/>
+        </a:solidFill>
+        <a:latin typeface="+mn-lt"/>
+        <a:ea typeface="+mn-ea"/>
+        <a:cs typeface="+mn-cs"/>
+      </a:defRPr>
+    </a:lvl5pPr>
+    <a:lvl6pPr marL="2286000" algn="l" defTabSz="914400" rtl="0" eaLnBrk="1" latinLnBrk="0" hangingPunct="1">
+      <a:defRPr sz="1200" kern="1200">
+        <a:solidFill>
+          <a:schemeClr val="tx1"/>
+        </a:solidFill>
+        <a:latin typeface="+mn-lt"/>
+        <a:ea typeface="+mn-ea"/>
+        <a:cs typeface="+mn-cs"/>
+      </a:defRPr>
+    </a:lvl6pPr>
+    <a:lvl7pPr marL="2743200" algn="l" defTabSz="914400" rtl="0" eaLnBrk="1" latinLnBrk="0" hangingPunct="1">
+      <a:defRPr sz="1200" kern="1200">
+        <a:solidFill>
+          <a:schemeClr val="tx1"/>
+        </a:solidFill>
+        <a:latin typeface="+mn-lt"/>
+        <a:ea typeface="+mn-ea"/>
+        <a:cs typeface="+mn-cs"/>
+      </a:defRPr>
+    </a:lvl7pPr>
+    <a:lvl8pPr marL="3200400" algn="l" defTabSz="914400" rtl="0" eaLnBrk="1" latinLnBrk="0" hangingPunct="1">
+      <a:defRPr sz="1200" kern="1200">
+        <a:solidFill>
+          <a:schemeClr val="tx1"/>
+        </a:solidFill>
+        <a:latin typeface="+mn-lt"/>
+        <a:ea typeface="+mn-ea"/>
+        <a:cs typeface="+mn-cs"/>
+      </a:defRPr>
+    </a:lvl8pPr>
+    <a:lvl9pPr marL="3657600" algn="l" defTabSz="914400" rtl="0" eaLnBrk="1" latinLnBrk="0" hangingPunct="1">
+      <a:defRPr sz="1200" kern="1200">
+        <a:solidFill>
+          <a:schemeClr val="tx1"/>
+        </a:solidFill>
+        <a:latin typeface="+mn-lt"/>
+        <a:ea typeface="+mn-ea"/>
+        <a:cs typeface="+mn-cs"/>
+      </a:defRPr>
+    </a:lvl9pPr>
+  </p:notesStyle>
+</p:notesMaster>
 </file>
 
 <file path=ppt/slideLayouts/slideLayout1.xml><?xml version="1.0" encoding="utf-8"?>
@@ -313,7 +685,7 @@
           <a:p>
             <a:fld id="{A9999F1C-1463-A74E-ACAE-D25F0447B980}" type="datetimeFigureOut">
               <a:rPr lang="en-US" smtClean="0"/>
-              <a:t>6/24/20</a:t>
+              <a:t>9/12/20</a:t>
             </a:fld>
             <a:endParaRPr lang="en-US"/>
           </a:p>
@@ -483,7 +855,7 @@
           <a:p>
             <a:fld id="{A9999F1C-1463-A74E-ACAE-D25F0447B980}" type="datetimeFigureOut">
               <a:rPr lang="en-US" smtClean="0"/>
-              <a:t>6/24/20</a:t>
+              <a:t>9/12/20</a:t>
             </a:fld>
             <a:endParaRPr lang="en-US"/>
           </a:p>
@@ -663,7 +1035,7 @@
           <a:p>
             <a:fld id="{A9999F1C-1463-A74E-ACAE-D25F0447B980}" type="datetimeFigureOut">
               <a:rPr lang="en-US" smtClean="0"/>
-              <a:t>6/24/20</a:t>
+              <a:t>9/12/20</a:t>
             </a:fld>
             <a:endParaRPr lang="en-US"/>
           </a:p>
@@ -717,6 +1089,1927 @@
         <p14:creationId xmlns:p14="http://schemas.microsoft.com/office/powerpoint/2010/main" val="571592117"/>
       </p:ext>
     </p:extLst>
+  </p:cSld>
+  <p:clrMapOvr>
+    <a:masterClrMapping/>
+  </p:clrMapOvr>
+</p:sldLayout>
+</file>
+
+<file path=ppt/slideLayouts/slideLayout12.xml><?xml version="1.0" encoding="utf-8"?>
+<p:sldLayout xmlns:a="http://schemas.openxmlformats.org/drawingml/2006/main" xmlns:r="http://schemas.openxmlformats.org/officeDocument/2006/relationships" xmlns:p="http://schemas.openxmlformats.org/presentationml/2006/main" type="title" preserve="1">
+  <p:cSld name="Title Slide">
+    <p:spTree>
+      <p:nvGrpSpPr>
+        <p:cNvPr id="1" name=""/>
+        <p:cNvGrpSpPr/>
+        <p:nvPr/>
+      </p:nvGrpSpPr>
+      <p:grpSpPr>
+        <a:xfrm>
+          <a:off x="0" y="0"/>
+          <a:ext cx="0" cy="0"/>
+          <a:chOff x="0" y="0"/>
+          <a:chExt cx="0" cy="0"/>
+        </a:xfrm>
+      </p:grpSpPr>
+      <p:sp>
+        <p:nvSpPr>
+          <p:cNvPr id="2" name="Title 1"/>
+          <p:cNvSpPr>
+            <a:spLocks noGrp="1"/>
+          </p:cNvSpPr>
+          <p:nvPr>
+            <p:ph type="ctrTitle"/>
+          </p:nvPr>
+        </p:nvSpPr>
+        <p:spPr>
+          <a:xfrm>
+            <a:off x="1143000" y="1122363"/>
+            <a:ext cx="6858000" cy="2387600"/>
+          </a:xfrm>
+        </p:spPr>
+        <p:txBody>
+          <a:bodyPr anchor="b"/>
+          <a:lstStyle>
+            <a:lvl1pPr algn="ctr">
+              <a:defRPr sz="4500"/>
+            </a:lvl1pPr>
+          </a:lstStyle>
+          <a:p>
+            <a:r>
+              <a:rPr lang="en-US" smtClean="0"/>
+              <a:t>Click to edit Master title style</a:t>
+            </a:r>
+            <a:endParaRPr lang="en-US"/>
+          </a:p>
+        </p:txBody>
+      </p:sp>
+      <p:sp>
+        <p:nvSpPr>
+          <p:cNvPr id="3" name="Subtitle 2"/>
+          <p:cNvSpPr>
+            <a:spLocks noGrp="1"/>
+          </p:cNvSpPr>
+          <p:nvPr>
+            <p:ph type="subTitle" idx="1"/>
+          </p:nvPr>
+        </p:nvSpPr>
+        <p:spPr>
+          <a:xfrm>
+            <a:off x="1143000" y="3602037"/>
+            <a:ext cx="6858000" cy="1655763"/>
+          </a:xfrm>
+        </p:spPr>
+        <p:txBody>
+          <a:bodyPr/>
+          <a:lstStyle>
+            <a:lvl1pPr marL="0" indent="0" algn="ctr">
+              <a:buNone/>
+              <a:defRPr sz="1800"/>
+            </a:lvl1pPr>
+            <a:lvl2pPr marL="342900" indent="0" algn="ctr">
+              <a:buNone/>
+              <a:defRPr sz="1500"/>
+            </a:lvl2pPr>
+            <a:lvl3pPr marL="685800" indent="0" algn="ctr">
+              <a:buNone/>
+              <a:defRPr sz="1350"/>
+            </a:lvl3pPr>
+            <a:lvl4pPr marL="1028700" indent="0" algn="ctr">
+              <a:buNone/>
+              <a:defRPr sz="1200"/>
+            </a:lvl4pPr>
+            <a:lvl5pPr marL="1371600" indent="0" algn="ctr">
+              <a:buNone/>
+              <a:defRPr sz="1200"/>
+            </a:lvl5pPr>
+            <a:lvl6pPr marL="1714500" indent="0" algn="ctr">
+              <a:buNone/>
+              <a:defRPr sz="1200"/>
+            </a:lvl6pPr>
+            <a:lvl7pPr marL="2057400" indent="0" algn="ctr">
+              <a:buNone/>
+              <a:defRPr sz="1200"/>
+            </a:lvl7pPr>
+            <a:lvl8pPr marL="2400300" indent="0" algn="ctr">
+              <a:buNone/>
+              <a:defRPr sz="1200"/>
+            </a:lvl8pPr>
+            <a:lvl9pPr marL="2743200" indent="0" algn="ctr">
+              <a:buNone/>
+              <a:defRPr sz="1200"/>
+            </a:lvl9pPr>
+          </a:lstStyle>
+          <a:p>
+            <a:r>
+              <a:rPr lang="en-US" smtClean="0"/>
+              <a:t>Click to edit Master subtitle style</a:t>
+            </a:r>
+            <a:endParaRPr lang="en-US"/>
+          </a:p>
+        </p:txBody>
+      </p:sp>
+      <p:sp>
+        <p:nvSpPr>
+          <p:cNvPr id="4" name="Date Placeholder 3"/>
+          <p:cNvSpPr>
+            <a:spLocks noGrp="1"/>
+          </p:cNvSpPr>
+          <p:nvPr>
+            <p:ph type="dt" sz="half" idx="10"/>
+          </p:nvPr>
+        </p:nvSpPr>
+        <p:spPr/>
+        <p:txBody>
+          <a:bodyPr/>
+          <a:lstStyle/>
+          <a:p>
+            <a:fld id="{92CAA8A4-0ED2-3C42-8F86-06294E9F5717}" type="datetimeFigureOut">
+              <a:rPr lang="en-US" smtClean="0">
+                <a:solidFill>
+                  <a:prstClr val="black">
+                    <a:tint val="75000"/>
+                  </a:prstClr>
+                </a:solidFill>
+              </a:rPr>
+              <a:pPr/>
+              <a:t>9/12/20</a:t>
+            </a:fld>
+            <a:endParaRPr lang="en-US">
+              <a:solidFill>
+                <a:prstClr val="black">
+                  <a:tint val="75000"/>
+                </a:prstClr>
+              </a:solidFill>
+            </a:endParaRPr>
+          </a:p>
+        </p:txBody>
+      </p:sp>
+      <p:sp>
+        <p:nvSpPr>
+          <p:cNvPr id="5" name="Footer Placeholder 4"/>
+          <p:cNvSpPr>
+            <a:spLocks noGrp="1"/>
+          </p:cNvSpPr>
+          <p:nvPr>
+            <p:ph type="ftr" sz="quarter" idx="11"/>
+          </p:nvPr>
+        </p:nvSpPr>
+        <p:spPr/>
+        <p:txBody>
+          <a:bodyPr/>
+          <a:lstStyle/>
+          <a:p>
+            <a:endParaRPr lang="en-US">
+              <a:solidFill>
+                <a:prstClr val="black">
+                  <a:tint val="75000"/>
+                </a:prstClr>
+              </a:solidFill>
+            </a:endParaRPr>
+          </a:p>
+        </p:txBody>
+      </p:sp>
+      <p:sp>
+        <p:nvSpPr>
+          <p:cNvPr id="6" name="Slide Number Placeholder 5"/>
+          <p:cNvSpPr>
+            <a:spLocks noGrp="1"/>
+          </p:cNvSpPr>
+          <p:nvPr>
+            <p:ph type="sldNum" sz="quarter" idx="12"/>
+          </p:nvPr>
+        </p:nvSpPr>
+        <p:spPr/>
+        <p:txBody>
+          <a:bodyPr/>
+          <a:lstStyle/>
+          <a:p>
+            <a:fld id="{ADCF0D4B-B936-754B-BA5E-F482D12E455A}" type="slidenum">
+              <a:rPr lang="en-US" smtClean="0">
+                <a:solidFill>
+                  <a:prstClr val="black">
+                    <a:tint val="75000"/>
+                  </a:prstClr>
+                </a:solidFill>
+              </a:rPr>
+              <a:pPr/>
+              <a:t>‹#›</a:t>
+            </a:fld>
+            <a:endParaRPr lang="en-US">
+              <a:solidFill>
+                <a:prstClr val="black">
+                  <a:tint val="75000"/>
+                </a:prstClr>
+              </a:solidFill>
+            </a:endParaRPr>
+          </a:p>
+        </p:txBody>
+      </p:sp>
+    </p:spTree>
+    <p:extLst/>
+  </p:cSld>
+  <p:clrMapOvr>
+    <a:masterClrMapping/>
+  </p:clrMapOvr>
+</p:sldLayout>
+</file>
+
+<file path=ppt/slideLayouts/slideLayout13.xml><?xml version="1.0" encoding="utf-8"?>
+<p:sldLayout xmlns:a="http://schemas.openxmlformats.org/drawingml/2006/main" xmlns:r="http://schemas.openxmlformats.org/officeDocument/2006/relationships" xmlns:p="http://schemas.openxmlformats.org/presentationml/2006/main" type="obj" preserve="1">
+  <p:cSld name="Title and Content">
+    <p:spTree>
+      <p:nvGrpSpPr>
+        <p:cNvPr id="1" name=""/>
+        <p:cNvGrpSpPr/>
+        <p:nvPr/>
+      </p:nvGrpSpPr>
+      <p:grpSpPr>
+        <a:xfrm>
+          <a:off x="0" y="0"/>
+          <a:ext cx="0" cy="0"/>
+          <a:chOff x="0" y="0"/>
+          <a:chExt cx="0" cy="0"/>
+        </a:xfrm>
+      </p:grpSpPr>
+      <p:sp>
+        <p:nvSpPr>
+          <p:cNvPr id="2" name="Title 1"/>
+          <p:cNvSpPr>
+            <a:spLocks noGrp="1"/>
+          </p:cNvSpPr>
+          <p:nvPr>
+            <p:ph type="title"/>
+          </p:nvPr>
+        </p:nvSpPr>
+        <p:spPr/>
+        <p:txBody>
+          <a:bodyPr/>
+          <a:lstStyle/>
+          <a:p>
+            <a:r>
+              <a:rPr lang="en-US" smtClean="0"/>
+              <a:t>Click to edit Master title style</a:t>
+            </a:r>
+            <a:endParaRPr lang="en-US"/>
+          </a:p>
+        </p:txBody>
+      </p:sp>
+      <p:sp>
+        <p:nvSpPr>
+          <p:cNvPr id="3" name="Content Placeholder 2"/>
+          <p:cNvSpPr>
+            <a:spLocks noGrp="1"/>
+          </p:cNvSpPr>
+          <p:nvPr>
+            <p:ph idx="1"/>
+          </p:nvPr>
+        </p:nvSpPr>
+        <p:spPr/>
+        <p:txBody>
+          <a:bodyPr/>
+          <a:lstStyle/>
+          <a:p>
+            <a:pPr lvl="0"/>
+            <a:r>
+              <a:rPr lang="en-US" smtClean="0"/>
+              <a:t>Click to edit Master text styles</a:t>
+            </a:r>
+          </a:p>
+          <a:p>
+            <a:pPr lvl="1"/>
+            <a:r>
+              <a:rPr lang="en-US" smtClean="0"/>
+              <a:t>Second level</a:t>
+            </a:r>
+          </a:p>
+          <a:p>
+            <a:pPr lvl="2"/>
+            <a:r>
+              <a:rPr lang="en-US" smtClean="0"/>
+              <a:t>Third level</a:t>
+            </a:r>
+          </a:p>
+          <a:p>
+            <a:pPr lvl="3"/>
+            <a:r>
+              <a:rPr lang="en-US" smtClean="0"/>
+              <a:t>Fourth level</a:t>
+            </a:r>
+          </a:p>
+          <a:p>
+            <a:pPr lvl="4"/>
+            <a:r>
+              <a:rPr lang="en-US" smtClean="0"/>
+              <a:t>Fifth level</a:t>
+            </a:r>
+            <a:endParaRPr lang="en-US"/>
+          </a:p>
+        </p:txBody>
+      </p:sp>
+      <p:sp>
+        <p:nvSpPr>
+          <p:cNvPr id="4" name="Date Placeholder 3"/>
+          <p:cNvSpPr>
+            <a:spLocks noGrp="1"/>
+          </p:cNvSpPr>
+          <p:nvPr>
+            <p:ph type="dt" sz="half" idx="10"/>
+          </p:nvPr>
+        </p:nvSpPr>
+        <p:spPr/>
+        <p:txBody>
+          <a:bodyPr/>
+          <a:lstStyle/>
+          <a:p>
+            <a:fld id="{92CAA8A4-0ED2-3C42-8F86-06294E9F5717}" type="datetimeFigureOut">
+              <a:rPr lang="en-US" smtClean="0">
+                <a:solidFill>
+                  <a:prstClr val="black">
+                    <a:tint val="75000"/>
+                  </a:prstClr>
+                </a:solidFill>
+              </a:rPr>
+              <a:pPr/>
+              <a:t>9/12/20</a:t>
+            </a:fld>
+            <a:endParaRPr lang="en-US">
+              <a:solidFill>
+                <a:prstClr val="black">
+                  <a:tint val="75000"/>
+                </a:prstClr>
+              </a:solidFill>
+            </a:endParaRPr>
+          </a:p>
+        </p:txBody>
+      </p:sp>
+      <p:sp>
+        <p:nvSpPr>
+          <p:cNvPr id="5" name="Footer Placeholder 4"/>
+          <p:cNvSpPr>
+            <a:spLocks noGrp="1"/>
+          </p:cNvSpPr>
+          <p:nvPr>
+            <p:ph type="ftr" sz="quarter" idx="11"/>
+          </p:nvPr>
+        </p:nvSpPr>
+        <p:spPr/>
+        <p:txBody>
+          <a:bodyPr/>
+          <a:lstStyle/>
+          <a:p>
+            <a:endParaRPr lang="en-US">
+              <a:solidFill>
+                <a:prstClr val="black">
+                  <a:tint val="75000"/>
+                </a:prstClr>
+              </a:solidFill>
+            </a:endParaRPr>
+          </a:p>
+        </p:txBody>
+      </p:sp>
+      <p:sp>
+        <p:nvSpPr>
+          <p:cNvPr id="6" name="Slide Number Placeholder 5"/>
+          <p:cNvSpPr>
+            <a:spLocks noGrp="1"/>
+          </p:cNvSpPr>
+          <p:nvPr>
+            <p:ph type="sldNum" sz="quarter" idx="12"/>
+          </p:nvPr>
+        </p:nvSpPr>
+        <p:spPr/>
+        <p:txBody>
+          <a:bodyPr/>
+          <a:lstStyle/>
+          <a:p>
+            <a:fld id="{ADCF0D4B-B936-754B-BA5E-F482D12E455A}" type="slidenum">
+              <a:rPr lang="en-US" smtClean="0">
+                <a:solidFill>
+                  <a:prstClr val="black">
+                    <a:tint val="75000"/>
+                  </a:prstClr>
+                </a:solidFill>
+              </a:rPr>
+              <a:pPr/>
+              <a:t>‹#›</a:t>
+            </a:fld>
+            <a:endParaRPr lang="en-US">
+              <a:solidFill>
+                <a:prstClr val="black">
+                  <a:tint val="75000"/>
+                </a:prstClr>
+              </a:solidFill>
+            </a:endParaRPr>
+          </a:p>
+        </p:txBody>
+      </p:sp>
+    </p:spTree>
+    <p:extLst/>
+  </p:cSld>
+  <p:clrMapOvr>
+    <a:masterClrMapping/>
+  </p:clrMapOvr>
+</p:sldLayout>
+</file>
+
+<file path=ppt/slideLayouts/slideLayout14.xml><?xml version="1.0" encoding="utf-8"?>
+<p:sldLayout xmlns:a="http://schemas.openxmlformats.org/drawingml/2006/main" xmlns:r="http://schemas.openxmlformats.org/officeDocument/2006/relationships" xmlns:p="http://schemas.openxmlformats.org/presentationml/2006/main" type="secHead" preserve="1">
+  <p:cSld name="Section Header">
+    <p:spTree>
+      <p:nvGrpSpPr>
+        <p:cNvPr id="1" name=""/>
+        <p:cNvGrpSpPr/>
+        <p:nvPr/>
+      </p:nvGrpSpPr>
+      <p:grpSpPr>
+        <a:xfrm>
+          <a:off x="0" y="0"/>
+          <a:ext cx="0" cy="0"/>
+          <a:chOff x="0" y="0"/>
+          <a:chExt cx="0" cy="0"/>
+        </a:xfrm>
+      </p:grpSpPr>
+      <p:sp>
+        <p:nvSpPr>
+          <p:cNvPr id="2" name="Title 1"/>
+          <p:cNvSpPr>
+            <a:spLocks noGrp="1"/>
+          </p:cNvSpPr>
+          <p:nvPr>
+            <p:ph type="title"/>
+          </p:nvPr>
+        </p:nvSpPr>
+        <p:spPr>
+          <a:xfrm>
+            <a:off x="623888" y="1709740"/>
+            <a:ext cx="7886700" cy="2852737"/>
+          </a:xfrm>
+        </p:spPr>
+        <p:txBody>
+          <a:bodyPr anchor="b"/>
+          <a:lstStyle>
+            <a:lvl1pPr>
+              <a:defRPr sz="4500"/>
+            </a:lvl1pPr>
+          </a:lstStyle>
+          <a:p>
+            <a:r>
+              <a:rPr lang="en-US" smtClean="0"/>
+              <a:t>Click to edit Master title style</a:t>
+            </a:r>
+            <a:endParaRPr lang="en-US"/>
+          </a:p>
+        </p:txBody>
+      </p:sp>
+      <p:sp>
+        <p:nvSpPr>
+          <p:cNvPr id="3" name="Text Placeholder 2"/>
+          <p:cNvSpPr>
+            <a:spLocks noGrp="1"/>
+          </p:cNvSpPr>
+          <p:nvPr>
+            <p:ph type="body" idx="1"/>
+          </p:nvPr>
+        </p:nvSpPr>
+        <p:spPr>
+          <a:xfrm>
+            <a:off x="623888" y="4589464"/>
+            <a:ext cx="7886700" cy="1500187"/>
+          </a:xfrm>
+        </p:spPr>
+        <p:txBody>
+          <a:bodyPr/>
+          <a:lstStyle>
+            <a:lvl1pPr marL="0" indent="0">
+              <a:buNone/>
+              <a:defRPr sz="1800">
+                <a:solidFill>
+                  <a:schemeClr val="tx1">
+                    <a:tint val="75000"/>
+                  </a:schemeClr>
+                </a:solidFill>
+              </a:defRPr>
+            </a:lvl1pPr>
+            <a:lvl2pPr marL="342900" indent="0">
+              <a:buNone/>
+              <a:defRPr sz="1500">
+                <a:solidFill>
+                  <a:schemeClr val="tx1">
+                    <a:tint val="75000"/>
+                  </a:schemeClr>
+                </a:solidFill>
+              </a:defRPr>
+            </a:lvl2pPr>
+            <a:lvl3pPr marL="685800" indent="0">
+              <a:buNone/>
+              <a:defRPr sz="1350">
+                <a:solidFill>
+                  <a:schemeClr val="tx1">
+                    <a:tint val="75000"/>
+                  </a:schemeClr>
+                </a:solidFill>
+              </a:defRPr>
+            </a:lvl3pPr>
+            <a:lvl4pPr marL="1028700" indent="0">
+              <a:buNone/>
+              <a:defRPr sz="1200">
+                <a:solidFill>
+                  <a:schemeClr val="tx1">
+                    <a:tint val="75000"/>
+                  </a:schemeClr>
+                </a:solidFill>
+              </a:defRPr>
+            </a:lvl4pPr>
+            <a:lvl5pPr marL="1371600" indent="0">
+              <a:buNone/>
+              <a:defRPr sz="1200">
+                <a:solidFill>
+                  <a:schemeClr val="tx1">
+                    <a:tint val="75000"/>
+                  </a:schemeClr>
+                </a:solidFill>
+              </a:defRPr>
+            </a:lvl5pPr>
+            <a:lvl6pPr marL="1714500" indent="0">
+              <a:buNone/>
+              <a:defRPr sz="1200">
+                <a:solidFill>
+                  <a:schemeClr val="tx1">
+                    <a:tint val="75000"/>
+                  </a:schemeClr>
+                </a:solidFill>
+              </a:defRPr>
+            </a:lvl6pPr>
+            <a:lvl7pPr marL="2057400" indent="0">
+              <a:buNone/>
+              <a:defRPr sz="1200">
+                <a:solidFill>
+                  <a:schemeClr val="tx1">
+                    <a:tint val="75000"/>
+                  </a:schemeClr>
+                </a:solidFill>
+              </a:defRPr>
+            </a:lvl7pPr>
+            <a:lvl8pPr marL="2400300" indent="0">
+              <a:buNone/>
+              <a:defRPr sz="1200">
+                <a:solidFill>
+                  <a:schemeClr val="tx1">
+                    <a:tint val="75000"/>
+                  </a:schemeClr>
+                </a:solidFill>
+              </a:defRPr>
+            </a:lvl8pPr>
+            <a:lvl9pPr marL="2743200" indent="0">
+              <a:buNone/>
+              <a:defRPr sz="1200">
+                <a:solidFill>
+                  <a:schemeClr val="tx1">
+                    <a:tint val="75000"/>
+                  </a:schemeClr>
+                </a:solidFill>
+              </a:defRPr>
+            </a:lvl9pPr>
+          </a:lstStyle>
+          <a:p>
+            <a:pPr lvl="0"/>
+            <a:r>
+              <a:rPr lang="en-US" smtClean="0"/>
+              <a:t>Click to edit Master text styles</a:t>
+            </a:r>
+          </a:p>
+        </p:txBody>
+      </p:sp>
+      <p:sp>
+        <p:nvSpPr>
+          <p:cNvPr id="4" name="Date Placeholder 3"/>
+          <p:cNvSpPr>
+            <a:spLocks noGrp="1"/>
+          </p:cNvSpPr>
+          <p:nvPr>
+            <p:ph type="dt" sz="half" idx="10"/>
+          </p:nvPr>
+        </p:nvSpPr>
+        <p:spPr/>
+        <p:txBody>
+          <a:bodyPr/>
+          <a:lstStyle/>
+          <a:p>
+            <a:fld id="{92CAA8A4-0ED2-3C42-8F86-06294E9F5717}" type="datetimeFigureOut">
+              <a:rPr lang="en-US" smtClean="0">
+                <a:solidFill>
+                  <a:prstClr val="black">
+                    <a:tint val="75000"/>
+                  </a:prstClr>
+                </a:solidFill>
+              </a:rPr>
+              <a:pPr/>
+              <a:t>9/12/20</a:t>
+            </a:fld>
+            <a:endParaRPr lang="en-US">
+              <a:solidFill>
+                <a:prstClr val="black">
+                  <a:tint val="75000"/>
+                </a:prstClr>
+              </a:solidFill>
+            </a:endParaRPr>
+          </a:p>
+        </p:txBody>
+      </p:sp>
+      <p:sp>
+        <p:nvSpPr>
+          <p:cNvPr id="5" name="Footer Placeholder 4"/>
+          <p:cNvSpPr>
+            <a:spLocks noGrp="1"/>
+          </p:cNvSpPr>
+          <p:nvPr>
+            <p:ph type="ftr" sz="quarter" idx="11"/>
+          </p:nvPr>
+        </p:nvSpPr>
+        <p:spPr/>
+        <p:txBody>
+          <a:bodyPr/>
+          <a:lstStyle/>
+          <a:p>
+            <a:endParaRPr lang="en-US">
+              <a:solidFill>
+                <a:prstClr val="black">
+                  <a:tint val="75000"/>
+                </a:prstClr>
+              </a:solidFill>
+            </a:endParaRPr>
+          </a:p>
+        </p:txBody>
+      </p:sp>
+      <p:sp>
+        <p:nvSpPr>
+          <p:cNvPr id="6" name="Slide Number Placeholder 5"/>
+          <p:cNvSpPr>
+            <a:spLocks noGrp="1"/>
+          </p:cNvSpPr>
+          <p:nvPr>
+            <p:ph type="sldNum" sz="quarter" idx="12"/>
+          </p:nvPr>
+        </p:nvSpPr>
+        <p:spPr/>
+        <p:txBody>
+          <a:bodyPr/>
+          <a:lstStyle/>
+          <a:p>
+            <a:fld id="{ADCF0D4B-B936-754B-BA5E-F482D12E455A}" type="slidenum">
+              <a:rPr lang="en-US" smtClean="0">
+                <a:solidFill>
+                  <a:prstClr val="black">
+                    <a:tint val="75000"/>
+                  </a:prstClr>
+                </a:solidFill>
+              </a:rPr>
+              <a:pPr/>
+              <a:t>‹#›</a:t>
+            </a:fld>
+            <a:endParaRPr lang="en-US">
+              <a:solidFill>
+                <a:prstClr val="black">
+                  <a:tint val="75000"/>
+                </a:prstClr>
+              </a:solidFill>
+            </a:endParaRPr>
+          </a:p>
+        </p:txBody>
+      </p:sp>
+    </p:spTree>
+    <p:extLst/>
+  </p:cSld>
+  <p:clrMapOvr>
+    <a:masterClrMapping/>
+  </p:clrMapOvr>
+</p:sldLayout>
+</file>
+
+<file path=ppt/slideLayouts/slideLayout15.xml><?xml version="1.0" encoding="utf-8"?>
+<p:sldLayout xmlns:a="http://schemas.openxmlformats.org/drawingml/2006/main" xmlns:r="http://schemas.openxmlformats.org/officeDocument/2006/relationships" xmlns:p="http://schemas.openxmlformats.org/presentationml/2006/main" type="twoObj" preserve="1">
+  <p:cSld name="Two Content">
+    <p:spTree>
+      <p:nvGrpSpPr>
+        <p:cNvPr id="1" name=""/>
+        <p:cNvGrpSpPr/>
+        <p:nvPr/>
+      </p:nvGrpSpPr>
+      <p:grpSpPr>
+        <a:xfrm>
+          <a:off x="0" y="0"/>
+          <a:ext cx="0" cy="0"/>
+          <a:chOff x="0" y="0"/>
+          <a:chExt cx="0" cy="0"/>
+        </a:xfrm>
+      </p:grpSpPr>
+      <p:sp>
+        <p:nvSpPr>
+          <p:cNvPr id="2" name="Title 1"/>
+          <p:cNvSpPr>
+            <a:spLocks noGrp="1"/>
+          </p:cNvSpPr>
+          <p:nvPr>
+            <p:ph type="title"/>
+          </p:nvPr>
+        </p:nvSpPr>
+        <p:spPr/>
+        <p:txBody>
+          <a:bodyPr/>
+          <a:lstStyle/>
+          <a:p>
+            <a:r>
+              <a:rPr lang="en-US" smtClean="0"/>
+              <a:t>Click to edit Master title style</a:t>
+            </a:r>
+            <a:endParaRPr lang="en-US"/>
+          </a:p>
+        </p:txBody>
+      </p:sp>
+      <p:sp>
+        <p:nvSpPr>
+          <p:cNvPr id="3" name="Content Placeholder 2"/>
+          <p:cNvSpPr>
+            <a:spLocks noGrp="1"/>
+          </p:cNvSpPr>
+          <p:nvPr>
+            <p:ph sz="half" idx="1"/>
+          </p:nvPr>
+        </p:nvSpPr>
+        <p:spPr>
+          <a:xfrm>
+            <a:off x="628650" y="1825625"/>
+            <a:ext cx="3886200" cy="4351339"/>
+          </a:xfrm>
+        </p:spPr>
+        <p:txBody>
+          <a:bodyPr/>
+          <a:lstStyle/>
+          <a:p>
+            <a:pPr lvl="0"/>
+            <a:r>
+              <a:rPr lang="en-US" smtClean="0"/>
+              <a:t>Click to edit Master text styles</a:t>
+            </a:r>
+          </a:p>
+          <a:p>
+            <a:pPr lvl="1"/>
+            <a:r>
+              <a:rPr lang="en-US" smtClean="0"/>
+              <a:t>Second level</a:t>
+            </a:r>
+          </a:p>
+          <a:p>
+            <a:pPr lvl="2"/>
+            <a:r>
+              <a:rPr lang="en-US" smtClean="0"/>
+              <a:t>Third level</a:t>
+            </a:r>
+          </a:p>
+          <a:p>
+            <a:pPr lvl="3"/>
+            <a:r>
+              <a:rPr lang="en-US" smtClean="0"/>
+              <a:t>Fourth level</a:t>
+            </a:r>
+          </a:p>
+          <a:p>
+            <a:pPr lvl="4"/>
+            <a:r>
+              <a:rPr lang="en-US" smtClean="0"/>
+              <a:t>Fifth level</a:t>
+            </a:r>
+            <a:endParaRPr lang="en-US"/>
+          </a:p>
+        </p:txBody>
+      </p:sp>
+      <p:sp>
+        <p:nvSpPr>
+          <p:cNvPr id="4" name="Content Placeholder 3"/>
+          <p:cNvSpPr>
+            <a:spLocks noGrp="1"/>
+          </p:cNvSpPr>
+          <p:nvPr>
+            <p:ph sz="half" idx="2"/>
+          </p:nvPr>
+        </p:nvSpPr>
+        <p:spPr>
+          <a:xfrm>
+            <a:off x="4629150" y="1825625"/>
+            <a:ext cx="3886200" cy="4351339"/>
+          </a:xfrm>
+        </p:spPr>
+        <p:txBody>
+          <a:bodyPr/>
+          <a:lstStyle/>
+          <a:p>
+            <a:pPr lvl="0"/>
+            <a:r>
+              <a:rPr lang="en-US" smtClean="0"/>
+              <a:t>Click to edit Master text styles</a:t>
+            </a:r>
+          </a:p>
+          <a:p>
+            <a:pPr lvl="1"/>
+            <a:r>
+              <a:rPr lang="en-US" smtClean="0"/>
+              <a:t>Second level</a:t>
+            </a:r>
+          </a:p>
+          <a:p>
+            <a:pPr lvl="2"/>
+            <a:r>
+              <a:rPr lang="en-US" smtClean="0"/>
+              <a:t>Third level</a:t>
+            </a:r>
+          </a:p>
+          <a:p>
+            <a:pPr lvl="3"/>
+            <a:r>
+              <a:rPr lang="en-US" smtClean="0"/>
+              <a:t>Fourth level</a:t>
+            </a:r>
+          </a:p>
+          <a:p>
+            <a:pPr lvl="4"/>
+            <a:r>
+              <a:rPr lang="en-US" smtClean="0"/>
+              <a:t>Fifth level</a:t>
+            </a:r>
+            <a:endParaRPr lang="en-US"/>
+          </a:p>
+        </p:txBody>
+      </p:sp>
+      <p:sp>
+        <p:nvSpPr>
+          <p:cNvPr id="5" name="Date Placeholder 4"/>
+          <p:cNvSpPr>
+            <a:spLocks noGrp="1"/>
+          </p:cNvSpPr>
+          <p:nvPr>
+            <p:ph type="dt" sz="half" idx="10"/>
+          </p:nvPr>
+        </p:nvSpPr>
+        <p:spPr/>
+        <p:txBody>
+          <a:bodyPr/>
+          <a:lstStyle/>
+          <a:p>
+            <a:fld id="{92CAA8A4-0ED2-3C42-8F86-06294E9F5717}" type="datetimeFigureOut">
+              <a:rPr lang="en-US" smtClean="0">
+                <a:solidFill>
+                  <a:prstClr val="black">
+                    <a:tint val="75000"/>
+                  </a:prstClr>
+                </a:solidFill>
+              </a:rPr>
+              <a:pPr/>
+              <a:t>9/12/20</a:t>
+            </a:fld>
+            <a:endParaRPr lang="en-US">
+              <a:solidFill>
+                <a:prstClr val="black">
+                  <a:tint val="75000"/>
+                </a:prstClr>
+              </a:solidFill>
+            </a:endParaRPr>
+          </a:p>
+        </p:txBody>
+      </p:sp>
+      <p:sp>
+        <p:nvSpPr>
+          <p:cNvPr id="6" name="Footer Placeholder 5"/>
+          <p:cNvSpPr>
+            <a:spLocks noGrp="1"/>
+          </p:cNvSpPr>
+          <p:nvPr>
+            <p:ph type="ftr" sz="quarter" idx="11"/>
+          </p:nvPr>
+        </p:nvSpPr>
+        <p:spPr/>
+        <p:txBody>
+          <a:bodyPr/>
+          <a:lstStyle/>
+          <a:p>
+            <a:endParaRPr lang="en-US">
+              <a:solidFill>
+                <a:prstClr val="black">
+                  <a:tint val="75000"/>
+                </a:prstClr>
+              </a:solidFill>
+            </a:endParaRPr>
+          </a:p>
+        </p:txBody>
+      </p:sp>
+      <p:sp>
+        <p:nvSpPr>
+          <p:cNvPr id="7" name="Slide Number Placeholder 6"/>
+          <p:cNvSpPr>
+            <a:spLocks noGrp="1"/>
+          </p:cNvSpPr>
+          <p:nvPr>
+            <p:ph type="sldNum" sz="quarter" idx="12"/>
+          </p:nvPr>
+        </p:nvSpPr>
+        <p:spPr/>
+        <p:txBody>
+          <a:bodyPr/>
+          <a:lstStyle/>
+          <a:p>
+            <a:fld id="{ADCF0D4B-B936-754B-BA5E-F482D12E455A}" type="slidenum">
+              <a:rPr lang="en-US" smtClean="0">
+                <a:solidFill>
+                  <a:prstClr val="black">
+                    <a:tint val="75000"/>
+                  </a:prstClr>
+                </a:solidFill>
+              </a:rPr>
+              <a:pPr/>
+              <a:t>‹#›</a:t>
+            </a:fld>
+            <a:endParaRPr lang="en-US">
+              <a:solidFill>
+                <a:prstClr val="black">
+                  <a:tint val="75000"/>
+                </a:prstClr>
+              </a:solidFill>
+            </a:endParaRPr>
+          </a:p>
+        </p:txBody>
+      </p:sp>
+    </p:spTree>
+    <p:extLst/>
+  </p:cSld>
+  <p:clrMapOvr>
+    <a:masterClrMapping/>
+  </p:clrMapOvr>
+</p:sldLayout>
+</file>
+
+<file path=ppt/slideLayouts/slideLayout16.xml><?xml version="1.0" encoding="utf-8"?>
+<p:sldLayout xmlns:a="http://schemas.openxmlformats.org/drawingml/2006/main" xmlns:r="http://schemas.openxmlformats.org/officeDocument/2006/relationships" xmlns:p="http://schemas.openxmlformats.org/presentationml/2006/main" type="twoTxTwoObj" preserve="1">
+  <p:cSld name="Comparison">
+    <p:spTree>
+      <p:nvGrpSpPr>
+        <p:cNvPr id="1" name=""/>
+        <p:cNvGrpSpPr/>
+        <p:nvPr/>
+      </p:nvGrpSpPr>
+      <p:grpSpPr>
+        <a:xfrm>
+          <a:off x="0" y="0"/>
+          <a:ext cx="0" cy="0"/>
+          <a:chOff x="0" y="0"/>
+          <a:chExt cx="0" cy="0"/>
+        </a:xfrm>
+      </p:grpSpPr>
+      <p:sp>
+        <p:nvSpPr>
+          <p:cNvPr id="2" name="Title 1"/>
+          <p:cNvSpPr>
+            <a:spLocks noGrp="1"/>
+          </p:cNvSpPr>
+          <p:nvPr>
+            <p:ph type="title"/>
+          </p:nvPr>
+        </p:nvSpPr>
+        <p:spPr>
+          <a:xfrm>
+            <a:off x="629841" y="365125"/>
+            <a:ext cx="7886700" cy="1325563"/>
+          </a:xfrm>
+        </p:spPr>
+        <p:txBody>
+          <a:bodyPr/>
+          <a:lstStyle/>
+          <a:p>
+            <a:r>
+              <a:rPr lang="en-US" smtClean="0"/>
+              <a:t>Click to edit Master title style</a:t>
+            </a:r>
+            <a:endParaRPr lang="en-US"/>
+          </a:p>
+        </p:txBody>
+      </p:sp>
+      <p:sp>
+        <p:nvSpPr>
+          <p:cNvPr id="3" name="Text Placeholder 2"/>
+          <p:cNvSpPr>
+            <a:spLocks noGrp="1"/>
+          </p:cNvSpPr>
+          <p:nvPr>
+            <p:ph type="body" idx="1"/>
+          </p:nvPr>
+        </p:nvSpPr>
+        <p:spPr>
+          <a:xfrm>
+            <a:off x="629842" y="1681163"/>
+            <a:ext cx="3868340" cy="823912"/>
+          </a:xfrm>
+        </p:spPr>
+        <p:txBody>
+          <a:bodyPr anchor="b"/>
+          <a:lstStyle>
+            <a:lvl1pPr marL="0" indent="0">
+              <a:buNone/>
+              <a:defRPr sz="1800" b="1"/>
+            </a:lvl1pPr>
+            <a:lvl2pPr marL="342900" indent="0">
+              <a:buNone/>
+              <a:defRPr sz="1500" b="1"/>
+            </a:lvl2pPr>
+            <a:lvl3pPr marL="685800" indent="0">
+              <a:buNone/>
+              <a:defRPr sz="1350" b="1"/>
+            </a:lvl3pPr>
+            <a:lvl4pPr marL="1028700" indent="0">
+              <a:buNone/>
+              <a:defRPr sz="1200" b="1"/>
+            </a:lvl4pPr>
+            <a:lvl5pPr marL="1371600" indent="0">
+              <a:buNone/>
+              <a:defRPr sz="1200" b="1"/>
+            </a:lvl5pPr>
+            <a:lvl6pPr marL="1714500" indent="0">
+              <a:buNone/>
+              <a:defRPr sz="1200" b="1"/>
+            </a:lvl6pPr>
+            <a:lvl7pPr marL="2057400" indent="0">
+              <a:buNone/>
+              <a:defRPr sz="1200" b="1"/>
+            </a:lvl7pPr>
+            <a:lvl8pPr marL="2400300" indent="0">
+              <a:buNone/>
+              <a:defRPr sz="1200" b="1"/>
+            </a:lvl8pPr>
+            <a:lvl9pPr marL="2743200" indent="0">
+              <a:buNone/>
+              <a:defRPr sz="1200" b="1"/>
+            </a:lvl9pPr>
+          </a:lstStyle>
+          <a:p>
+            <a:pPr lvl="0"/>
+            <a:r>
+              <a:rPr lang="en-US" smtClean="0"/>
+              <a:t>Click to edit Master text styles</a:t>
+            </a:r>
+          </a:p>
+        </p:txBody>
+      </p:sp>
+      <p:sp>
+        <p:nvSpPr>
+          <p:cNvPr id="4" name="Content Placeholder 3"/>
+          <p:cNvSpPr>
+            <a:spLocks noGrp="1"/>
+          </p:cNvSpPr>
+          <p:nvPr>
+            <p:ph sz="half" idx="2"/>
+          </p:nvPr>
+        </p:nvSpPr>
+        <p:spPr>
+          <a:xfrm>
+            <a:off x="629842" y="2505075"/>
+            <a:ext cx="3868340" cy="3684588"/>
+          </a:xfrm>
+        </p:spPr>
+        <p:txBody>
+          <a:bodyPr/>
+          <a:lstStyle/>
+          <a:p>
+            <a:pPr lvl="0"/>
+            <a:r>
+              <a:rPr lang="en-US" smtClean="0"/>
+              <a:t>Click to edit Master text styles</a:t>
+            </a:r>
+          </a:p>
+          <a:p>
+            <a:pPr lvl="1"/>
+            <a:r>
+              <a:rPr lang="en-US" smtClean="0"/>
+              <a:t>Second level</a:t>
+            </a:r>
+          </a:p>
+          <a:p>
+            <a:pPr lvl="2"/>
+            <a:r>
+              <a:rPr lang="en-US" smtClean="0"/>
+              <a:t>Third level</a:t>
+            </a:r>
+          </a:p>
+          <a:p>
+            <a:pPr lvl="3"/>
+            <a:r>
+              <a:rPr lang="en-US" smtClean="0"/>
+              <a:t>Fourth level</a:t>
+            </a:r>
+          </a:p>
+          <a:p>
+            <a:pPr lvl="4"/>
+            <a:r>
+              <a:rPr lang="en-US" smtClean="0"/>
+              <a:t>Fifth level</a:t>
+            </a:r>
+            <a:endParaRPr lang="en-US"/>
+          </a:p>
+        </p:txBody>
+      </p:sp>
+      <p:sp>
+        <p:nvSpPr>
+          <p:cNvPr id="5" name="Text Placeholder 4"/>
+          <p:cNvSpPr>
+            <a:spLocks noGrp="1"/>
+          </p:cNvSpPr>
+          <p:nvPr>
+            <p:ph type="body" sz="quarter" idx="3"/>
+          </p:nvPr>
+        </p:nvSpPr>
+        <p:spPr>
+          <a:xfrm>
+            <a:off x="4629151" y="1681163"/>
+            <a:ext cx="3887391" cy="823912"/>
+          </a:xfrm>
+        </p:spPr>
+        <p:txBody>
+          <a:bodyPr anchor="b"/>
+          <a:lstStyle>
+            <a:lvl1pPr marL="0" indent="0">
+              <a:buNone/>
+              <a:defRPr sz="1800" b="1"/>
+            </a:lvl1pPr>
+            <a:lvl2pPr marL="342900" indent="0">
+              <a:buNone/>
+              <a:defRPr sz="1500" b="1"/>
+            </a:lvl2pPr>
+            <a:lvl3pPr marL="685800" indent="0">
+              <a:buNone/>
+              <a:defRPr sz="1350" b="1"/>
+            </a:lvl3pPr>
+            <a:lvl4pPr marL="1028700" indent="0">
+              <a:buNone/>
+              <a:defRPr sz="1200" b="1"/>
+            </a:lvl4pPr>
+            <a:lvl5pPr marL="1371600" indent="0">
+              <a:buNone/>
+              <a:defRPr sz="1200" b="1"/>
+            </a:lvl5pPr>
+            <a:lvl6pPr marL="1714500" indent="0">
+              <a:buNone/>
+              <a:defRPr sz="1200" b="1"/>
+            </a:lvl6pPr>
+            <a:lvl7pPr marL="2057400" indent="0">
+              <a:buNone/>
+              <a:defRPr sz="1200" b="1"/>
+            </a:lvl7pPr>
+            <a:lvl8pPr marL="2400300" indent="0">
+              <a:buNone/>
+              <a:defRPr sz="1200" b="1"/>
+            </a:lvl8pPr>
+            <a:lvl9pPr marL="2743200" indent="0">
+              <a:buNone/>
+              <a:defRPr sz="1200" b="1"/>
+            </a:lvl9pPr>
+          </a:lstStyle>
+          <a:p>
+            <a:pPr lvl="0"/>
+            <a:r>
+              <a:rPr lang="en-US" smtClean="0"/>
+              <a:t>Click to edit Master text styles</a:t>
+            </a:r>
+          </a:p>
+        </p:txBody>
+      </p:sp>
+      <p:sp>
+        <p:nvSpPr>
+          <p:cNvPr id="6" name="Content Placeholder 5"/>
+          <p:cNvSpPr>
+            <a:spLocks noGrp="1"/>
+          </p:cNvSpPr>
+          <p:nvPr>
+            <p:ph sz="quarter" idx="4"/>
+          </p:nvPr>
+        </p:nvSpPr>
+        <p:spPr>
+          <a:xfrm>
+            <a:off x="4629151" y="2505075"/>
+            <a:ext cx="3887391" cy="3684588"/>
+          </a:xfrm>
+        </p:spPr>
+        <p:txBody>
+          <a:bodyPr/>
+          <a:lstStyle/>
+          <a:p>
+            <a:pPr lvl="0"/>
+            <a:r>
+              <a:rPr lang="en-US" smtClean="0"/>
+              <a:t>Click to edit Master text styles</a:t>
+            </a:r>
+          </a:p>
+          <a:p>
+            <a:pPr lvl="1"/>
+            <a:r>
+              <a:rPr lang="en-US" smtClean="0"/>
+              <a:t>Second level</a:t>
+            </a:r>
+          </a:p>
+          <a:p>
+            <a:pPr lvl="2"/>
+            <a:r>
+              <a:rPr lang="en-US" smtClean="0"/>
+              <a:t>Third level</a:t>
+            </a:r>
+          </a:p>
+          <a:p>
+            <a:pPr lvl="3"/>
+            <a:r>
+              <a:rPr lang="en-US" smtClean="0"/>
+              <a:t>Fourth level</a:t>
+            </a:r>
+          </a:p>
+          <a:p>
+            <a:pPr lvl="4"/>
+            <a:r>
+              <a:rPr lang="en-US" smtClean="0"/>
+              <a:t>Fifth level</a:t>
+            </a:r>
+            <a:endParaRPr lang="en-US"/>
+          </a:p>
+        </p:txBody>
+      </p:sp>
+      <p:sp>
+        <p:nvSpPr>
+          <p:cNvPr id="7" name="Date Placeholder 6"/>
+          <p:cNvSpPr>
+            <a:spLocks noGrp="1"/>
+          </p:cNvSpPr>
+          <p:nvPr>
+            <p:ph type="dt" sz="half" idx="10"/>
+          </p:nvPr>
+        </p:nvSpPr>
+        <p:spPr/>
+        <p:txBody>
+          <a:bodyPr/>
+          <a:lstStyle/>
+          <a:p>
+            <a:fld id="{92CAA8A4-0ED2-3C42-8F86-06294E9F5717}" type="datetimeFigureOut">
+              <a:rPr lang="en-US" smtClean="0">
+                <a:solidFill>
+                  <a:prstClr val="black">
+                    <a:tint val="75000"/>
+                  </a:prstClr>
+                </a:solidFill>
+              </a:rPr>
+              <a:pPr/>
+              <a:t>9/12/20</a:t>
+            </a:fld>
+            <a:endParaRPr lang="en-US">
+              <a:solidFill>
+                <a:prstClr val="black">
+                  <a:tint val="75000"/>
+                </a:prstClr>
+              </a:solidFill>
+            </a:endParaRPr>
+          </a:p>
+        </p:txBody>
+      </p:sp>
+      <p:sp>
+        <p:nvSpPr>
+          <p:cNvPr id="8" name="Footer Placeholder 7"/>
+          <p:cNvSpPr>
+            <a:spLocks noGrp="1"/>
+          </p:cNvSpPr>
+          <p:nvPr>
+            <p:ph type="ftr" sz="quarter" idx="11"/>
+          </p:nvPr>
+        </p:nvSpPr>
+        <p:spPr/>
+        <p:txBody>
+          <a:bodyPr/>
+          <a:lstStyle/>
+          <a:p>
+            <a:endParaRPr lang="en-US">
+              <a:solidFill>
+                <a:prstClr val="black">
+                  <a:tint val="75000"/>
+                </a:prstClr>
+              </a:solidFill>
+            </a:endParaRPr>
+          </a:p>
+        </p:txBody>
+      </p:sp>
+      <p:sp>
+        <p:nvSpPr>
+          <p:cNvPr id="9" name="Slide Number Placeholder 8"/>
+          <p:cNvSpPr>
+            <a:spLocks noGrp="1"/>
+          </p:cNvSpPr>
+          <p:nvPr>
+            <p:ph type="sldNum" sz="quarter" idx="12"/>
+          </p:nvPr>
+        </p:nvSpPr>
+        <p:spPr/>
+        <p:txBody>
+          <a:bodyPr/>
+          <a:lstStyle/>
+          <a:p>
+            <a:fld id="{ADCF0D4B-B936-754B-BA5E-F482D12E455A}" type="slidenum">
+              <a:rPr lang="en-US" smtClean="0">
+                <a:solidFill>
+                  <a:prstClr val="black">
+                    <a:tint val="75000"/>
+                  </a:prstClr>
+                </a:solidFill>
+              </a:rPr>
+              <a:pPr/>
+              <a:t>‹#›</a:t>
+            </a:fld>
+            <a:endParaRPr lang="en-US">
+              <a:solidFill>
+                <a:prstClr val="black">
+                  <a:tint val="75000"/>
+                </a:prstClr>
+              </a:solidFill>
+            </a:endParaRPr>
+          </a:p>
+        </p:txBody>
+      </p:sp>
+    </p:spTree>
+    <p:extLst/>
+  </p:cSld>
+  <p:clrMapOvr>
+    <a:masterClrMapping/>
+  </p:clrMapOvr>
+</p:sldLayout>
+</file>
+
+<file path=ppt/slideLayouts/slideLayout17.xml><?xml version="1.0" encoding="utf-8"?>
+<p:sldLayout xmlns:a="http://schemas.openxmlformats.org/drawingml/2006/main" xmlns:r="http://schemas.openxmlformats.org/officeDocument/2006/relationships" xmlns:p="http://schemas.openxmlformats.org/presentationml/2006/main" type="titleOnly" preserve="1">
+  <p:cSld name="Title Only">
+    <p:spTree>
+      <p:nvGrpSpPr>
+        <p:cNvPr id="1" name=""/>
+        <p:cNvGrpSpPr/>
+        <p:nvPr/>
+      </p:nvGrpSpPr>
+      <p:grpSpPr>
+        <a:xfrm>
+          <a:off x="0" y="0"/>
+          <a:ext cx="0" cy="0"/>
+          <a:chOff x="0" y="0"/>
+          <a:chExt cx="0" cy="0"/>
+        </a:xfrm>
+      </p:grpSpPr>
+      <p:sp>
+        <p:nvSpPr>
+          <p:cNvPr id="2" name="Title 1"/>
+          <p:cNvSpPr>
+            <a:spLocks noGrp="1"/>
+          </p:cNvSpPr>
+          <p:nvPr>
+            <p:ph type="title"/>
+          </p:nvPr>
+        </p:nvSpPr>
+        <p:spPr/>
+        <p:txBody>
+          <a:bodyPr/>
+          <a:lstStyle/>
+          <a:p>
+            <a:r>
+              <a:rPr lang="en-US" smtClean="0"/>
+              <a:t>Click to edit Master title style</a:t>
+            </a:r>
+            <a:endParaRPr lang="en-US"/>
+          </a:p>
+        </p:txBody>
+      </p:sp>
+      <p:sp>
+        <p:nvSpPr>
+          <p:cNvPr id="3" name="Date Placeholder 2"/>
+          <p:cNvSpPr>
+            <a:spLocks noGrp="1"/>
+          </p:cNvSpPr>
+          <p:nvPr>
+            <p:ph type="dt" sz="half" idx="10"/>
+          </p:nvPr>
+        </p:nvSpPr>
+        <p:spPr/>
+        <p:txBody>
+          <a:bodyPr/>
+          <a:lstStyle/>
+          <a:p>
+            <a:fld id="{92CAA8A4-0ED2-3C42-8F86-06294E9F5717}" type="datetimeFigureOut">
+              <a:rPr lang="en-US" smtClean="0">
+                <a:solidFill>
+                  <a:prstClr val="black">
+                    <a:tint val="75000"/>
+                  </a:prstClr>
+                </a:solidFill>
+              </a:rPr>
+              <a:pPr/>
+              <a:t>9/12/20</a:t>
+            </a:fld>
+            <a:endParaRPr lang="en-US">
+              <a:solidFill>
+                <a:prstClr val="black">
+                  <a:tint val="75000"/>
+                </a:prstClr>
+              </a:solidFill>
+            </a:endParaRPr>
+          </a:p>
+        </p:txBody>
+      </p:sp>
+      <p:sp>
+        <p:nvSpPr>
+          <p:cNvPr id="4" name="Footer Placeholder 3"/>
+          <p:cNvSpPr>
+            <a:spLocks noGrp="1"/>
+          </p:cNvSpPr>
+          <p:nvPr>
+            <p:ph type="ftr" sz="quarter" idx="11"/>
+          </p:nvPr>
+        </p:nvSpPr>
+        <p:spPr/>
+        <p:txBody>
+          <a:bodyPr/>
+          <a:lstStyle/>
+          <a:p>
+            <a:endParaRPr lang="en-US">
+              <a:solidFill>
+                <a:prstClr val="black">
+                  <a:tint val="75000"/>
+                </a:prstClr>
+              </a:solidFill>
+            </a:endParaRPr>
+          </a:p>
+        </p:txBody>
+      </p:sp>
+      <p:sp>
+        <p:nvSpPr>
+          <p:cNvPr id="5" name="Slide Number Placeholder 4"/>
+          <p:cNvSpPr>
+            <a:spLocks noGrp="1"/>
+          </p:cNvSpPr>
+          <p:nvPr>
+            <p:ph type="sldNum" sz="quarter" idx="12"/>
+          </p:nvPr>
+        </p:nvSpPr>
+        <p:spPr/>
+        <p:txBody>
+          <a:bodyPr/>
+          <a:lstStyle/>
+          <a:p>
+            <a:fld id="{ADCF0D4B-B936-754B-BA5E-F482D12E455A}" type="slidenum">
+              <a:rPr lang="en-US" smtClean="0">
+                <a:solidFill>
+                  <a:prstClr val="black">
+                    <a:tint val="75000"/>
+                  </a:prstClr>
+                </a:solidFill>
+              </a:rPr>
+              <a:pPr/>
+              <a:t>‹#›</a:t>
+            </a:fld>
+            <a:endParaRPr lang="en-US">
+              <a:solidFill>
+                <a:prstClr val="black">
+                  <a:tint val="75000"/>
+                </a:prstClr>
+              </a:solidFill>
+            </a:endParaRPr>
+          </a:p>
+        </p:txBody>
+      </p:sp>
+    </p:spTree>
+    <p:extLst/>
+  </p:cSld>
+  <p:clrMapOvr>
+    <a:masterClrMapping/>
+  </p:clrMapOvr>
+</p:sldLayout>
+</file>
+
+<file path=ppt/slideLayouts/slideLayout18.xml><?xml version="1.0" encoding="utf-8"?>
+<p:sldLayout xmlns:a="http://schemas.openxmlformats.org/drawingml/2006/main" xmlns:r="http://schemas.openxmlformats.org/officeDocument/2006/relationships" xmlns:p="http://schemas.openxmlformats.org/presentationml/2006/main" type="blank" preserve="1">
+  <p:cSld name="Blank">
+    <p:spTree>
+      <p:nvGrpSpPr>
+        <p:cNvPr id="1" name=""/>
+        <p:cNvGrpSpPr/>
+        <p:nvPr/>
+      </p:nvGrpSpPr>
+      <p:grpSpPr>
+        <a:xfrm>
+          <a:off x="0" y="0"/>
+          <a:ext cx="0" cy="0"/>
+          <a:chOff x="0" y="0"/>
+          <a:chExt cx="0" cy="0"/>
+        </a:xfrm>
+      </p:grpSpPr>
+      <p:sp>
+        <p:nvSpPr>
+          <p:cNvPr id="2" name="Date Placeholder 1"/>
+          <p:cNvSpPr>
+            <a:spLocks noGrp="1"/>
+          </p:cNvSpPr>
+          <p:nvPr>
+            <p:ph type="dt" sz="half" idx="10"/>
+          </p:nvPr>
+        </p:nvSpPr>
+        <p:spPr/>
+        <p:txBody>
+          <a:bodyPr/>
+          <a:lstStyle/>
+          <a:p>
+            <a:fld id="{92CAA8A4-0ED2-3C42-8F86-06294E9F5717}" type="datetimeFigureOut">
+              <a:rPr lang="en-US" smtClean="0">
+                <a:solidFill>
+                  <a:prstClr val="black">
+                    <a:tint val="75000"/>
+                  </a:prstClr>
+                </a:solidFill>
+              </a:rPr>
+              <a:pPr/>
+              <a:t>9/12/20</a:t>
+            </a:fld>
+            <a:endParaRPr lang="en-US">
+              <a:solidFill>
+                <a:prstClr val="black">
+                  <a:tint val="75000"/>
+                </a:prstClr>
+              </a:solidFill>
+            </a:endParaRPr>
+          </a:p>
+        </p:txBody>
+      </p:sp>
+      <p:sp>
+        <p:nvSpPr>
+          <p:cNvPr id="3" name="Footer Placeholder 2"/>
+          <p:cNvSpPr>
+            <a:spLocks noGrp="1"/>
+          </p:cNvSpPr>
+          <p:nvPr>
+            <p:ph type="ftr" sz="quarter" idx="11"/>
+          </p:nvPr>
+        </p:nvSpPr>
+        <p:spPr/>
+        <p:txBody>
+          <a:bodyPr/>
+          <a:lstStyle/>
+          <a:p>
+            <a:endParaRPr lang="en-US">
+              <a:solidFill>
+                <a:prstClr val="black">
+                  <a:tint val="75000"/>
+                </a:prstClr>
+              </a:solidFill>
+            </a:endParaRPr>
+          </a:p>
+        </p:txBody>
+      </p:sp>
+      <p:sp>
+        <p:nvSpPr>
+          <p:cNvPr id="4" name="Slide Number Placeholder 3"/>
+          <p:cNvSpPr>
+            <a:spLocks noGrp="1"/>
+          </p:cNvSpPr>
+          <p:nvPr>
+            <p:ph type="sldNum" sz="quarter" idx="12"/>
+          </p:nvPr>
+        </p:nvSpPr>
+        <p:spPr/>
+        <p:txBody>
+          <a:bodyPr/>
+          <a:lstStyle/>
+          <a:p>
+            <a:fld id="{ADCF0D4B-B936-754B-BA5E-F482D12E455A}" type="slidenum">
+              <a:rPr lang="en-US" smtClean="0">
+                <a:solidFill>
+                  <a:prstClr val="black">
+                    <a:tint val="75000"/>
+                  </a:prstClr>
+                </a:solidFill>
+              </a:rPr>
+              <a:pPr/>
+              <a:t>‹#›</a:t>
+            </a:fld>
+            <a:endParaRPr lang="en-US">
+              <a:solidFill>
+                <a:prstClr val="black">
+                  <a:tint val="75000"/>
+                </a:prstClr>
+              </a:solidFill>
+            </a:endParaRPr>
+          </a:p>
+        </p:txBody>
+      </p:sp>
+    </p:spTree>
+    <p:extLst/>
+  </p:cSld>
+  <p:clrMapOvr>
+    <a:masterClrMapping/>
+  </p:clrMapOvr>
+</p:sldLayout>
+</file>
+
+<file path=ppt/slideLayouts/slideLayout19.xml><?xml version="1.0" encoding="utf-8"?>
+<p:sldLayout xmlns:a="http://schemas.openxmlformats.org/drawingml/2006/main" xmlns:r="http://schemas.openxmlformats.org/officeDocument/2006/relationships" xmlns:p="http://schemas.openxmlformats.org/presentationml/2006/main" type="objTx" preserve="1">
+  <p:cSld name="Content with Caption">
+    <p:spTree>
+      <p:nvGrpSpPr>
+        <p:cNvPr id="1" name=""/>
+        <p:cNvGrpSpPr/>
+        <p:nvPr/>
+      </p:nvGrpSpPr>
+      <p:grpSpPr>
+        <a:xfrm>
+          <a:off x="0" y="0"/>
+          <a:ext cx="0" cy="0"/>
+          <a:chOff x="0" y="0"/>
+          <a:chExt cx="0" cy="0"/>
+        </a:xfrm>
+      </p:grpSpPr>
+      <p:sp>
+        <p:nvSpPr>
+          <p:cNvPr id="2" name="Title 1"/>
+          <p:cNvSpPr>
+            <a:spLocks noGrp="1"/>
+          </p:cNvSpPr>
+          <p:nvPr>
+            <p:ph type="title"/>
+          </p:nvPr>
+        </p:nvSpPr>
+        <p:spPr>
+          <a:xfrm>
+            <a:off x="629841" y="457200"/>
+            <a:ext cx="2949178" cy="1600200"/>
+          </a:xfrm>
+        </p:spPr>
+        <p:txBody>
+          <a:bodyPr anchor="b"/>
+          <a:lstStyle>
+            <a:lvl1pPr>
+              <a:defRPr sz="2400"/>
+            </a:lvl1pPr>
+          </a:lstStyle>
+          <a:p>
+            <a:r>
+              <a:rPr lang="en-US" smtClean="0"/>
+              <a:t>Click to edit Master title style</a:t>
+            </a:r>
+            <a:endParaRPr lang="en-US"/>
+          </a:p>
+        </p:txBody>
+      </p:sp>
+      <p:sp>
+        <p:nvSpPr>
+          <p:cNvPr id="3" name="Content Placeholder 2"/>
+          <p:cNvSpPr>
+            <a:spLocks noGrp="1"/>
+          </p:cNvSpPr>
+          <p:nvPr>
+            <p:ph idx="1"/>
+          </p:nvPr>
+        </p:nvSpPr>
+        <p:spPr>
+          <a:xfrm>
+            <a:off x="3887391" y="987426"/>
+            <a:ext cx="4629150" cy="4873625"/>
+          </a:xfrm>
+        </p:spPr>
+        <p:txBody>
+          <a:bodyPr/>
+          <a:lstStyle>
+            <a:lvl1pPr>
+              <a:defRPr sz="2400"/>
+            </a:lvl1pPr>
+            <a:lvl2pPr>
+              <a:defRPr sz="2100"/>
+            </a:lvl2pPr>
+            <a:lvl3pPr>
+              <a:defRPr sz="1800"/>
+            </a:lvl3pPr>
+            <a:lvl4pPr>
+              <a:defRPr sz="1500"/>
+            </a:lvl4pPr>
+            <a:lvl5pPr>
+              <a:defRPr sz="1500"/>
+            </a:lvl5pPr>
+            <a:lvl6pPr>
+              <a:defRPr sz="1500"/>
+            </a:lvl6pPr>
+            <a:lvl7pPr>
+              <a:defRPr sz="1500"/>
+            </a:lvl7pPr>
+            <a:lvl8pPr>
+              <a:defRPr sz="1500"/>
+            </a:lvl8pPr>
+            <a:lvl9pPr>
+              <a:defRPr sz="1500"/>
+            </a:lvl9pPr>
+          </a:lstStyle>
+          <a:p>
+            <a:pPr lvl="0"/>
+            <a:r>
+              <a:rPr lang="en-US" smtClean="0"/>
+              <a:t>Click to edit Master text styles</a:t>
+            </a:r>
+          </a:p>
+          <a:p>
+            <a:pPr lvl="1"/>
+            <a:r>
+              <a:rPr lang="en-US" smtClean="0"/>
+              <a:t>Second level</a:t>
+            </a:r>
+          </a:p>
+          <a:p>
+            <a:pPr lvl="2"/>
+            <a:r>
+              <a:rPr lang="en-US" smtClean="0"/>
+              <a:t>Third level</a:t>
+            </a:r>
+          </a:p>
+          <a:p>
+            <a:pPr lvl="3"/>
+            <a:r>
+              <a:rPr lang="en-US" smtClean="0"/>
+              <a:t>Fourth level</a:t>
+            </a:r>
+          </a:p>
+          <a:p>
+            <a:pPr lvl="4"/>
+            <a:r>
+              <a:rPr lang="en-US" smtClean="0"/>
+              <a:t>Fifth level</a:t>
+            </a:r>
+            <a:endParaRPr lang="en-US"/>
+          </a:p>
+        </p:txBody>
+      </p:sp>
+      <p:sp>
+        <p:nvSpPr>
+          <p:cNvPr id="4" name="Text Placeholder 3"/>
+          <p:cNvSpPr>
+            <a:spLocks noGrp="1"/>
+          </p:cNvSpPr>
+          <p:nvPr>
+            <p:ph type="body" sz="half" idx="2"/>
+          </p:nvPr>
+        </p:nvSpPr>
+        <p:spPr>
+          <a:xfrm>
+            <a:off x="629841" y="2057401"/>
+            <a:ext cx="2949178" cy="3811588"/>
+          </a:xfrm>
+        </p:spPr>
+        <p:txBody>
+          <a:bodyPr/>
+          <a:lstStyle>
+            <a:lvl1pPr marL="0" indent="0">
+              <a:buNone/>
+              <a:defRPr sz="1200"/>
+            </a:lvl1pPr>
+            <a:lvl2pPr marL="342900" indent="0">
+              <a:buNone/>
+              <a:defRPr sz="1050"/>
+            </a:lvl2pPr>
+            <a:lvl3pPr marL="685800" indent="0">
+              <a:buNone/>
+              <a:defRPr sz="900"/>
+            </a:lvl3pPr>
+            <a:lvl4pPr marL="1028700" indent="0">
+              <a:buNone/>
+              <a:defRPr sz="750"/>
+            </a:lvl4pPr>
+            <a:lvl5pPr marL="1371600" indent="0">
+              <a:buNone/>
+              <a:defRPr sz="750"/>
+            </a:lvl5pPr>
+            <a:lvl6pPr marL="1714500" indent="0">
+              <a:buNone/>
+              <a:defRPr sz="750"/>
+            </a:lvl6pPr>
+            <a:lvl7pPr marL="2057400" indent="0">
+              <a:buNone/>
+              <a:defRPr sz="750"/>
+            </a:lvl7pPr>
+            <a:lvl8pPr marL="2400300" indent="0">
+              <a:buNone/>
+              <a:defRPr sz="750"/>
+            </a:lvl8pPr>
+            <a:lvl9pPr marL="2743200" indent="0">
+              <a:buNone/>
+              <a:defRPr sz="750"/>
+            </a:lvl9pPr>
+          </a:lstStyle>
+          <a:p>
+            <a:pPr lvl="0"/>
+            <a:r>
+              <a:rPr lang="en-US" smtClean="0"/>
+              <a:t>Click to edit Master text styles</a:t>
+            </a:r>
+          </a:p>
+        </p:txBody>
+      </p:sp>
+      <p:sp>
+        <p:nvSpPr>
+          <p:cNvPr id="5" name="Date Placeholder 4"/>
+          <p:cNvSpPr>
+            <a:spLocks noGrp="1"/>
+          </p:cNvSpPr>
+          <p:nvPr>
+            <p:ph type="dt" sz="half" idx="10"/>
+          </p:nvPr>
+        </p:nvSpPr>
+        <p:spPr/>
+        <p:txBody>
+          <a:bodyPr/>
+          <a:lstStyle/>
+          <a:p>
+            <a:fld id="{92CAA8A4-0ED2-3C42-8F86-06294E9F5717}" type="datetimeFigureOut">
+              <a:rPr lang="en-US" smtClean="0">
+                <a:solidFill>
+                  <a:prstClr val="black">
+                    <a:tint val="75000"/>
+                  </a:prstClr>
+                </a:solidFill>
+              </a:rPr>
+              <a:pPr/>
+              <a:t>9/12/20</a:t>
+            </a:fld>
+            <a:endParaRPr lang="en-US">
+              <a:solidFill>
+                <a:prstClr val="black">
+                  <a:tint val="75000"/>
+                </a:prstClr>
+              </a:solidFill>
+            </a:endParaRPr>
+          </a:p>
+        </p:txBody>
+      </p:sp>
+      <p:sp>
+        <p:nvSpPr>
+          <p:cNvPr id="6" name="Footer Placeholder 5"/>
+          <p:cNvSpPr>
+            <a:spLocks noGrp="1"/>
+          </p:cNvSpPr>
+          <p:nvPr>
+            <p:ph type="ftr" sz="quarter" idx="11"/>
+          </p:nvPr>
+        </p:nvSpPr>
+        <p:spPr/>
+        <p:txBody>
+          <a:bodyPr/>
+          <a:lstStyle/>
+          <a:p>
+            <a:endParaRPr lang="en-US">
+              <a:solidFill>
+                <a:prstClr val="black">
+                  <a:tint val="75000"/>
+                </a:prstClr>
+              </a:solidFill>
+            </a:endParaRPr>
+          </a:p>
+        </p:txBody>
+      </p:sp>
+      <p:sp>
+        <p:nvSpPr>
+          <p:cNvPr id="7" name="Slide Number Placeholder 6"/>
+          <p:cNvSpPr>
+            <a:spLocks noGrp="1"/>
+          </p:cNvSpPr>
+          <p:nvPr>
+            <p:ph type="sldNum" sz="quarter" idx="12"/>
+          </p:nvPr>
+        </p:nvSpPr>
+        <p:spPr/>
+        <p:txBody>
+          <a:bodyPr/>
+          <a:lstStyle/>
+          <a:p>
+            <a:fld id="{ADCF0D4B-B936-754B-BA5E-F482D12E455A}" type="slidenum">
+              <a:rPr lang="en-US" smtClean="0">
+                <a:solidFill>
+                  <a:prstClr val="black">
+                    <a:tint val="75000"/>
+                  </a:prstClr>
+                </a:solidFill>
+              </a:rPr>
+              <a:pPr/>
+              <a:t>‹#›</a:t>
+            </a:fld>
+            <a:endParaRPr lang="en-US">
+              <a:solidFill>
+                <a:prstClr val="black">
+                  <a:tint val="75000"/>
+                </a:prstClr>
+              </a:solidFill>
+            </a:endParaRPr>
+          </a:p>
+        </p:txBody>
+      </p:sp>
+    </p:spTree>
+    <p:extLst/>
   </p:cSld>
   <p:clrMapOvr>
     <a:masterClrMapping/>
@@ -833,7 +3126,7 @@
           <a:p>
             <a:fld id="{A9999F1C-1463-A74E-ACAE-D25F0447B980}" type="datetimeFigureOut">
               <a:rPr lang="en-US" smtClean="0"/>
-              <a:t>6/24/20</a:t>
+              <a:t>9/12/20</a:t>
             </a:fld>
             <a:endParaRPr lang="en-US"/>
           </a:p>
@@ -887,6 +3180,693 @@
         <p14:creationId xmlns:p14="http://schemas.microsoft.com/office/powerpoint/2010/main" val="617322982"/>
       </p:ext>
     </p:extLst>
+  </p:cSld>
+  <p:clrMapOvr>
+    <a:masterClrMapping/>
+  </p:clrMapOvr>
+</p:sldLayout>
+</file>
+
+<file path=ppt/slideLayouts/slideLayout20.xml><?xml version="1.0" encoding="utf-8"?>
+<p:sldLayout xmlns:a="http://schemas.openxmlformats.org/drawingml/2006/main" xmlns:r="http://schemas.openxmlformats.org/officeDocument/2006/relationships" xmlns:p="http://schemas.openxmlformats.org/presentationml/2006/main" type="picTx" preserve="1">
+  <p:cSld name="Picture with Caption">
+    <p:spTree>
+      <p:nvGrpSpPr>
+        <p:cNvPr id="1" name=""/>
+        <p:cNvGrpSpPr/>
+        <p:nvPr/>
+      </p:nvGrpSpPr>
+      <p:grpSpPr>
+        <a:xfrm>
+          <a:off x="0" y="0"/>
+          <a:ext cx="0" cy="0"/>
+          <a:chOff x="0" y="0"/>
+          <a:chExt cx="0" cy="0"/>
+        </a:xfrm>
+      </p:grpSpPr>
+      <p:sp>
+        <p:nvSpPr>
+          <p:cNvPr id="2" name="Title 1"/>
+          <p:cNvSpPr>
+            <a:spLocks noGrp="1"/>
+          </p:cNvSpPr>
+          <p:nvPr>
+            <p:ph type="title"/>
+          </p:nvPr>
+        </p:nvSpPr>
+        <p:spPr>
+          <a:xfrm>
+            <a:off x="629841" y="457200"/>
+            <a:ext cx="2949178" cy="1600200"/>
+          </a:xfrm>
+        </p:spPr>
+        <p:txBody>
+          <a:bodyPr anchor="b"/>
+          <a:lstStyle>
+            <a:lvl1pPr>
+              <a:defRPr sz="2400"/>
+            </a:lvl1pPr>
+          </a:lstStyle>
+          <a:p>
+            <a:r>
+              <a:rPr lang="en-US" smtClean="0"/>
+              <a:t>Click to edit Master title style</a:t>
+            </a:r>
+            <a:endParaRPr lang="en-US"/>
+          </a:p>
+        </p:txBody>
+      </p:sp>
+      <p:sp>
+        <p:nvSpPr>
+          <p:cNvPr id="3" name="Picture Placeholder 2"/>
+          <p:cNvSpPr>
+            <a:spLocks noGrp="1"/>
+          </p:cNvSpPr>
+          <p:nvPr>
+            <p:ph type="pic" idx="1"/>
+          </p:nvPr>
+        </p:nvSpPr>
+        <p:spPr>
+          <a:xfrm>
+            <a:off x="3887391" y="987426"/>
+            <a:ext cx="4629150" cy="4873625"/>
+          </a:xfrm>
+        </p:spPr>
+        <p:txBody>
+          <a:bodyPr/>
+          <a:lstStyle>
+            <a:lvl1pPr marL="0" indent="0">
+              <a:buNone/>
+              <a:defRPr sz="2400"/>
+            </a:lvl1pPr>
+            <a:lvl2pPr marL="342900" indent="0">
+              <a:buNone/>
+              <a:defRPr sz="2100"/>
+            </a:lvl2pPr>
+            <a:lvl3pPr marL="685800" indent="0">
+              <a:buNone/>
+              <a:defRPr sz="1800"/>
+            </a:lvl3pPr>
+            <a:lvl4pPr marL="1028700" indent="0">
+              <a:buNone/>
+              <a:defRPr sz="1500"/>
+            </a:lvl4pPr>
+            <a:lvl5pPr marL="1371600" indent="0">
+              <a:buNone/>
+              <a:defRPr sz="1500"/>
+            </a:lvl5pPr>
+            <a:lvl6pPr marL="1714500" indent="0">
+              <a:buNone/>
+              <a:defRPr sz="1500"/>
+            </a:lvl6pPr>
+            <a:lvl7pPr marL="2057400" indent="0">
+              <a:buNone/>
+              <a:defRPr sz="1500"/>
+            </a:lvl7pPr>
+            <a:lvl8pPr marL="2400300" indent="0">
+              <a:buNone/>
+              <a:defRPr sz="1500"/>
+            </a:lvl8pPr>
+            <a:lvl9pPr marL="2743200" indent="0">
+              <a:buNone/>
+              <a:defRPr sz="1500"/>
+            </a:lvl9pPr>
+          </a:lstStyle>
+          <a:p>
+            <a:endParaRPr lang="en-US"/>
+          </a:p>
+        </p:txBody>
+      </p:sp>
+      <p:sp>
+        <p:nvSpPr>
+          <p:cNvPr id="4" name="Text Placeholder 3"/>
+          <p:cNvSpPr>
+            <a:spLocks noGrp="1"/>
+          </p:cNvSpPr>
+          <p:nvPr>
+            <p:ph type="body" sz="half" idx="2"/>
+          </p:nvPr>
+        </p:nvSpPr>
+        <p:spPr>
+          <a:xfrm>
+            <a:off x="629841" y="2057401"/>
+            <a:ext cx="2949178" cy="3811588"/>
+          </a:xfrm>
+        </p:spPr>
+        <p:txBody>
+          <a:bodyPr/>
+          <a:lstStyle>
+            <a:lvl1pPr marL="0" indent="0">
+              <a:buNone/>
+              <a:defRPr sz="1200"/>
+            </a:lvl1pPr>
+            <a:lvl2pPr marL="342900" indent="0">
+              <a:buNone/>
+              <a:defRPr sz="1050"/>
+            </a:lvl2pPr>
+            <a:lvl3pPr marL="685800" indent="0">
+              <a:buNone/>
+              <a:defRPr sz="900"/>
+            </a:lvl3pPr>
+            <a:lvl4pPr marL="1028700" indent="0">
+              <a:buNone/>
+              <a:defRPr sz="750"/>
+            </a:lvl4pPr>
+            <a:lvl5pPr marL="1371600" indent="0">
+              <a:buNone/>
+              <a:defRPr sz="750"/>
+            </a:lvl5pPr>
+            <a:lvl6pPr marL="1714500" indent="0">
+              <a:buNone/>
+              <a:defRPr sz="750"/>
+            </a:lvl6pPr>
+            <a:lvl7pPr marL="2057400" indent="0">
+              <a:buNone/>
+              <a:defRPr sz="750"/>
+            </a:lvl7pPr>
+            <a:lvl8pPr marL="2400300" indent="0">
+              <a:buNone/>
+              <a:defRPr sz="750"/>
+            </a:lvl8pPr>
+            <a:lvl9pPr marL="2743200" indent="0">
+              <a:buNone/>
+              <a:defRPr sz="750"/>
+            </a:lvl9pPr>
+          </a:lstStyle>
+          <a:p>
+            <a:pPr lvl="0"/>
+            <a:r>
+              <a:rPr lang="en-US" smtClean="0"/>
+              <a:t>Click to edit Master text styles</a:t>
+            </a:r>
+          </a:p>
+        </p:txBody>
+      </p:sp>
+      <p:sp>
+        <p:nvSpPr>
+          <p:cNvPr id="5" name="Date Placeholder 4"/>
+          <p:cNvSpPr>
+            <a:spLocks noGrp="1"/>
+          </p:cNvSpPr>
+          <p:nvPr>
+            <p:ph type="dt" sz="half" idx="10"/>
+          </p:nvPr>
+        </p:nvSpPr>
+        <p:spPr/>
+        <p:txBody>
+          <a:bodyPr/>
+          <a:lstStyle/>
+          <a:p>
+            <a:fld id="{92CAA8A4-0ED2-3C42-8F86-06294E9F5717}" type="datetimeFigureOut">
+              <a:rPr lang="en-US" smtClean="0">
+                <a:solidFill>
+                  <a:prstClr val="black">
+                    <a:tint val="75000"/>
+                  </a:prstClr>
+                </a:solidFill>
+              </a:rPr>
+              <a:pPr/>
+              <a:t>9/12/20</a:t>
+            </a:fld>
+            <a:endParaRPr lang="en-US">
+              <a:solidFill>
+                <a:prstClr val="black">
+                  <a:tint val="75000"/>
+                </a:prstClr>
+              </a:solidFill>
+            </a:endParaRPr>
+          </a:p>
+        </p:txBody>
+      </p:sp>
+      <p:sp>
+        <p:nvSpPr>
+          <p:cNvPr id="6" name="Footer Placeholder 5"/>
+          <p:cNvSpPr>
+            <a:spLocks noGrp="1"/>
+          </p:cNvSpPr>
+          <p:nvPr>
+            <p:ph type="ftr" sz="quarter" idx="11"/>
+          </p:nvPr>
+        </p:nvSpPr>
+        <p:spPr/>
+        <p:txBody>
+          <a:bodyPr/>
+          <a:lstStyle/>
+          <a:p>
+            <a:endParaRPr lang="en-US">
+              <a:solidFill>
+                <a:prstClr val="black">
+                  <a:tint val="75000"/>
+                </a:prstClr>
+              </a:solidFill>
+            </a:endParaRPr>
+          </a:p>
+        </p:txBody>
+      </p:sp>
+      <p:sp>
+        <p:nvSpPr>
+          <p:cNvPr id="7" name="Slide Number Placeholder 6"/>
+          <p:cNvSpPr>
+            <a:spLocks noGrp="1"/>
+          </p:cNvSpPr>
+          <p:nvPr>
+            <p:ph type="sldNum" sz="quarter" idx="12"/>
+          </p:nvPr>
+        </p:nvSpPr>
+        <p:spPr/>
+        <p:txBody>
+          <a:bodyPr/>
+          <a:lstStyle/>
+          <a:p>
+            <a:fld id="{ADCF0D4B-B936-754B-BA5E-F482D12E455A}" type="slidenum">
+              <a:rPr lang="en-US" smtClean="0">
+                <a:solidFill>
+                  <a:prstClr val="black">
+                    <a:tint val="75000"/>
+                  </a:prstClr>
+                </a:solidFill>
+              </a:rPr>
+              <a:pPr/>
+              <a:t>‹#›</a:t>
+            </a:fld>
+            <a:endParaRPr lang="en-US">
+              <a:solidFill>
+                <a:prstClr val="black">
+                  <a:tint val="75000"/>
+                </a:prstClr>
+              </a:solidFill>
+            </a:endParaRPr>
+          </a:p>
+        </p:txBody>
+      </p:sp>
+    </p:spTree>
+    <p:extLst/>
+  </p:cSld>
+  <p:clrMapOvr>
+    <a:masterClrMapping/>
+  </p:clrMapOvr>
+</p:sldLayout>
+</file>
+
+<file path=ppt/slideLayouts/slideLayout21.xml><?xml version="1.0" encoding="utf-8"?>
+<p:sldLayout xmlns:a="http://schemas.openxmlformats.org/drawingml/2006/main" xmlns:r="http://schemas.openxmlformats.org/officeDocument/2006/relationships" xmlns:p="http://schemas.openxmlformats.org/presentationml/2006/main" type="vertTx" preserve="1">
+  <p:cSld name="Title and Vertical Text">
+    <p:spTree>
+      <p:nvGrpSpPr>
+        <p:cNvPr id="1" name=""/>
+        <p:cNvGrpSpPr/>
+        <p:nvPr/>
+      </p:nvGrpSpPr>
+      <p:grpSpPr>
+        <a:xfrm>
+          <a:off x="0" y="0"/>
+          <a:ext cx="0" cy="0"/>
+          <a:chOff x="0" y="0"/>
+          <a:chExt cx="0" cy="0"/>
+        </a:xfrm>
+      </p:grpSpPr>
+      <p:sp>
+        <p:nvSpPr>
+          <p:cNvPr id="2" name="Title 1"/>
+          <p:cNvSpPr>
+            <a:spLocks noGrp="1"/>
+          </p:cNvSpPr>
+          <p:nvPr>
+            <p:ph type="title"/>
+          </p:nvPr>
+        </p:nvSpPr>
+        <p:spPr/>
+        <p:txBody>
+          <a:bodyPr/>
+          <a:lstStyle/>
+          <a:p>
+            <a:r>
+              <a:rPr lang="en-US" smtClean="0"/>
+              <a:t>Click to edit Master title style</a:t>
+            </a:r>
+            <a:endParaRPr lang="en-US"/>
+          </a:p>
+        </p:txBody>
+      </p:sp>
+      <p:sp>
+        <p:nvSpPr>
+          <p:cNvPr id="3" name="Vertical Text Placeholder 2"/>
+          <p:cNvSpPr>
+            <a:spLocks noGrp="1"/>
+          </p:cNvSpPr>
+          <p:nvPr>
+            <p:ph type="body" orient="vert" idx="1"/>
+          </p:nvPr>
+        </p:nvSpPr>
+        <p:spPr/>
+        <p:txBody>
+          <a:bodyPr vert="eaVert"/>
+          <a:lstStyle/>
+          <a:p>
+            <a:pPr lvl="0"/>
+            <a:r>
+              <a:rPr lang="en-US" smtClean="0"/>
+              <a:t>Click to edit Master text styles</a:t>
+            </a:r>
+          </a:p>
+          <a:p>
+            <a:pPr lvl="1"/>
+            <a:r>
+              <a:rPr lang="en-US" smtClean="0"/>
+              <a:t>Second level</a:t>
+            </a:r>
+          </a:p>
+          <a:p>
+            <a:pPr lvl="2"/>
+            <a:r>
+              <a:rPr lang="en-US" smtClean="0"/>
+              <a:t>Third level</a:t>
+            </a:r>
+          </a:p>
+          <a:p>
+            <a:pPr lvl="3"/>
+            <a:r>
+              <a:rPr lang="en-US" smtClean="0"/>
+              <a:t>Fourth level</a:t>
+            </a:r>
+          </a:p>
+          <a:p>
+            <a:pPr lvl="4"/>
+            <a:r>
+              <a:rPr lang="en-US" smtClean="0"/>
+              <a:t>Fifth level</a:t>
+            </a:r>
+            <a:endParaRPr lang="en-US"/>
+          </a:p>
+        </p:txBody>
+      </p:sp>
+      <p:sp>
+        <p:nvSpPr>
+          <p:cNvPr id="4" name="Date Placeholder 3"/>
+          <p:cNvSpPr>
+            <a:spLocks noGrp="1"/>
+          </p:cNvSpPr>
+          <p:nvPr>
+            <p:ph type="dt" sz="half" idx="10"/>
+          </p:nvPr>
+        </p:nvSpPr>
+        <p:spPr/>
+        <p:txBody>
+          <a:bodyPr/>
+          <a:lstStyle/>
+          <a:p>
+            <a:fld id="{92CAA8A4-0ED2-3C42-8F86-06294E9F5717}" type="datetimeFigureOut">
+              <a:rPr lang="en-US" smtClean="0">
+                <a:solidFill>
+                  <a:prstClr val="black">
+                    <a:tint val="75000"/>
+                  </a:prstClr>
+                </a:solidFill>
+              </a:rPr>
+              <a:pPr/>
+              <a:t>9/12/20</a:t>
+            </a:fld>
+            <a:endParaRPr lang="en-US">
+              <a:solidFill>
+                <a:prstClr val="black">
+                  <a:tint val="75000"/>
+                </a:prstClr>
+              </a:solidFill>
+            </a:endParaRPr>
+          </a:p>
+        </p:txBody>
+      </p:sp>
+      <p:sp>
+        <p:nvSpPr>
+          <p:cNvPr id="5" name="Footer Placeholder 4"/>
+          <p:cNvSpPr>
+            <a:spLocks noGrp="1"/>
+          </p:cNvSpPr>
+          <p:nvPr>
+            <p:ph type="ftr" sz="quarter" idx="11"/>
+          </p:nvPr>
+        </p:nvSpPr>
+        <p:spPr/>
+        <p:txBody>
+          <a:bodyPr/>
+          <a:lstStyle/>
+          <a:p>
+            <a:endParaRPr lang="en-US">
+              <a:solidFill>
+                <a:prstClr val="black">
+                  <a:tint val="75000"/>
+                </a:prstClr>
+              </a:solidFill>
+            </a:endParaRPr>
+          </a:p>
+        </p:txBody>
+      </p:sp>
+      <p:sp>
+        <p:nvSpPr>
+          <p:cNvPr id="6" name="Slide Number Placeholder 5"/>
+          <p:cNvSpPr>
+            <a:spLocks noGrp="1"/>
+          </p:cNvSpPr>
+          <p:nvPr>
+            <p:ph type="sldNum" sz="quarter" idx="12"/>
+          </p:nvPr>
+        </p:nvSpPr>
+        <p:spPr/>
+        <p:txBody>
+          <a:bodyPr/>
+          <a:lstStyle/>
+          <a:p>
+            <a:fld id="{ADCF0D4B-B936-754B-BA5E-F482D12E455A}" type="slidenum">
+              <a:rPr lang="en-US" smtClean="0">
+                <a:solidFill>
+                  <a:prstClr val="black">
+                    <a:tint val="75000"/>
+                  </a:prstClr>
+                </a:solidFill>
+              </a:rPr>
+              <a:pPr/>
+              <a:t>‹#›</a:t>
+            </a:fld>
+            <a:endParaRPr lang="en-US">
+              <a:solidFill>
+                <a:prstClr val="black">
+                  <a:tint val="75000"/>
+                </a:prstClr>
+              </a:solidFill>
+            </a:endParaRPr>
+          </a:p>
+        </p:txBody>
+      </p:sp>
+    </p:spTree>
+    <p:extLst/>
+  </p:cSld>
+  <p:clrMapOvr>
+    <a:masterClrMapping/>
+  </p:clrMapOvr>
+</p:sldLayout>
+</file>
+
+<file path=ppt/slideLayouts/slideLayout22.xml><?xml version="1.0" encoding="utf-8"?>
+<p:sldLayout xmlns:a="http://schemas.openxmlformats.org/drawingml/2006/main" xmlns:r="http://schemas.openxmlformats.org/officeDocument/2006/relationships" xmlns:p="http://schemas.openxmlformats.org/presentationml/2006/main" type="vertTitleAndTx" preserve="1">
+  <p:cSld name="Vertical Title and Text">
+    <p:spTree>
+      <p:nvGrpSpPr>
+        <p:cNvPr id="1" name=""/>
+        <p:cNvGrpSpPr/>
+        <p:nvPr/>
+      </p:nvGrpSpPr>
+      <p:grpSpPr>
+        <a:xfrm>
+          <a:off x="0" y="0"/>
+          <a:ext cx="0" cy="0"/>
+          <a:chOff x="0" y="0"/>
+          <a:chExt cx="0" cy="0"/>
+        </a:xfrm>
+      </p:grpSpPr>
+      <p:sp>
+        <p:nvSpPr>
+          <p:cNvPr id="2" name="Vertical Title 1"/>
+          <p:cNvSpPr>
+            <a:spLocks noGrp="1"/>
+          </p:cNvSpPr>
+          <p:nvPr>
+            <p:ph type="title" orient="vert"/>
+          </p:nvPr>
+        </p:nvSpPr>
+        <p:spPr>
+          <a:xfrm>
+            <a:off x="6543676" y="365126"/>
+            <a:ext cx="1971675" cy="5811839"/>
+          </a:xfrm>
+        </p:spPr>
+        <p:txBody>
+          <a:bodyPr vert="eaVert"/>
+          <a:lstStyle/>
+          <a:p>
+            <a:r>
+              <a:rPr lang="en-US" smtClean="0"/>
+              <a:t>Click to edit Master title style</a:t>
+            </a:r>
+            <a:endParaRPr lang="en-US"/>
+          </a:p>
+        </p:txBody>
+      </p:sp>
+      <p:sp>
+        <p:nvSpPr>
+          <p:cNvPr id="3" name="Vertical Text Placeholder 2"/>
+          <p:cNvSpPr>
+            <a:spLocks noGrp="1"/>
+          </p:cNvSpPr>
+          <p:nvPr>
+            <p:ph type="body" orient="vert" idx="1"/>
+          </p:nvPr>
+        </p:nvSpPr>
+        <p:spPr>
+          <a:xfrm>
+            <a:off x="628651" y="365126"/>
+            <a:ext cx="5800725" cy="5811839"/>
+          </a:xfrm>
+        </p:spPr>
+        <p:txBody>
+          <a:bodyPr vert="eaVert"/>
+          <a:lstStyle/>
+          <a:p>
+            <a:pPr lvl="0"/>
+            <a:r>
+              <a:rPr lang="en-US" smtClean="0"/>
+              <a:t>Click to edit Master text styles</a:t>
+            </a:r>
+          </a:p>
+          <a:p>
+            <a:pPr lvl="1"/>
+            <a:r>
+              <a:rPr lang="en-US" smtClean="0"/>
+              <a:t>Second level</a:t>
+            </a:r>
+          </a:p>
+          <a:p>
+            <a:pPr lvl="2"/>
+            <a:r>
+              <a:rPr lang="en-US" smtClean="0"/>
+              <a:t>Third level</a:t>
+            </a:r>
+          </a:p>
+          <a:p>
+            <a:pPr lvl="3"/>
+            <a:r>
+              <a:rPr lang="en-US" smtClean="0"/>
+              <a:t>Fourth level</a:t>
+            </a:r>
+          </a:p>
+          <a:p>
+            <a:pPr lvl="4"/>
+            <a:r>
+              <a:rPr lang="en-US" smtClean="0"/>
+              <a:t>Fifth level</a:t>
+            </a:r>
+            <a:endParaRPr lang="en-US"/>
+          </a:p>
+        </p:txBody>
+      </p:sp>
+      <p:sp>
+        <p:nvSpPr>
+          <p:cNvPr id="4" name="Date Placeholder 3"/>
+          <p:cNvSpPr>
+            <a:spLocks noGrp="1"/>
+          </p:cNvSpPr>
+          <p:nvPr>
+            <p:ph type="dt" sz="half" idx="10"/>
+          </p:nvPr>
+        </p:nvSpPr>
+        <p:spPr/>
+        <p:txBody>
+          <a:bodyPr/>
+          <a:lstStyle/>
+          <a:p>
+            <a:fld id="{92CAA8A4-0ED2-3C42-8F86-06294E9F5717}" type="datetimeFigureOut">
+              <a:rPr lang="en-US" smtClean="0">
+                <a:solidFill>
+                  <a:prstClr val="black">
+                    <a:tint val="75000"/>
+                  </a:prstClr>
+                </a:solidFill>
+              </a:rPr>
+              <a:pPr/>
+              <a:t>9/12/20</a:t>
+            </a:fld>
+            <a:endParaRPr lang="en-US">
+              <a:solidFill>
+                <a:prstClr val="black">
+                  <a:tint val="75000"/>
+                </a:prstClr>
+              </a:solidFill>
+            </a:endParaRPr>
+          </a:p>
+        </p:txBody>
+      </p:sp>
+      <p:sp>
+        <p:nvSpPr>
+          <p:cNvPr id="5" name="Footer Placeholder 4"/>
+          <p:cNvSpPr>
+            <a:spLocks noGrp="1"/>
+          </p:cNvSpPr>
+          <p:nvPr>
+            <p:ph type="ftr" sz="quarter" idx="11"/>
+          </p:nvPr>
+        </p:nvSpPr>
+        <p:spPr/>
+        <p:txBody>
+          <a:bodyPr/>
+          <a:lstStyle/>
+          <a:p>
+            <a:endParaRPr lang="en-US">
+              <a:solidFill>
+                <a:prstClr val="black">
+                  <a:tint val="75000"/>
+                </a:prstClr>
+              </a:solidFill>
+            </a:endParaRPr>
+          </a:p>
+        </p:txBody>
+      </p:sp>
+      <p:sp>
+        <p:nvSpPr>
+          <p:cNvPr id="6" name="Slide Number Placeholder 5"/>
+          <p:cNvSpPr>
+            <a:spLocks noGrp="1"/>
+          </p:cNvSpPr>
+          <p:nvPr>
+            <p:ph type="sldNum" sz="quarter" idx="12"/>
+          </p:nvPr>
+        </p:nvSpPr>
+        <p:spPr/>
+        <p:txBody>
+          <a:bodyPr/>
+          <a:lstStyle/>
+          <a:p>
+            <a:fld id="{ADCF0D4B-B936-754B-BA5E-F482D12E455A}" type="slidenum">
+              <a:rPr lang="en-US" smtClean="0">
+                <a:solidFill>
+                  <a:prstClr val="black">
+                    <a:tint val="75000"/>
+                  </a:prstClr>
+                </a:solidFill>
+              </a:rPr>
+              <a:pPr/>
+              <a:t>‹#›</a:t>
+            </a:fld>
+            <a:endParaRPr lang="en-US">
+              <a:solidFill>
+                <a:prstClr val="black">
+                  <a:tint val="75000"/>
+                </a:prstClr>
+              </a:solidFill>
+            </a:endParaRPr>
+          </a:p>
+        </p:txBody>
+      </p:sp>
+    </p:spTree>
+    <p:extLst/>
   </p:cSld>
   <p:clrMapOvr>
     <a:masterClrMapping/>
@@ -1079,7 +4059,7 @@
           <a:p>
             <a:fld id="{A9999F1C-1463-A74E-ACAE-D25F0447B980}" type="datetimeFigureOut">
               <a:rPr lang="en-US" smtClean="0"/>
-              <a:t>6/24/20</a:t>
+              <a:t>9/12/20</a:t>
             </a:fld>
             <a:endParaRPr lang="en-US"/>
           </a:p>
@@ -1367,7 +4347,7 @@
           <a:p>
             <a:fld id="{A9999F1C-1463-A74E-ACAE-D25F0447B980}" type="datetimeFigureOut">
               <a:rPr lang="en-US" smtClean="0"/>
-              <a:t>6/24/20</a:t>
+              <a:t>9/12/20</a:t>
             </a:fld>
             <a:endParaRPr lang="en-US"/>
           </a:p>
@@ -1789,7 +4769,7 @@
           <a:p>
             <a:fld id="{A9999F1C-1463-A74E-ACAE-D25F0447B980}" type="datetimeFigureOut">
               <a:rPr lang="en-US" smtClean="0"/>
-              <a:t>6/24/20</a:t>
+              <a:t>9/12/20</a:t>
             </a:fld>
             <a:endParaRPr lang="en-US"/>
           </a:p>
@@ -1907,7 +4887,7 @@
           <a:p>
             <a:fld id="{A9999F1C-1463-A74E-ACAE-D25F0447B980}" type="datetimeFigureOut">
               <a:rPr lang="en-US" smtClean="0"/>
-              <a:t>6/24/20</a:t>
+              <a:t>9/12/20</a:t>
             </a:fld>
             <a:endParaRPr lang="en-US"/>
           </a:p>
@@ -2002,7 +4982,7 @@
           <a:p>
             <a:fld id="{A9999F1C-1463-A74E-ACAE-D25F0447B980}" type="datetimeFigureOut">
               <a:rPr lang="en-US" smtClean="0"/>
-              <a:t>6/24/20</a:t>
+              <a:t>9/12/20</a:t>
             </a:fld>
             <a:endParaRPr lang="en-US"/>
           </a:p>
@@ -2279,7 +5259,7 @@
           <a:p>
             <a:fld id="{A9999F1C-1463-A74E-ACAE-D25F0447B980}" type="datetimeFigureOut">
               <a:rPr lang="en-US" smtClean="0"/>
-              <a:t>6/24/20</a:t>
+              <a:t>9/12/20</a:t>
             </a:fld>
             <a:endParaRPr lang="en-US"/>
           </a:p>
@@ -2532,7 +5512,7 @@
           <a:p>
             <a:fld id="{A9999F1C-1463-A74E-ACAE-D25F0447B980}" type="datetimeFigureOut">
               <a:rPr lang="en-US" smtClean="0"/>
-              <a:t>6/24/20</a:t>
+              <a:t>9/12/20</a:t>
             </a:fld>
             <a:endParaRPr lang="en-US"/>
           </a:p>
@@ -2745,7 +5725,7 @@
           <a:p>
             <a:fld id="{A9999F1C-1463-A74E-ACAE-D25F0447B980}" type="datetimeFigureOut">
               <a:rPr lang="en-US" smtClean="0"/>
-              <a:t>6/24/20</a:t>
+              <a:t>9/12/20</a:t>
             </a:fld>
             <a:endParaRPr lang="en-US"/>
           </a:p>
@@ -3103,6 +6083,586 @@
 </p:sldMaster>
 </file>
 
+<file path=ppt/slideMasters/slideMaster2.xml><?xml version="1.0" encoding="utf-8"?>
+<p:sldMaster xmlns:a="http://schemas.openxmlformats.org/drawingml/2006/main" xmlns:r="http://schemas.openxmlformats.org/officeDocument/2006/relationships" xmlns:p="http://schemas.openxmlformats.org/presentationml/2006/main">
+  <p:cSld>
+    <p:bg>
+      <p:bgRef idx="1001">
+        <a:schemeClr val="bg1"/>
+      </p:bgRef>
+    </p:bg>
+    <p:spTree>
+      <p:nvGrpSpPr>
+        <p:cNvPr id="1" name=""/>
+        <p:cNvGrpSpPr/>
+        <p:nvPr/>
+      </p:nvGrpSpPr>
+      <p:grpSpPr>
+        <a:xfrm>
+          <a:off x="0" y="0"/>
+          <a:ext cx="0" cy="0"/>
+          <a:chOff x="0" y="0"/>
+          <a:chExt cx="0" cy="0"/>
+        </a:xfrm>
+      </p:grpSpPr>
+      <p:sp>
+        <p:nvSpPr>
+          <p:cNvPr id="2" name="Title Placeholder 1"/>
+          <p:cNvSpPr>
+            <a:spLocks noGrp="1"/>
+          </p:cNvSpPr>
+          <p:nvPr>
+            <p:ph type="title"/>
+          </p:nvPr>
+        </p:nvSpPr>
+        <p:spPr>
+          <a:xfrm>
+            <a:off x="628650" y="365125"/>
+            <a:ext cx="7886700" cy="1325563"/>
+          </a:xfrm>
+          <a:prstGeom prst="rect">
+            <a:avLst/>
+          </a:prstGeom>
+        </p:spPr>
+        <p:txBody>
+          <a:bodyPr vert="horz" lIns="91440" tIns="45720" rIns="91440" bIns="45720" rtlCol="0" anchor="ctr">
+            <a:normAutofit/>
+          </a:bodyPr>
+          <a:lstStyle/>
+          <a:p>
+            <a:r>
+              <a:rPr lang="en-US" smtClean="0"/>
+              <a:t>Click to edit Master title style</a:t>
+            </a:r>
+            <a:endParaRPr lang="en-US"/>
+          </a:p>
+        </p:txBody>
+      </p:sp>
+      <p:sp>
+        <p:nvSpPr>
+          <p:cNvPr id="3" name="Text Placeholder 2"/>
+          <p:cNvSpPr>
+            <a:spLocks noGrp="1"/>
+          </p:cNvSpPr>
+          <p:nvPr>
+            <p:ph type="body" idx="1"/>
+          </p:nvPr>
+        </p:nvSpPr>
+        <p:spPr>
+          <a:xfrm>
+            <a:off x="628650" y="1825625"/>
+            <a:ext cx="7886700" cy="4351339"/>
+          </a:xfrm>
+          <a:prstGeom prst="rect">
+            <a:avLst/>
+          </a:prstGeom>
+        </p:spPr>
+        <p:txBody>
+          <a:bodyPr vert="horz" lIns="91440" tIns="45720" rIns="91440" bIns="45720" rtlCol="0">
+            <a:normAutofit/>
+          </a:bodyPr>
+          <a:lstStyle/>
+          <a:p>
+            <a:pPr lvl="0"/>
+            <a:r>
+              <a:rPr lang="en-US" smtClean="0"/>
+              <a:t>Click to edit Master text styles</a:t>
+            </a:r>
+          </a:p>
+          <a:p>
+            <a:pPr lvl="1"/>
+            <a:r>
+              <a:rPr lang="en-US" smtClean="0"/>
+              <a:t>Second level</a:t>
+            </a:r>
+          </a:p>
+          <a:p>
+            <a:pPr lvl="2"/>
+            <a:r>
+              <a:rPr lang="en-US" smtClean="0"/>
+              <a:t>Third level</a:t>
+            </a:r>
+          </a:p>
+          <a:p>
+            <a:pPr lvl="3"/>
+            <a:r>
+              <a:rPr lang="en-US" smtClean="0"/>
+              <a:t>Fourth level</a:t>
+            </a:r>
+          </a:p>
+          <a:p>
+            <a:pPr lvl="4"/>
+            <a:r>
+              <a:rPr lang="en-US" smtClean="0"/>
+              <a:t>Fifth level</a:t>
+            </a:r>
+            <a:endParaRPr lang="en-US"/>
+          </a:p>
+        </p:txBody>
+      </p:sp>
+      <p:sp>
+        <p:nvSpPr>
+          <p:cNvPr id="4" name="Date Placeholder 3"/>
+          <p:cNvSpPr>
+            <a:spLocks noGrp="1"/>
+          </p:cNvSpPr>
+          <p:nvPr>
+            <p:ph type="dt" sz="half" idx="2"/>
+          </p:nvPr>
+        </p:nvSpPr>
+        <p:spPr>
+          <a:xfrm>
+            <a:off x="628650" y="6356351"/>
+            <a:ext cx="2057400" cy="365125"/>
+          </a:xfrm>
+          <a:prstGeom prst="rect">
+            <a:avLst/>
+          </a:prstGeom>
+        </p:spPr>
+        <p:txBody>
+          <a:bodyPr vert="horz" lIns="91440" tIns="45720" rIns="91440" bIns="45720" rtlCol="0" anchor="ctr"/>
+          <a:lstStyle>
+            <a:lvl1pPr algn="l">
+              <a:defRPr sz="900">
+                <a:solidFill>
+                  <a:schemeClr val="tx1">
+                    <a:tint val="75000"/>
+                  </a:schemeClr>
+                </a:solidFill>
+              </a:defRPr>
+            </a:lvl1pPr>
+          </a:lstStyle>
+          <a:p>
+            <a:pPr defTabSz="914400"/>
+            <a:fld id="{92CAA8A4-0ED2-3C42-8F86-06294E9F5717}" type="datetimeFigureOut">
+              <a:rPr lang="en-US" smtClean="0">
+                <a:solidFill>
+                  <a:prstClr val="black">
+                    <a:tint val="75000"/>
+                  </a:prstClr>
+                </a:solidFill>
+                <a:sym typeface="Arial"/>
+              </a:rPr>
+              <a:pPr defTabSz="914400"/>
+              <a:t>9/12/20</a:t>
+            </a:fld>
+            <a:endParaRPr lang="en-US">
+              <a:solidFill>
+                <a:prstClr val="black">
+                  <a:tint val="75000"/>
+                </a:prstClr>
+              </a:solidFill>
+              <a:sym typeface="Arial"/>
+            </a:endParaRPr>
+          </a:p>
+        </p:txBody>
+      </p:sp>
+      <p:sp>
+        <p:nvSpPr>
+          <p:cNvPr id="5" name="Footer Placeholder 4"/>
+          <p:cNvSpPr>
+            <a:spLocks noGrp="1"/>
+          </p:cNvSpPr>
+          <p:nvPr>
+            <p:ph type="ftr" sz="quarter" idx="3"/>
+          </p:nvPr>
+        </p:nvSpPr>
+        <p:spPr>
+          <a:xfrm>
+            <a:off x="3028950" y="6356351"/>
+            <a:ext cx="3086100" cy="365125"/>
+          </a:xfrm>
+          <a:prstGeom prst="rect">
+            <a:avLst/>
+          </a:prstGeom>
+        </p:spPr>
+        <p:txBody>
+          <a:bodyPr vert="horz" lIns="91440" tIns="45720" rIns="91440" bIns="45720" rtlCol="0" anchor="ctr"/>
+          <a:lstStyle>
+            <a:lvl1pPr algn="ctr">
+              <a:defRPr sz="900">
+                <a:solidFill>
+                  <a:schemeClr val="tx1">
+                    <a:tint val="75000"/>
+                  </a:schemeClr>
+                </a:solidFill>
+              </a:defRPr>
+            </a:lvl1pPr>
+          </a:lstStyle>
+          <a:p>
+            <a:pPr defTabSz="914400"/>
+            <a:endParaRPr lang="en-US">
+              <a:solidFill>
+                <a:prstClr val="black">
+                  <a:tint val="75000"/>
+                </a:prstClr>
+              </a:solidFill>
+              <a:sym typeface="Arial"/>
+            </a:endParaRPr>
+          </a:p>
+        </p:txBody>
+      </p:sp>
+      <p:sp>
+        <p:nvSpPr>
+          <p:cNvPr id="6" name="Slide Number Placeholder 5"/>
+          <p:cNvSpPr>
+            <a:spLocks noGrp="1"/>
+          </p:cNvSpPr>
+          <p:nvPr>
+            <p:ph type="sldNum" sz="quarter" idx="4"/>
+          </p:nvPr>
+        </p:nvSpPr>
+        <p:spPr>
+          <a:xfrm>
+            <a:off x="6457950" y="6356351"/>
+            <a:ext cx="2057400" cy="365125"/>
+          </a:xfrm>
+          <a:prstGeom prst="rect">
+            <a:avLst/>
+          </a:prstGeom>
+        </p:spPr>
+        <p:txBody>
+          <a:bodyPr vert="horz" lIns="91440" tIns="45720" rIns="91440" bIns="45720" rtlCol="0" anchor="ctr"/>
+          <a:lstStyle>
+            <a:lvl1pPr algn="r">
+              <a:defRPr sz="900">
+                <a:solidFill>
+                  <a:schemeClr val="tx1">
+                    <a:tint val="75000"/>
+                  </a:schemeClr>
+                </a:solidFill>
+              </a:defRPr>
+            </a:lvl1pPr>
+          </a:lstStyle>
+          <a:p>
+            <a:pPr defTabSz="914400"/>
+            <a:fld id="{ADCF0D4B-B936-754B-BA5E-F482D12E455A}" type="slidenum">
+              <a:rPr lang="en-US" smtClean="0">
+                <a:solidFill>
+                  <a:prstClr val="black">
+                    <a:tint val="75000"/>
+                  </a:prstClr>
+                </a:solidFill>
+                <a:sym typeface="Arial"/>
+              </a:rPr>
+              <a:pPr defTabSz="914400"/>
+              <a:t>‹#›</a:t>
+            </a:fld>
+            <a:endParaRPr lang="en-US">
+              <a:solidFill>
+                <a:prstClr val="black">
+                  <a:tint val="75000"/>
+                </a:prstClr>
+              </a:solidFill>
+              <a:sym typeface="Arial"/>
+            </a:endParaRPr>
+          </a:p>
+        </p:txBody>
+      </p:sp>
+    </p:spTree>
+    <p:extLst>
+      <p:ext uri="{BB962C8B-B14F-4D97-AF65-F5344CB8AC3E}">
+        <p14:creationId xmlns:p14="http://schemas.microsoft.com/office/powerpoint/2010/main" val="438070758"/>
+      </p:ext>
+    </p:extLst>
+  </p:cSld>
+  <p:clrMap bg1="lt1" tx1="dk1" bg2="lt2" tx2="dk2" accent1="accent1" accent2="accent2" accent3="accent3" accent4="accent4" accent5="accent5" accent6="accent6" hlink="hlink" folHlink="folHlink"/>
+  <p:sldLayoutIdLst>
+    <p:sldLayoutId id="2147483661" r:id="rId1"/>
+    <p:sldLayoutId id="2147483662" r:id="rId2"/>
+    <p:sldLayoutId id="2147483663" r:id="rId3"/>
+    <p:sldLayoutId id="2147483664" r:id="rId4"/>
+    <p:sldLayoutId id="2147483665" r:id="rId5"/>
+    <p:sldLayoutId id="2147483666" r:id="rId6"/>
+    <p:sldLayoutId id="2147483667" r:id="rId7"/>
+    <p:sldLayoutId id="2147483668" r:id="rId8"/>
+    <p:sldLayoutId id="2147483669" r:id="rId9"/>
+    <p:sldLayoutId id="2147483670" r:id="rId10"/>
+    <p:sldLayoutId id="2147483671" r:id="rId11"/>
+  </p:sldLayoutIdLst>
+  <p:txStyles>
+    <p:titleStyle>
+      <a:lvl1pPr algn="l" defTabSz="685800" rtl="0" eaLnBrk="1" latinLnBrk="0" hangingPunct="1">
+        <a:lnSpc>
+          <a:spcPct val="90000"/>
+        </a:lnSpc>
+        <a:spcBef>
+          <a:spcPct val="0"/>
+        </a:spcBef>
+        <a:buNone/>
+        <a:defRPr sz="3300" kern="1200">
+          <a:solidFill>
+            <a:schemeClr val="tx1"/>
+          </a:solidFill>
+          <a:latin typeface="+mj-lt"/>
+          <a:ea typeface="+mj-ea"/>
+          <a:cs typeface="+mj-cs"/>
+        </a:defRPr>
+      </a:lvl1pPr>
+    </p:titleStyle>
+    <p:bodyStyle>
+      <a:lvl1pPr marL="171450" indent="-171450" algn="l" defTabSz="685800" rtl="0" eaLnBrk="1" latinLnBrk="0" hangingPunct="1">
+        <a:lnSpc>
+          <a:spcPct val="90000"/>
+        </a:lnSpc>
+        <a:spcBef>
+          <a:spcPts val="750"/>
+        </a:spcBef>
+        <a:buFont typeface="Arial"/>
+        <a:buChar char="•"/>
+        <a:defRPr sz="2100" kern="1200">
+          <a:solidFill>
+            <a:schemeClr val="tx1"/>
+          </a:solidFill>
+          <a:latin typeface="+mn-lt"/>
+          <a:ea typeface="+mn-ea"/>
+          <a:cs typeface="+mn-cs"/>
+        </a:defRPr>
+      </a:lvl1pPr>
+      <a:lvl2pPr marL="514350" indent="-171450" algn="l" defTabSz="685800" rtl="0" eaLnBrk="1" latinLnBrk="0" hangingPunct="1">
+        <a:lnSpc>
+          <a:spcPct val="90000"/>
+        </a:lnSpc>
+        <a:spcBef>
+          <a:spcPts val="375"/>
+        </a:spcBef>
+        <a:buFont typeface="Arial"/>
+        <a:buChar char="•"/>
+        <a:defRPr sz="1800" kern="1200">
+          <a:solidFill>
+            <a:schemeClr val="tx1"/>
+          </a:solidFill>
+          <a:latin typeface="+mn-lt"/>
+          <a:ea typeface="+mn-ea"/>
+          <a:cs typeface="+mn-cs"/>
+        </a:defRPr>
+      </a:lvl2pPr>
+      <a:lvl3pPr marL="857250" indent="-171450" algn="l" defTabSz="685800" rtl="0" eaLnBrk="1" latinLnBrk="0" hangingPunct="1">
+        <a:lnSpc>
+          <a:spcPct val="90000"/>
+        </a:lnSpc>
+        <a:spcBef>
+          <a:spcPts val="375"/>
+        </a:spcBef>
+        <a:buFont typeface="Arial"/>
+        <a:buChar char="•"/>
+        <a:defRPr sz="1500" kern="1200">
+          <a:solidFill>
+            <a:schemeClr val="tx1"/>
+          </a:solidFill>
+          <a:latin typeface="+mn-lt"/>
+          <a:ea typeface="+mn-ea"/>
+          <a:cs typeface="+mn-cs"/>
+        </a:defRPr>
+      </a:lvl3pPr>
+      <a:lvl4pPr marL="1200150" indent="-171450" algn="l" defTabSz="685800" rtl="0" eaLnBrk="1" latinLnBrk="0" hangingPunct="1">
+        <a:lnSpc>
+          <a:spcPct val="90000"/>
+        </a:lnSpc>
+        <a:spcBef>
+          <a:spcPts val="375"/>
+        </a:spcBef>
+        <a:buFont typeface="Arial"/>
+        <a:buChar char="•"/>
+        <a:defRPr sz="1350" kern="1200">
+          <a:solidFill>
+            <a:schemeClr val="tx1"/>
+          </a:solidFill>
+          <a:latin typeface="+mn-lt"/>
+          <a:ea typeface="+mn-ea"/>
+          <a:cs typeface="+mn-cs"/>
+        </a:defRPr>
+      </a:lvl4pPr>
+      <a:lvl5pPr marL="1543050" indent="-171450" algn="l" defTabSz="685800" rtl="0" eaLnBrk="1" latinLnBrk="0" hangingPunct="1">
+        <a:lnSpc>
+          <a:spcPct val="90000"/>
+        </a:lnSpc>
+        <a:spcBef>
+          <a:spcPts val="375"/>
+        </a:spcBef>
+        <a:buFont typeface="Arial"/>
+        <a:buChar char="•"/>
+        <a:defRPr sz="1350" kern="1200">
+          <a:solidFill>
+            <a:schemeClr val="tx1"/>
+          </a:solidFill>
+          <a:latin typeface="+mn-lt"/>
+          <a:ea typeface="+mn-ea"/>
+          <a:cs typeface="+mn-cs"/>
+        </a:defRPr>
+      </a:lvl5pPr>
+      <a:lvl6pPr marL="1885950" indent="-171450" algn="l" defTabSz="685800" rtl="0" eaLnBrk="1" latinLnBrk="0" hangingPunct="1">
+        <a:lnSpc>
+          <a:spcPct val="90000"/>
+        </a:lnSpc>
+        <a:spcBef>
+          <a:spcPts val="375"/>
+        </a:spcBef>
+        <a:buFont typeface="Arial"/>
+        <a:buChar char="•"/>
+        <a:defRPr sz="1350" kern="1200">
+          <a:solidFill>
+            <a:schemeClr val="tx1"/>
+          </a:solidFill>
+          <a:latin typeface="+mn-lt"/>
+          <a:ea typeface="+mn-ea"/>
+          <a:cs typeface="+mn-cs"/>
+        </a:defRPr>
+      </a:lvl6pPr>
+      <a:lvl7pPr marL="2228850" indent="-171450" algn="l" defTabSz="685800" rtl="0" eaLnBrk="1" latinLnBrk="0" hangingPunct="1">
+        <a:lnSpc>
+          <a:spcPct val="90000"/>
+        </a:lnSpc>
+        <a:spcBef>
+          <a:spcPts val="375"/>
+        </a:spcBef>
+        <a:buFont typeface="Arial"/>
+        <a:buChar char="•"/>
+        <a:defRPr sz="1350" kern="1200">
+          <a:solidFill>
+            <a:schemeClr val="tx1"/>
+          </a:solidFill>
+          <a:latin typeface="+mn-lt"/>
+          <a:ea typeface="+mn-ea"/>
+          <a:cs typeface="+mn-cs"/>
+        </a:defRPr>
+      </a:lvl7pPr>
+      <a:lvl8pPr marL="2571750" indent="-171450" algn="l" defTabSz="685800" rtl="0" eaLnBrk="1" latinLnBrk="0" hangingPunct="1">
+        <a:lnSpc>
+          <a:spcPct val="90000"/>
+        </a:lnSpc>
+        <a:spcBef>
+          <a:spcPts val="375"/>
+        </a:spcBef>
+        <a:buFont typeface="Arial"/>
+        <a:buChar char="•"/>
+        <a:defRPr sz="1350" kern="1200">
+          <a:solidFill>
+            <a:schemeClr val="tx1"/>
+          </a:solidFill>
+          <a:latin typeface="+mn-lt"/>
+          <a:ea typeface="+mn-ea"/>
+          <a:cs typeface="+mn-cs"/>
+        </a:defRPr>
+      </a:lvl8pPr>
+      <a:lvl9pPr marL="2914650" indent="-171450" algn="l" defTabSz="685800" rtl="0" eaLnBrk="1" latinLnBrk="0" hangingPunct="1">
+        <a:lnSpc>
+          <a:spcPct val="90000"/>
+        </a:lnSpc>
+        <a:spcBef>
+          <a:spcPts val="375"/>
+        </a:spcBef>
+        <a:buFont typeface="Arial"/>
+        <a:buChar char="•"/>
+        <a:defRPr sz="1350" kern="1200">
+          <a:solidFill>
+            <a:schemeClr val="tx1"/>
+          </a:solidFill>
+          <a:latin typeface="+mn-lt"/>
+          <a:ea typeface="+mn-ea"/>
+          <a:cs typeface="+mn-cs"/>
+        </a:defRPr>
+      </a:lvl9pPr>
+    </p:bodyStyle>
+    <p:otherStyle>
+      <a:defPPr>
+        <a:defRPr lang="en-US"/>
+      </a:defPPr>
+      <a:lvl1pPr marL="0" algn="l" defTabSz="685800" rtl="0" eaLnBrk="1" latinLnBrk="0" hangingPunct="1">
+        <a:defRPr sz="1350" kern="1200">
+          <a:solidFill>
+            <a:schemeClr val="tx1"/>
+          </a:solidFill>
+          <a:latin typeface="+mn-lt"/>
+          <a:ea typeface="+mn-ea"/>
+          <a:cs typeface="+mn-cs"/>
+        </a:defRPr>
+      </a:lvl1pPr>
+      <a:lvl2pPr marL="342900" algn="l" defTabSz="685800" rtl="0" eaLnBrk="1" latinLnBrk="0" hangingPunct="1">
+        <a:defRPr sz="1350" kern="1200">
+          <a:solidFill>
+            <a:schemeClr val="tx1"/>
+          </a:solidFill>
+          <a:latin typeface="+mn-lt"/>
+          <a:ea typeface="+mn-ea"/>
+          <a:cs typeface="+mn-cs"/>
+        </a:defRPr>
+      </a:lvl2pPr>
+      <a:lvl3pPr marL="685800" algn="l" defTabSz="685800" rtl="0" eaLnBrk="1" latinLnBrk="0" hangingPunct="1">
+        <a:defRPr sz="1350" kern="1200">
+          <a:solidFill>
+            <a:schemeClr val="tx1"/>
+          </a:solidFill>
+          <a:latin typeface="+mn-lt"/>
+          <a:ea typeface="+mn-ea"/>
+          <a:cs typeface="+mn-cs"/>
+        </a:defRPr>
+      </a:lvl3pPr>
+      <a:lvl4pPr marL="1028700" algn="l" defTabSz="685800" rtl="0" eaLnBrk="1" latinLnBrk="0" hangingPunct="1">
+        <a:defRPr sz="1350" kern="1200">
+          <a:solidFill>
+            <a:schemeClr val="tx1"/>
+          </a:solidFill>
+          <a:latin typeface="+mn-lt"/>
+          <a:ea typeface="+mn-ea"/>
+          <a:cs typeface="+mn-cs"/>
+        </a:defRPr>
+      </a:lvl4pPr>
+      <a:lvl5pPr marL="1371600" algn="l" defTabSz="685800" rtl="0" eaLnBrk="1" latinLnBrk="0" hangingPunct="1">
+        <a:defRPr sz="1350" kern="1200">
+          <a:solidFill>
+            <a:schemeClr val="tx1"/>
+          </a:solidFill>
+          <a:latin typeface="+mn-lt"/>
+          <a:ea typeface="+mn-ea"/>
+          <a:cs typeface="+mn-cs"/>
+        </a:defRPr>
+      </a:lvl5pPr>
+      <a:lvl6pPr marL="1714500" algn="l" defTabSz="685800" rtl="0" eaLnBrk="1" latinLnBrk="0" hangingPunct="1">
+        <a:defRPr sz="1350" kern="1200">
+          <a:solidFill>
+            <a:schemeClr val="tx1"/>
+          </a:solidFill>
+          <a:latin typeface="+mn-lt"/>
+          <a:ea typeface="+mn-ea"/>
+          <a:cs typeface="+mn-cs"/>
+        </a:defRPr>
+      </a:lvl6pPr>
+      <a:lvl7pPr marL="2057400" algn="l" defTabSz="685800" rtl="0" eaLnBrk="1" latinLnBrk="0" hangingPunct="1">
+        <a:defRPr sz="1350" kern="1200">
+          <a:solidFill>
+            <a:schemeClr val="tx1"/>
+          </a:solidFill>
+          <a:latin typeface="+mn-lt"/>
+          <a:ea typeface="+mn-ea"/>
+          <a:cs typeface="+mn-cs"/>
+        </a:defRPr>
+      </a:lvl7pPr>
+      <a:lvl8pPr marL="2400300" algn="l" defTabSz="685800" rtl="0" eaLnBrk="1" latinLnBrk="0" hangingPunct="1">
+        <a:defRPr sz="1350" kern="1200">
+          <a:solidFill>
+            <a:schemeClr val="tx1"/>
+          </a:solidFill>
+          <a:latin typeface="+mn-lt"/>
+          <a:ea typeface="+mn-ea"/>
+          <a:cs typeface="+mn-cs"/>
+        </a:defRPr>
+      </a:lvl8pPr>
+      <a:lvl9pPr marL="2743200" algn="l" defTabSz="685800" rtl="0" eaLnBrk="1" latinLnBrk="0" hangingPunct="1">
+        <a:defRPr sz="1350" kern="1200">
+          <a:solidFill>
+            <a:schemeClr val="tx1"/>
+          </a:solidFill>
+          <a:latin typeface="+mn-lt"/>
+          <a:ea typeface="+mn-ea"/>
+          <a:cs typeface="+mn-cs"/>
+        </a:defRPr>
+      </a:lvl9pPr>
+    </p:otherStyle>
+  </p:txStyles>
+</p:sldMaster>
+</file>
+
 <file path=ppt/slides/slide1.xml><?xml version="1.0" encoding="utf-8"?>
 <p:sld xmlns:a="http://schemas.openxmlformats.org/drawingml/2006/main" xmlns:r="http://schemas.openxmlformats.org/officeDocument/2006/relationships" xmlns:p="http://schemas.openxmlformats.org/presentationml/2006/main">
   <p:cSld>
@@ -3130,23 +6690,135 @@
             <p:ph type="ctrTitle"/>
           </p:nvPr>
         </p:nvSpPr>
-        <p:spPr/>
-        <p:txBody>
-          <a:bodyPr/>
-          <a:lstStyle/>
-          <a:p>
-            <a:r>
-              <a:rPr lang="en-US" dirty="0" smtClean="0"/>
-              <a:t>Why Parallel Programming?</a:t>
-            </a:r>
-            <a:endParaRPr lang="en-US" dirty="0"/>
+        <p:spPr>
+          <a:xfrm>
+            <a:off x="566057" y="857250"/>
+            <a:ext cx="8011886" cy="5143500"/>
+          </a:xfrm>
+        </p:spPr>
+        <p:txBody>
+          <a:bodyPr anchor="ctr">
+            <a:noAutofit/>
+          </a:bodyPr>
+          <a:lstStyle/>
+          <a:p>
+            <a:pPr algn="l" fontAlgn="ctr">
+              <a:lnSpc>
+                <a:spcPct val="150000"/>
+              </a:lnSpc>
+            </a:pPr>
+            <a:r>
+              <a:rPr lang="en-US" sz="2700" b="1" dirty="0">
+                <a:latin typeface="Times New Roman" charset="0"/>
+                <a:ea typeface="Times New Roman" charset="0"/>
+                <a:cs typeface="Times New Roman" charset="0"/>
+              </a:rPr>
+              <a:t>Blue Waters Petascale</a:t>
+            </a:r>
+            <a:r>
+              <a:rPr lang="en-US" sz="2700" b="1" dirty="0">
+                <a:latin typeface="Times New Roman" charset="0"/>
+                <a:ea typeface="Times New Roman" charset="0"/>
+                <a:cs typeface="Times New Roman" charset="0"/>
+              </a:rPr>
+              <a:t> Semester Curriculum v1.0</a:t>
+            </a:r>
+            <a:r>
+              <a:rPr lang="en-US" sz="2700" dirty="0">
+                <a:latin typeface="Times New Roman" charset="0"/>
+                <a:ea typeface="Times New Roman" charset="0"/>
+                <a:cs typeface="Times New Roman" charset="0"/>
+              </a:rPr>
+              <a:t/>
+            </a:r>
+            <a:br>
+              <a:rPr lang="en-US" sz="2700" dirty="0">
+                <a:latin typeface="Times New Roman" charset="0"/>
+                <a:ea typeface="Times New Roman" charset="0"/>
+                <a:cs typeface="Times New Roman" charset="0"/>
+              </a:rPr>
+            </a:br>
+            <a:r>
+              <a:rPr lang="en-US" sz="2700" b="1" dirty="0">
+                <a:latin typeface="Times New Roman" charset="0"/>
+                <a:ea typeface="Times New Roman" charset="0"/>
+                <a:cs typeface="Times New Roman" charset="0"/>
+              </a:rPr>
+              <a:t>Unit 1: Computation Across the Curriculum </a:t>
+            </a:r>
+            <a:r>
+              <a:rPr lang="en-US" sz="2700" dirty="0">
+                <a:latin typeface="Times New Roman" charset="0"/>
+                <a:ea typeface="Times New Roman" charset="0"/>
+                <a:cs typeface="Times New Roman" charset="0"/>
+              </a:rPr>
+              <a:t/>
+            </a:r>
+            <a:br>
+              <a:rPr lang="en-US" sz="2700" dirty="0">
+                <a:latin typeface="Times New Roman" charset="0"/>
+                <a:ea typeface="Times New Roman" charset="0"/>
+                <a:cs typeface="Times New Roman" charset="0"/>
+              </a:rPr>
+            </a:br>
+            <a:r>
+              <a:rPr lang="en-US" sz="2700" b="1" dirty="0">
+                <a:latin typeface="Times New Roman" charset="0"/>
+                <a:ea typeface="Times New Roman" charset="0"/>
+                <a:cs typeface="Times New Roman" charset="0"/>
+              </a:rPr>
+              <a:t>Lesson 5: Why Parallel Programming?</a:t>
+            </a:r>
+            <a:br>
+              <a:rPr lang="en-US" sz="2700" b="1" dirty="0">
+                <a:latin typeface="Times New Roman" charset="0"/>
+                <a:ea typeface="Times New Roman" charset="0"/>
+                <a:cs typeface="Times New Roman" charset="0"/>
+              </a:rPr>
+            </a:br>
+            <a:r>
+              <a:rPr lang="en-US" sz="2700" i="1" dirty="0">
+                <a:latin typeface="Times New Roman" charset="0"/>
+                <a:ea typeface="Times New Roman" charset="0"/>
+                <a:cs typeface="Times New Roman" charset="0"/>
+              </a:rPr>
+              <a:t>Developed by Colleen Heinemann</a:t>
+            </a:r>
+            <a:r>
+              <a:rPr lang="en-US" sz="2700" i="1" dirty="0">
+                <a:latin typeface="Times New Roman" charset="0"/>
+                <a:ea typeface="Times New Roman" charset="0"/>
+                <a:cs typeface="Times New Roman" charset="0"/>
+              </a:rPr>
+              <a:t/>
+            </a:r>
+            <a:br>
+              <a:rPr lang="en-US" sz="2700" i="1" dirty="0">
+                <a:latin typeface="Times New Roman" charset="0"/>
+                <a:ea typeface="Times New Roman" charset="0"/>
+                <a:cs typeface="Times New Roman" charset="0"/>
+              </a:rPr>
+            </a:br>
+            <a:r>
+              <a:rPr lang="en-US" sz="2700" i="1" dirty="0">
+                <a:latin typeface="Times New Roman" charset="0"/>
+                <a:ea typeface="Times New Roman" charset="0"/>
+                <a:cs typeface="Times New Roman" charset="0"/>
+              </a:rPr>
+              <a:t>for the Shodor Education Foundation, Inc.</a:t>
+            </a:r>
+            <a:endParaRPr lang="en-US" sz="2700" i="1" dirty="0">
+              <a:latin typeface="Times New Roman" charset="0"/>
+              <a:ea typeface="Times New Roman" charset="0"/>
+              <a:cs typeface="Times New Roman" charset="0"/>
+            </a:endParaRPr>
           </a:p>
         </p:txBody>
       </p:sp>
     </p:spTree>
     <p:extLst>
       <p:ext uri="{BB962C8B-B14F-4D97-AF65-F5344CB8AC3E}">
-        <p14:creationId xmlns:p14="http://schemas.microsoft.com/office/powerpoint/2010/main" val="372060863"/>
+        <p14:creationId xmlns:p14="http://schemas.microsoft.com/office/powerpoint/2010/main" val="1081287790"/>
       </p:ext>
     </p:extLst>
   </p:cSld>
@@ -3190,13 +6862,13 @@
           <a:p>
             <a:r>
               <a:rPr lang="en-US" dirty="0" err="1" smtClean="0"/>
-              <a:t>More</a:t>
+              <a:t>Sooner</a:t>
             </a:r>
             <a:r>
               <a:rPr lang="en-US" dirty="0" err="1" smtClean="0">
                 <a:sym typeface="Wingdings"/>
               </a:rPr>
-              <a:t>Scaling</a:t>
+              <a:t>Speedup</a:t>
             </a:r>
             <a:endParaRPr lang="en-US" dirty="0"/>
           </a:p>
@@ -3214,18 +6886,32 @@
         </p:nvSpPr>
         <p:spPr/>
         <p:txBody>
-          <a:bodyPr/>
+          <a:bodyPr>
+            <a:normAutofit lnSpcReduction="10000"/>
+          </a:bodyPr>
           <a:lstStyle/>
           <a:p>
             <a:r>
               <a:rPr lang="en-US" dirty="0" smtClean="0"/>
-              <a:t>More processors can be used to module a bigger problem in the same amount of time as fewer processors can model a smaller problem</a:t>
+              <a:t>In theory, programs will run faster if they are parallelized compared to executing the same program in serial</a:t>
             </a:r>
           </a:p>
           <a:p>
             <a:r>
               <a:rPr lang="en-US" dirty="0" smtClean="0"/>
-              <a:t>More science can be done in the same amount of time with parallelism</a:t>
+              <a:t>This means there should be some factor of “speedup” when running in parallel</a:t>
+            </a:r>
+          </a:p>
+          <a:p>
+            <a:r>
+              <a:rPr lang="en-US" dirty="0" smtClean="0"/>
+              <a:t>QUESTION: What is an example where parallelization would provide speedup?</a:t>
+            </a:r>
+          </a:p>
+          <a:p>
+            <a:r>
+              <a:rPr lang="en-US" dirty="0" smtClean="0"/>
+              <a:t>QUESTION: What is an example where parallelization would NOT provide speedup?</a:t>
             </a:r>
             <a:endParaRPr lang="en-US" dirty="0"/>
           </a:p>
@@ -3234,7 +6920,7 @@
     </p:spTree>
     <p:extLst>
       <p:ext uri="{BB962C8B-B14F-4D97-AF65-F5344CB8AC3E}">
-        <p14:creationId xmlns:p14="http://schemas.microsoft.com/office/powerpoint/2010/main" val="609939661"/>
+        <p14:creationId xmlns:p14="http://schemas.microsoft.com/office/powerpoint/2010/main" val="1942008547"/>
       </p:ext>
     </p:extLst>
   </p:cSld>
@@ -3277,64 +6963,72 @@
           <a:lstStyle/>
           <a:p>
             <a:r>
-              <a:rPr lang="en-US" dirty="0" smtClean="0"/>
-              <a:t>Fishing Analogy, Scaling</a:t>
-            </a:r>
-            <a:endParaRPr lang="en-US" dirty="0"/>
-          </a:p>
-        </p:txBody>
-      </p:sp>
-      <p:sp>
-        <p:nvSpPr>
-          <p:cNvPr id="3" name="Content Placeholder 2"/>
-          <p:cNvSpPr>
-            <a:spLocks noGrp="1"/>
-          </p:cNvSpPr>
-          <p:nvPr>
-            <p:ph idx="1"/>
-          </p:nvPr>
-        </p:nvSpPr>
-        <p:spPr/>
-        <p:txBody>
-          <a:bodyPr/>
-          <a:lstStyle/>
-          <a:p>
-            <a:r>
-              <a:rPr lang="en-US" dirty="0" smtClean="0"/>
-              <a:t>Fishing analogy from earlier is example of </a:t>
-            </a:r>
-            <a:r>
               <a:rPr lang="en-US" dirty="0" err="1" smtClean="0"/>
-              <a:t>scaling</a:t>
+              <a:t>Better</a:t>
             </a:r>
             <a:r>
               <a:rPr lang="en-US" dirty="0" err="1" smtClean="0">
                 <a:sym typeface="Wingdings"/>
               </a:rPr>
-              <a:t>add</a:t>
-            </a:r>
-            <a:r>
-              <a:rPr lang="en-US" dirty="0" smtClean="0">
-                <a:sym typeface="Wingdings"/>
-              </a:rPr>
-              <a:t> more resources to do same amount of work</a:t>
-            </a:r>
-          </a:p>
-          <a:p>
-            <a:r>
-              <a:rPr lang="en-US" dirty="0" smtClean="0">
-                <a:sym typeface="Wingdings"/>
-              </a:rPr>
-              <a:t>If 100 fishermen each catch 1 fish, then they will reach the goal of 100 fish, in theory 100 times faster</a:t>
+              <a:t>Accuracy</a:t>
             </a:r>
             <a:endParaRPr lang="en-US" dirty="0"/>
+          </a:p>
+        </p:txBody>
+      </p:sp>
+      <p:sp>
+        <p:nvSpPr>
+          <p:cNvPr id="3" name="Content Placeholder 2"/>
+          <p:cNvSpPr>
+            <a:spLocks noGrp="1"/>
+          </p:cNvSpPr>
+          <p:nvPr>
+            <p:ph idx="1"/>
+          </p:nvPr>
+        </p:nvSpPr>
+        <p:spPr/>
+        <p:txBody>
+          <a:bodyPr>
+            <a:normAutofit fontScale="85000" lnSpcReduction="10000"/>
+          </a:bodyPr>
+          <a:lstStyle/>
+          <a:p>
+            <a:r>
+              <a:rPr lang="en-US" sz="2800" dirty="0" smtClean="0"/>
+              <a:t>The goal with accuracy is to form a better solution to a problem while obtaining the same level of accuracy (or more accuracy) by running in parallel</a:t>
+            </a:r>
+          </a:p>
+          <a:p>
+            <a:r>
+              <a:rPr lang="en-US" sz="2800" dirty="0" smtClean="0"/>
+              <a:t>If more processors are assigned to a task, there is more computing power available to do tasks such as comprehensive error checking, etc., leading to an accurate result</a:t>
+            </a:r>
+          </a:p>
+          <a:p>
+            <a:r>
+              <a:rPr lang="en-US" sz="2800" dirty="0" smtClean="0"/>
+              <a:t>NOTE: In order to make a program more accurate, speedup may need to be sacrificed </a:t>
+            </a:r>
+          </a:p>
+          <a:p>
+            <a:r>
+              <a:rPr lang="en-US" sz="2800" dirty="0" smtClean="0"/>
+              <a:t>QUESTION: What is an example where parallelization would provide more accuracy?</a:t>
+            </a:r>
+          </a:p>
+          <a:p>
+            <a:r>
+              <a:rPr lang="en-US" sz="2800" dirty="0" smtClean="0"/>
+              <a:t>QUESTION: What is an example where parallelization would NOT provide more accuracy?</a:t>
+            </a:r>
+            <a:endParaRPr lang="en-US" sz="2800" dirty="0"/>
           </a:p>
         </p:txBody>
       </p:sp>
     </p:spTree>
     <p:extLst>
       <p:ext uri="{BB962C8B-B14F-4D97-AF65-F5344CB8AC3E}">
-        <p14:creationId xmlns:p14="http://schemas.microsoft.com/office/powerpoint/2010/main" val="3736805947"/>
+        <p14:creationId xmlns:p14="http://schemas.microsoft.com/office/powerpoint/2010/main" val="3771772225"/>
       </p:ext>
     </p:extLst>
   </p:cSld>
@@ -3377,37 +7071,51 @@
           <a:lstStyle/>
           <a:p>
             <a:r>
+              <a:rPr lang="en-US" dirty="0" err="1" smtClean="0"/>
+              <a:t>More</a:t>
+            </a:r>
+            <a:r>
+              <a:rPr lang="en-US" dirty="0" err="1" smtClean="0">
+                <a:sym typeface="Wingdings"/>
+              </a:rPr>
+              <a:t>Scaling</a:t>
+            </a:r>
+            <a:endParaRPr lang="en-US" dirty="0"/>
+          </a:p>
+        </p:txBody>
+      </p:sp>
+      <p:sp>
+        <p:nvSpPr>
+          <p:cNvPr id="3" name="Content Placeholder 2"/>
+          <p:cNvSpPr>
+            <a:spLocks noGrp="1"/>
+          </p:cNvSpPr>
+          <p:nvPr>
+            <p:ph idx="1"/>
+          </p:nvPr>
+        </p:nvSpPr>
+        <p:spPr/>
+        <p:txBody>
+          <a:bodyPr/>
+          <a:lstStyle/>
+          <a:p>
+            <a:r>
               <a:rPr lang="en-US" dirty="0" smtClean="0"/>
-              <a:t>Fishing Analogy, Scaling</a:t>
-            </a:r>
-            <a:endParaRPr lang="en-US" dirty="0"/>
-          </a:p>
-        </p:txBody>
-      </p:sp>
-      <p:sp>
-        <p:nvSpPr>
-          <p:cNvPr id="3" name="Content Placeholder 2"/>
-          <p:cNvSpPr>
-            <a:spLocks noGrp="1"/>
-          </p:cNvSpPr>
-          <p:nvPr>
-            <p:ph idx="1"/>
-          </p:nvPr>
-        </p:nvSpPr>
-        <p:spPr/>
-        <p:txBody>
-          <a:bodyPr/>
-          <a:lstStyle/>
-          <a:p>
+              <a:t>More processors can be used to </a:t>
+            </a:r>
             <a:r>
               <a:rPr lang="en-US" dirty="0" smtClean="0"/>
-              <a:t>More is not always better!!!</a:t>
-            </a:r>
-          </a:p>
-          <a:p>
+              <a:t>model a </a:t>
+            </a:r>
             <a:r>
               <a:rPr lang="en-US" dirty="0" smtClean="0"/>
-              <a:t>If we send 500 fishermen to catch 100 fish, 400 of those fishermen will not have work to do and will be wasted resources</a:t>
+              <a:t>bigger problem in the same amount of time as fewer processors can model a smaller problem</a:t>
+            </a:r>
+          </a:p>
+          <a:p>
+            <a:r>
+              <a:rPr lang="en-US" dirty="0" smtClean="0"/>
+              <a:t>More science can be done in the same amount of time with parallelism</a:t>
             </a:r>
             <a:endParaRPr lang="en-US" dirty="0"/>
           </a:p>
@@ -3416,7 +7124,7 @@
     </p:spTree>
     <p:extLst>
       <p:ext uri="{BB962C8B-B14F-4D97-AF65-F5344CB8AC3E}">
-        <p14:creationId xmlns:p14="http://schemas.microsoft.com/office/powerpoint/2010/main" val="2699684077"/>
+        <p14:creationId xmlns:p14="http://schemas.microsoft.com/office/powerpoint/2010/main" val="609939661"/>
       </p:ext>
     </p:extLst>
   </p:cSld>
@@ -3460,7 +7168,7 @@
           <a:p>
             <a:r>
               <a:rPr lang="en-US" dirty="0" smtClean="0"/>
-              <a:t>Problems with Parallelism</a:t>
+              <a:t>Fishing Analogy, Scaling</a:t>
             </a:r>
             <a:endParaRPr lang="en-US" dirty="0"/>
           </a:p>
@@ -3483,21 +7191,31 @@
           <a:p>
             <a:r>
               <a:rPr lang="en-US" dirty="0" smtClean="0"/>
-              <a:t>Two overarching problems with parallelism that must be kept in mind when deciding whether or not to use parallelism for a problem include:</a:t>
-            </a:r>
-          </a:p>
-          <a:p>
-            <a:pPr lvl="1"/>
-            <a:r>
-              <a:rPr lang="en-US" dirty="0" smtClean="0"/>
-              <a:t>Communication overhead</a:t>
-            </a:r>
-          </a:p>
-          <a:p>
-            <a:pPr lvl="1"/>
-            <a:r>
-              <a:rPr lang="en-US" dirty="0" smtClean="0"/>
-              <a:t>Speedup limited by serial regions</a:t>
+              <a:t>Fishing analogy from earlier is example of </a:t>
+            </a:r>
+            <a:r>
+              <a:rPr lang="en-US" dirty="0" err="1" smtClean="0"/>
+              <a:t>scaling</a:t>
+            </a:r>
+            <a:r>
+              <a:rPr lang="en-US" dirty="0" err="1" smtClean="0">
+                <a:sym typeface="Wingdings"/>
+              </a:rPr>
+              <a:t>add</a:t>
+            </a:r>
+            <a:r>
+              <a:rPr lang="en-US" dirty="0" smtClean="0">
+                <a:sym typeface="Wingdings"/>
+              </a:rPr>
+              <a:t> more resources to do same amount of work</a:t>
+            </a:r>
+          </a:p>
+          <a:p>
+            <a:r>
+              <a:rPr lang="en-US" dirty="0" smtClean="0">
+                <a:sym typeface="Wingdings"/>
+              </a:rPr>
+              <a:t>If 100 fishermen each catch 1 fish, then they will reach the goal of 100 fish, in theory 100 times faster</a:t>
             </a:r>
             <a:endParaRPr lang="en-US" dirty="0"/>
           </a:p>
@@ -3506,7 +7224,7 @@
     </p:spTree>
     <p:extLst>
       <p:ext uri="{BB962C8B-B14F-4D97-AF65-F5344CB8AC3E}">
-        <p14:creationId xmlns:p14="http://schemas.microsoft.com/office/powerpoint/2010/main" val="3556454697"/>
+        <p14:creationId xmlns:p14="http://schemas.microsoft.com/office/powerpoint/2010/main" val="3736805947"/>
       </p:ext>
     </p:extLst>
   </p:cSld>
@@ -3550,7 +7268,7 @@
           <a:p>
             <a:r>
               <a:rPr lang="en-US" dirty="0" smtClean="0"/>
-              <a:t>Communication Overhead</a:t>
+              <a:t>Fishing Analogy, Scaling</a:t>
             </a:r>
             <a:endParaRPr lang="en-US" dirty="0"/>
           </a:p>
@@ -3568,32 +7286,18 @@
         </p:nvSpPr>
         <p:spPr/>
         <p:txBody>
-          <a:bodyPr>
-            <a:normAutofit fontScale="92500" lnSpcReduction="20000"/>
-          </a:bodyPr>
+          <a:bodyPr/>
           <a:lstStyle/>
           <a:p>
             <a:r>
               <a:rPr lang="en-US" dirty="0" smtClean="0"/>
-              <a:t>Communication overhead is when time is lost when workers have to wait for communications among themselves before and after calculations</a:t>
+              <a:t>More is not always better!!!</a:t>
             </a:r>
           </a:p>
           <a:p>
             <a:r>
               <a:rPr lang="en-US" dirty="0" smtClean="0"/>
-              <a:t>Falls under “more is not always better”</a:t>
-            </a:r>
-          </a:p>
-          <a:p>
-            <a:r>
-              <a:rPr lang="en-US" dirty="0" smtClean="0"/>
-              <a:t>Need a balance between communication done among workers and the computation done by each worker</a:t>
-            </a:r>
-          </a:p>
-          <a:p>
-            <a:r>
-              <a:rPr lang="en-US" dirty="0" smtClean="0"/>
-              <a:t>If too much communication takes place compared to number of computations, it can actually slow the problem down and can run slower than when running in serial</a:t>
+              <a:t>If we send 500 fishermen to catch 100 fish, 400 of those fishermen will not have work to do and will be wasted resources</a:t>
             </a:r>
             <a:endParaRPr lang="en-US" dirty="0"/>
           </a:p>
@@ -3602,7 +7306,7 @@
     </p:spTree>
     <p:extLst>
       <p:ext uri="{BB962C8B-B14F-4D97-AF65-F5344CB8AC3E}">
-        <p14:creationId xmlns:p14="http://schemas.microsoft.com/office/powerpoint/2010/main" val="3285272790"/>
+        <p14:creationId xmlns:p14="http://schemas.microsoft.com/office/powerpoint/2010/main" val="2699684077"/>
       </p:ext>
     </p:extLst>
   </p:cSld>
@@ -3646,7 +7350,7 @@
           <a:p>
             <a:r>
               <a:rPr lang="en-US" dirty="0" smtClean="0"/>
-              <a:t>Speedup Limited by Serial Regions</a:t>
+              <a:t>Problems with Parallelism</a:t>
             </a:r>
             <a:endParaRPr lang="en-US" dirty="0"/>
           </a:p>
@@ -3669,19 +7373,21 @@
           <a:p>
             <a:r>
               <a:rPr lang="en-US" dirty="0" smtClean="0"/>
-              <a:t>There are times when regions cannot be executed in parallel</a:t>
-            </a:r>
-          </a:p>
-          <a:p>
+              <a:t>Two overarching problems with parallelism that must be kept in mind when deciding whether or not to use parallelism for a problem include:</a:t>
+            </a:r>
+          </a:p>
+          <a:p>
+            <a:pPr lvl="1"/>
             <a:r>
               <a:rPr lang="en-US" dirty="0" smtClean="0"/>
-              <a:t>Referred to as Amdahl’s Law</a:t>
-            </a:r>
-          </a:p>
-          <a:p>
+              <a:t>Communication overhead</a:t>
+            </a:r>
+          </a:p>
+          <a:p>
+            <a:pPr lvl="1"/>
             <a:r>
               <a:rPr lang="en-US" dirty="0" smtClean="0"/>
-              <a:t>If there is any serialized region in the code whatsoever, the program will not perfectly scale because of overhead from serialized region(s)</a:t>
+              <a:t>Speedup limited by serial regions</a:t>
             </a:r>
             <a:endParaRPr lang="en-US" dirty="0"/>
           </a:p>
@@ -3690,7 +7396,7 @@
     </p:spTree>
     <p:extLst>
       <p:ext uri="{BB962C8B-B14F-4D97-AF65-F5344CB8AC3E}">
-        <p14:creationId xmlns:p14="http://schemas.microsoft.com/office/powerpoint/2010/main" val="1065476499"/>
+        <p14:creationId xmlns:p14="http://schemas.microsoft.com/office/powerpoint/2010/main" val="3556454697"/>
       </p:ext>
     </p:extLst>
   </p:cSld>
@@ -3719,6 +7425,190 @@
       </p:grpSpPr>
       <p:sp>
         <p:nvSpPr>
+          <p:cNvPr id="2" name="Title 1"/>
+          <p:cNvSpPr>
+            <a:spLocks noGrp="1"/>
+          </p:cNvSpPr>
+          <p:nvPr>
+            <p:ph type="title"/>
+          </p:nvPr>
+        </p:nvSpPr>
+        <p:spPr/>
+        <p:txBody>
+          <a:bodyPr/>
+          <a:lstStyle/>
+          <a:p>
+            <a:r>
+              <a:rPr lang="en-US" dirty="0" smtClean="0"/>
+              <a:t>Communication Overhead</a:t>
+            </a:r>
+            <a:endParaRPr lang="en-US" dirty="0"/>
+          </a:p>
+        </p:txBody>
+      </p:sp>
+      <p:sp>
+        <p:nvSpPr>
+          <p:cNvPr id="3" name="Content Placeholder 2"/>
+          <p:cNvSpPr>
+            <a:spLocks noGrp="1"/>
+          </p:cNvSpPr>
+          <p:nvPr>
+            <p:ph idx="1"/>
+          </p:nvPr>
+        </p:nvSpPr>
+        <p:spPr/>
+        <p:txBody>
+          <a:bodyPr>
+            <a:normAutofit fontScale="92500" lnSpcReduction="20000"/>
+          </a:bodyPr>
+          <a:lstStyle/>
+          <a:p>
+            <a:r>
+              <a:rPr lang="en-US" dirty="0" smtClean="0"/>
+              <a:t>Communication overhead is when time is lost when workers have to wait for communications among themselves before and after calculations</a:t>
+            </a:r>
+          </a:p>
+          <a:p>
+            <a:r>
+              <a:rPr lang="en-US" dirty="0" smtClean="0"/>
+              <a:t>Falls under “more is not always better”</a:t>
+            </a:r>
+          </a:p>
+          <a:p>
+            <a:r>
+              <a:rPr lang="en-US" dirty="0" smtClean="0"/>
+              <a:t>Need a balance between communication done among workers and the computation done by each worker</a:t>
+            </a:r>
+          </a:p>
+          <a:p>
+            <a:r>
+              <a:rPr lang="en-US" dirty="0" smtClean="0"/>
+              <a:t>If too much communication takes place compared to number of computations, it can actually slow the problem down and can run slower than when running in serial</a:t>
+            </a:r>
+            <a:endParaRPr lang="en-US" dirty="0"/>
+          </a:p>
+        </p:txBody>
+      </p:sp>
+    </p:spTree>
+    <p:extLst>
+      <p:ext uri="{BB962C8B-B14F-4D97-AF65-F5344CB8AC3E}">
+        <p14:creationId xmlns:p14="http://schemas.microsoft.com/office/powerpoint/2010/main" val="3285272790"/>
+      </p:ext>
+    </p:extLst>
+  </p:cSld>
+  <p:clrMapOvr>
+    <a:masterClrMapping/>
+  </p:clrMapOvr>
+</p:sld>
+</file>
+
+<file path=ppt/slides/slide17.xml><?xml version="1.0" encoding="utf-8"?>
+<p:sld xmlns:a="http://schemas.openxmlformats.org/drawingml/2006/main" xmlns:r="http://schemas.openxmlformats.org/officeDocument/2006/relationships" xmlns:p="http://schemas.openxmlformats.org/presentationml/2006/main">
+  <p:cSld>
+    <p:spTree>
+      <p:nvGrpSpPr>
+        <p:cNvPr id="1" name=""/>
+        <p:cNvGrpSpPr/>
+        <p:nvPr/>
+      </p:nvGrpSpPr>
+      <p:grpSpPr>
+        <a:xfrm>
+          <a:off x="0" y="0"/>
+          <a:ext cx="0" cy="0"/>
+          <a:chOff x="0" y="0"/>
+          <a:chExt cx="0" cy="0"/>
+        </a:xfrm>
+      </p:grpSpPr>
+      <p:sp>
+        <p:nvSpPr>
+          <p:cNvPr id="2" name="Title 1"/>
+          <p:cNvSpPr>
+            <a:spLocks noGrp="1"/>
+          </p:cNvSpPr>
+          <p:nvPr>
+            <p:ph type="title"/>
+          </p:nvPr>
+        </p:nvSpPr>
+        <p:spPr/>
+        <p:txBody>
+          <a:bodyPr/>
+          <a:lstStyle/>
+          <a:p>
+            <a:r>
+              <a:rPr lang="en-US" dirty="0" smtClean="0"/>
+              <a:t>Speedup Limited by Serial Regions</a:t>
+            </a:r>
+            <a:endParaRPr lang="en-US" dirty="0"/>
+          </a:p>
+        </p:txBody>
+      </p:sp>
+      <p:sp>
+        <p:nvSpPr>
+          <p:cNvPr id="3" name="Content Placeholder 2"/>
+          <p:cNvSpPr>
+            <a:spLocks noGrp="1"/>
+          </p:cNvSpPr>
+          <p:nvPr>
+            <p:ph idx="1"/>
+          </p:nvPr>
+        </p:nvSpPr>
+        <p:spPr/>
+        <p:txBody>
+          <a:bodyPr/>
+          <a:lstStyle/>
+          <a:p>
+            <a:r>
+              <a:rPr lang="en-US" dirty="0" smtClean="0"/>
+              <a:t>There are times when regions cannot be executed in parallel</a:t>
+            </a:r>
+          </a:p>
+          <a:p>
+            <a:r>
+              <a:rPr lang="en-US" dirty="0" smtClean="0"/>
+              <a:t>Referred to as Amdahl’s Law</a:t>
+            </a:r>
+          </a:p>
+          <a:p>
+            <a:r>
+              <a:rPr lang="en-US" dirty="0" smtClean="0"/>
+              <a:t>If there is any serialized region in the code whatsoever, the program will not perfectly scale because of overhead from serialized region(s)</a:t>
+            </a:r>
+            <a:endParaRPr lang="en-US" dirty="0"/>
+          </a:p>
+        </p:txBody>
+      </p:sp>
+    </p:spTree>
+    <p:extLst>
+      <p:ext uri="{BB962C8B-B14F-4D97-AF65-F5344CB8AC3E}">
+        <p14:creationId xmlns:p14="http://schemas.microsoft.com/office/powerpoint/2010/main" val="1065476499"/>
+      </p:ext>
+    </p:extLst>
+  </p:cSld>
+  <p:clrMapOvr>
+    <a:masterClrMapping/>
+  </p:clrMapOvr>
+</p:sld>
+</file>
+
+<file path=ppt/slides/slide18.xml><?xml version="1.0" encoding="utf-8"?>
+<p:sld xmlns:a="http://schemas.openxmlformats.org/drawingml/2006/main" xmlns:r="http://schemas.openxmlformats.org/officeDocument/2006/relationships" xmlns:p="http://schemas.openxmlformats.org/presentationml/2006/main">
+  <p:cSld>
+    <p:spTree>
+      <p:nvGrpSpPr>
+        <p:cNvPr id="1" name=""/>
+        <p:cNvGrpSpPr/>
+        <p:nvPr/>
+      </p:nvGrpSpPr>
+      <p:grpSpPr>
+        <a:xfrm>
+          <a:off x="0" y="0"/>
+          <a:ext cx="0" cy="0"/>
+          <a:chOff x="0" y="0"/>
+          <a:chExt cx="0" cy="0"/>
+        </a:xfrm>
+      </p:grpSpPr>
+      <p:sp>
+        <p:nvSpPr>
           <p:cNvPr id="4" name="Title 1"/>
           <p:cNvSpPr txBox="1">
             <a:spLocks/>
@@ -3776,7 +7666,7 @@
 </p:sld>
 </file>
 
-<file path=ppt/slides/slide17.xml><?xml version="1.0" encoding="utf-8"?>
+<file path=ppt/slides/slide19.xml><?xml version="1.0" encoding="utf-8"?>
 <p:sld xmlns:a="http://schemas.openxmlformats.org/drawingml/2006/main" xmlns:r="http://schemas.openxmlformats.org/officeDocument/2006/relationships" xmlns:p="http://schemas.openxmlformats.org/presentationml/2006/main">
   <p:cSld>
     <p:spTree>
@@ -3903,7 +7793,7 @@
 </p:sld>
 </file>
 
-<file path=ppt/slides/slide18.xml><?xml version="1.0" encoding="utf-8"?>
+<file path=ppt/slides/slide2.xml><?xml version="1.0" encoding="utf-8"?>
 <p:sld xmlns:a="http://schemas.openxmlformats.org/drawingml/2006/main" xmlns:r="http://schemas.openxmlformats.org/officeDocument/2006/relationships" xmlns:p="http://schemas.openxmlformats.org/presentationml/2006/main">
   <p:cSld>
     <p:spTree>
@@ -3927,6 +7817,255 @@
             <a:spLocks noGrp="1"/>
           </p:cNvSpPr>
           <p:nvPr>
+            <p:ph type="ctrTitle"/>
+          </p:nvPr>
+        </p:nvSpPr>
+        <p:spPr>
+          <a:xfrm>
+            <a:off x="566057" y="857250"/>
+            <a:ext cx="8011886" cy="5143500"/>
+          </a:xfrm>
+        </p:spPr>
+        <p:txBody>
+          <a:bodyPr anchor="ctr">
+            <a:noAutofit/>
+          </a:bodyPr>
+          <a:lstStyle/>
+          <a:p>
+            <a:pPr algn="l" fontAlgn="ctr"/>
+            <a:r>
+              <a:rPr lang="en-US" sz="2100" dirty="0">
+                <a:latin typeface="Times New Roman" charset="0"/>
+                <a:ea typeface="Times New Roman" charset="0"/>
+                <a:cs typeface="Times New Roman" charset="0"/>
+              </a:rPr>
+              <a:t>Except where otherwise noted, this work by</a:t>
+            </a:r>
+            <a:br>
+              <a:rPr lang="en-US" sz="2100" dirty="0">
+                <a:latin typeface="Times New Roman" charset="0"/>
+                <a:ea typeface="Times New Roman" charset="0"/>
+                <a:cs typeface="Times New Roman" charset="0"/>
+              </a:rPr>
+            </a:br>
+            <a:r>
+              <a:rPr lang="en-US" sz="2100" dirty="0">
+                <a:latin typeface="Times New Roman" charset="0"/>
+                <a:ea typeface="Times New Roman" charset="0"/>
+                <a:cs typeface="Times New Roman" charset="0"/>
+              </a:rPr>
+              <a:t>The Shodor Education Foundation, Inc. is licensed under</a:t>
+            </a:r>
+            <a:br>
+              <a:rPr lang="en-US" sz="2100" dirty="0">
+                <a:latin typeface="Times New Roman" charset="0"/>
+                <a:ea typeface="Times New Roman" charset="0"/>
+                <a:cs typeface="Times New Roman" charset="0"/>
+              </a:rPr>
+            </a:br>
+            <a:r>
+              <a:rPr lang="en-US" sz="2100" dirty="0">
+                <a:latin typeface="Times New Roman" charset="0"/>
+                <a:ea typeface="Times New Roman" charset="0"/>
+                <a:cs typeface="Times New Roman" charset="0"/>
+              </a:rPr>
+              <a:t>CC BY-NC 4.0. To view a copy of this license, visit </a:t>
+            </a:r>
+            <a:r>
+              <a:rPr lang="en-US" sz="2100" dirty="0">
+                <a:latin typeface="Times New Roman" charset="0"/>
+                <a:ea typeface="Times New Roman" charset="0"/>
+                <a:cs typeface="Times New Roman" charset="0"/>
+                <a:hlinkClick r:id="rId2"/>
+              </a:rPr>
+              <a:t>https://creativecommons.org/licenses/by-nc/4.0</a:t>
+            </a:r>
+            <a:r>
+              <a:rPr lang="en-US" sz="2100" dirty="0">
+                <a:latin typeface="Times New Roman" charset="0"/>
+                <a:ea typeface="Times New Roman" charset="0"/>
+                <a:cs typeface="Times New Roman" charset="0"/>
+              </a:rPr>
+              <a:t/>
+            </a:r>
+            <a:br>
+              <a:rPr lang="en-US" sz="2100" dirty="0">
+                <a:latin typeface="Times New Roman" charset="0"/>
+                <a:ea typeface="Times New Roman" charset="0"/>
+                <a:cs typeface="Times New Roman" charset="0"/>
+              </a:rPr>
+            </a:br>
+            <a:r>
+              <a:rPr lang="en-US" sz="2100" dirty="0">
+                <a:latin typeface="Times New Roman" charset="0"/>
+                <a:ea typeface="Times New Roman" charset="0"/>
+                <a:cs typeface="Times New Roman" charset="0"/>
+              </a:rPr>
+              <a:t/>
+            </a:r>
+            <a:br>
+              <a:rPr lang="en-US" sz="2100" dirty="0">
+                <a:latin typeface="Times New Roman" charset="0"/>
+                <a:ea typeface="Times New Roman" charset="0"/>
+                <a:cs typeface="Times New Roman" charset="0"/>
+              </a:rPr>
+            </a:br>
+            <a:r>
+              <a:rPr lang="en-US" sz="2100" dirty="0">
+                <a:latin typeface="Times New Roman" charset="0"/>
+                <a:ea typeface="Times New Roman" charset="0"/>
+                <a:cs typeface="Times New Roman" charset="0"/>
+              </a:rPr>
+              <a:t>Browse and search the full curriculum at </a:t>
+            </a:r>
+            <a:r>
+              <a:rPr lang="en-US" sz="2100" dirty="0">
+                <a:latin typeface="Times New Roman" charset="0"/>
+                <a:ea typeface="Times New Roman" charset="0"/>
+                <a:cs typeface="Times New Roman" charset="0"/>
+                <a:hlinkClick r:id="rId3"/>
+              </a:rPr>
+              <a:t>http://shodor.org/petascale/materials/semester-curriculum</a:t>
+            </a:r>
+            <a:r>
+              <a:rPr lang="en-US" sz="2100" dirty="0">
+                <a:latin typeface="Times New Roman" charset="0"/>
+                <a:ea typeface="Times New Roman" charset="0"/>
+                <a:cs typeface="Times New Roman" charset="0"/>
+              </a:rPr>
+              <a:t/>
+            </a:r>
+            <a:br>
+              <a:rPr lang="en-US" sz="2100" dirty="0">
+                <a:latin typeface="Times New Roman" charset="0"/>
+                <a:ea typeface="Times New Roman" charset="0"/>
+                <a:cs typeface="Times New Roman" charset="0"/>
+              </a:rPr>
+            </a:br>
+            <a:r>
+              <a:rPr lang="en-US" sz="2100" dirty="0">
+                <a:latin typeface="Times New Roman" charset="0"/>
+                <a:ea typeface="Times New Roman" charset="0"/>
+                <a:cs typeface="Times New Roman" charset="0"/>
+              </a:rPr>
+              <a:t/>
+            </a:r>
+            <a:br>
+              <a:rPr lang="en-US" sz="2100" dirty="0">
+                <a:latin typeface="Times New Roman" charset="0"/>
+                <a:ea typeface="Times New Roman" charset="0"/>
+                <a:cs typeface="Times New Roman" charset="0"/>
+              </a:rPr>
+            </a:br>
+            <a:r>
+              <a:rPr lang="en-US" sz="2100" dirty="0">
+                <a:latin typeface="Times New Roman" charset="0"/>
+                <a:ea typeface="Times New Roman" charset="0"/>
+                <a:cs typeface="Times New Roman" charset="0"/>
+              </a:rPr>
+              <a:t>We welcome your improvements! You can submit your proposed changes to this material and the rest of the curriculum in our GitHub repository at </a:t>
+            </a:r>
+            <a:r>
+              <a:rPr lang="en-US" sz="2100" dirty="0">
+                <a:latin typeface="Times New Roman" charset="0"/>
+                <a:ea typeface="Times New Roman" charset="0"/>
+                <a:cs typeface="Times New Roman" charset="0"/>
+                <a:hlinkClick r:id="rId4"/>
+              </a:rPr>
+              <a:t>https://github.com/shodor-education/petascale-semester-curriculum</a:t>
+            </a:r>
+            <a:r>
+              <a:rPr lang="en-US" sz="2100" dirty="0">
+                <a:latin typeface="Times New Roman" charset="0"/>
+                <a:ea typeface="Times New Roman" charset="0"/>
+                <a:cs typeface="Times New Roman" charset="0"/>
+              </a:rPr>
+              <a:t/>
+            </a:r>
+            <a:br>
+              <a:rPr lang="en-US" sz="2100" dirty="0">
+                <a:latin typeface="Times New Roman" charset="0"/>
+                <a:ea typeface="Times New Roman" charset="0"/>
+                <a:cs typeface="Times New Roman" charset="0"/>
+              </a:rPr>
+            </a:br>
+            <a:r>
+              <a:rPr lang="en-US" sz="2100" dirty="0">
+                <a:latin typeface="Times New Roman" charset="0"/>
+                <a:ea typeface="Times New Roman" charset="0"/>
+                <a:cs typeface="Times New Roman" charset="0"/>
+              </a:rPr>
+              <a:t/>
+            </a:r>
+            <a:br>
+              <a:rPr lang="en-US" sz="2100" dirty="0">
+                <a:latin typeface="Times New Roman" charset="0"/>
+                <a:ea typeface="Times New Roman" charset="0"/>
+                <a:cs typeface="Times New Roman" charset="0"/>
+              </a:rPr>
+            </a:br>
+            <a:r>
+              <a:rPr lang="en-US" sz="2100" dirty="0">
+                <a:latin typeface="Times New Roman" charset="0"/>
+                <a:ea typeface="Times New Roman" charset="0"/>
+                <a:cs typeface="Times New Roman" charset="0"/>
+              </a:rPr>
+              <a:t>We want to hear from you! Please let us know your experiences using this material by sending email to </a:t>
+            </a:r>
+            <a:r>
+              <a:rPr lang="en-US" sz="2100" dirty="0">
+                <a:latin typeface="Times New Roman" charset="0"/>
+                <a:ea typeface="Times New Roman" charset="0"/>
+                <a:cs typeface="Times New Roman" charset="0"/>
+                <a:hlinkClick r:id="rId5"/>
+              </a:rPr>
+              <a:t>petascale@shodor.org</a:t>
+            </a:r>
+            <a:endParaRPr lang="en-US" sz="2700" dirty="0">
+              <a:latin typeface="Times New Roman" charset="0"/>
+              <a:ea typeface="Times New Roman" charset="0"/>
+              <a:cs typeface="Times New Roman" charset="0"/>
+            </a:endParaRPr>
+          </a:p>
+        </p:txBody>
+      </p:sp>
+    </p:spTree>
+    <p:extLst>
+      <p:ext uri="{BB962C8B-B14F-4D97-AF65-F5344CB8AC3E}">
+        <p14:creationId xmlns:p14="http://schemas.microsoft.com/office/powerpoint/2010/main" val="1197265616"/>
+      </p:ext>
+    </p:extLst>
+  </p:cSld>
+  <p:clrMapOvr>
+    <a:masterClrMapping/>
+  </p:clrMapOvr>
+</p:sld>
+</file>
+
+<file path=ppt/slides/slide20.xml><?xml version="1.0" encoding="utf-8"?>
+<p:sld xmlns:a="http://schemas.openxmlformats.org/drawingml/2006/main" xmlns:r="http://schemas.openxmlformats.org/officeDocument/2006/relationships" xmlns:p="http://schemas.openxmlformats.org/presentationml/2006/main">
+  <p:cSld>
+    <p:spTree>
+      <p:nvGrpSpPr>
+        <p:cNvPr id="1" name=""/>
+        <p:cNvGrpSpPr/>
+        <p:nvPr/>
+      </p:nvGrpSpPr>
+      <p:grpSpPr>
+        <a:xfrm>
+          <a:off x="0" y="0"/>
+          <a:ext cx="0" cy="0"/>
+          <a:chOff x="0" y="0"/>
+          <a:chExt cx="0" cy="0"/>
+        </a:xfrm>
+      </p:grpSpPr>
+      <p:sp>
+        <p:nvSpPr>
+          <p:cNvPr id="2" name="Title 1"/>
+          <p:cNvSpPr>
+            <a:spLocks noGrp="1"/>
+          </p:cNvSpPr>
+          <p:nvPr>
             <p:ph type="title"/>
           </p:nvPr>
         </p:nvSpPr>
@@ -3979,7 +8118,7 @@
 </p:sld>
 </file>
 
-<file path=ppt/slides/slide19.xml><?xml version="1.0" encoding="utf-8"?>
+<file path=ppt/slides/slide21.xml><?xml version="1.0" encoding="utf-8"?>
 <p:sld xmlns:a="http://schemas.openxmlformats.org/drawingml/2006/main" xmlns:r="http://schemas.openxmlformats.org/officeDocument/2006/relationships" xmlns:p="http://schemas.openxmlformats.org/presentationml/2006/main">
   <p:cSld>
     <p:spTree>
@@ -4084,95 +8223,7 @@
 </p:sld>
 </file>
 
-<file path=ppt/slides/slide2.xml><?xml version="1.0" encoding="utf-8"?>
-<p:sld xmlns:a="http://schemas.openxmlformats.org/drawingml/2006/main" xmlns:r="http://schemas.openxmlformats.org/officeDocument/2006/relationships" xmlns:p="http://schemas.openxmlformats.org/presentationml/2006/main">
-  <p:cSld>
-    <p:spTree>
-      <p:nvGrpSpPr>
-        <p:cNvPr id="1" name=""/>
-        <p:cNvGrpSpPr/>
-        <p:nvPr/>
-      </p:nvGrpSpPr>
-      <p:grpSpPr>
-        <a:xfrm>
-          <a:off x="0" y="0"/>
-          <a:ext cx="0" cy="0"/>
-          <a:chOff x="0" y="0"/>
-          <a:chExt cx="0" cy="0"/>
-        </a:xfrm>
-      </p:grpSpPr>
-      <p:sp>
-        <p:nvSpPr>
-          <p:cNvPr id="2" name="Title 1"/>
-          <p:cNvSpPr>
-            <a:spLocks noGrp="1"/>
-          </p:cNvSpPr>
-          <p:nvPr>
-            <p:ph type="title"/>
-          </p:nvPr>
-        </p:nvSpPr>
-        <p:spPr/>
-        <p:txBody>
-          <a:bodyPr/>
-          <a:lstStyle/>
-          <a:p>
-            <a:r>
-              <a:rPr lang="en-US" dirty="0" smtClean="0"/>
-              <a:t>Goal</a:t>
-            </a:r>
-            <a:endParaRPr lang="en-US" dirty="0"/>
-          </a:p>
-        </p:txBody>
-      </p:sp>
-      <p:sp>
-        <p:nvSpPr>
-          <p:cNvPr id="3" name="Content Placeholder 2"/>
-          <p:cNvSpPr>
-            <a:spLocks noGrp="1"/>
-          </p:cNvSpPr>
-          <p:nvPr>
-            <p:ph idx="1"/>
-          </p:nvPr>
-        </p:nvSpPr>
-        <p:spPr/>
-        <p:txBody>
-          <a:bodyPr/>
-          <a:lstStyle/>
-          <a:p>
-            <a:r>
-              <a:rPr lang="en-US" dirty="0" smtClean="0"/>
-              <a:t>Here, we are going to look at the higher level concepts associated with parallel programming</a:t>
-            </a:r>
-          </a:p>
-          <a:p>
-            <a:r>
-              <a:rPr lang="en-US" dirty="0" smtClean="0"/>
-              <a:t>Look at how to know when to use it</a:t>
-            </a:r>
-          </a:p>
-          <a:p>
-            <a:r>
-              <a:rPr lang="en-US" dirty="0" smtClean="0"/>
-              <a:t>Refresh: What is parallel programming? </a:t>
-            </a:r>
-            <a:endParaRPr lang="en-US" dirty="0"/>
-          </a:p>
-        </p:txBody>
-      </p:sp>
-    </p:spTree>
-    <p:extLst>
-      <p:ext uri="{BB962C8B-B14F-4D97-AF65-F5344CB8AC3E}">
-        <p14:creationId xmlns:p14="http://schemas.microsoft.com/office/powerpoint/2010/main" val="3142727460"/>
-      </p:ext>
-    </p:extLst>
-  </p:cSld>
-  <p:clrMapOvr>
-    <a:masterClrMapping/>
-  </p:clrMapOvr>
-</p:sld>
-</file>
-
-<file path=ppt/slides/slide20.xml><?xml version="1.0" encoding="utf-8"?>
+<file path=ppt/slides/slide22.xml><?xml version="1.0" encoding="utf-8"?>
 <p:sld xmlns:a="http://schemas.openxmlformats.org/drawingml/2006/main" xmlns:r="http://schemas.openxmlformats.org/officeDocument/2006/relationships" xmlns:p="http://schemas.openxmlformats.org/presentationml/2006/main">
   <p:cSld>
     <p:spTree>
@@ -4268,216 +8319,6 @@
     <p:extLst>
       <p:ext uri="{BB962C8B-B14F-4D97-AF65-F5344CB8AC3E}">
         <p14:creationId xmlns:p14="http://schemas.microsoft.com/office/powerpoint/2010/main" val="133967566"/>
-      </p:ext>
-    </p:extLst>
-  </p:cSld>
-  <p:clrMapOvr>
-    <a:masterClrMapping/>
-  </p:clrMapOvr>
-</p:sld>
-</file>
-
-<file path=ppt/slides/slide21.xml><?xml version="1.0" encoding="utf-8"?>
-<p:sld xmlns:a="http://schemas.openxmlformats.org/drawingml/2006/main" xmlns:r="http://schemas.openxmlformats.org/officeDocument/2006/relationships" xmlns:p="http://schemas.openxmlformats.org/presentationml/2006/main">
-  <p:cSld>
-    <p:spTree>
-      <p:nvGrpSpPr>
-        <p:cNvPr id="1" name=""/>
-        <p:cNvGrpSpPr/>
-        <p:nvPr/>
-      </p:nvGrpSpPr>
-      <p:grpSpPr>
-        <a:xfrm>
-          <a:off x="0" y="0"/>
-          <a:ext cx="0" cy="0"/>
-          <a:chOff x="0" y="0"/>
-          <a:chExt cx="0" cy="0"/>
-        </a:xfrm>
-      </p:grpSpPr>
-      <p:sp>
-        <p:nvSpPr>
-          <p:cNvPr id="2" name="Title 1"/>
-          <p:cNvSpPr>
-            <a:spLocks noGrp="1"/>
-          </p:cNvSpPr>
-          <p:nvPr>
-            <p:ph type="title"/>
-          </p:nvPr>
-        </p:nvSpPr>
-        <p:spPr/>
-        <p:txBody>
-          <a:bodyPr/>
-          <a:lstStyle/>
-          <a:p>
-            <a:r>
-              <a:rPr lang="en-US" dirty="0" smtClean="0"/>
-              <a:t>Predicting Hurricane Paths</a:t>
-            </a:r>
-            <a:endParaRPr lang="en-US" dirty="0"/>
-          </a:p>
-        </p:txBody>
-      </p:sp>
-      <p:pic>
-        <p:nvPicPr>
-          <p:cNvPr id="4" name="image20.png"/>
-          <p:cNvPicPr/>
-          <p:nvPr/>
-        </p:nvPicPr>
-        <p:blipFill>
-          <a:blip r:embed="rId2"/>
-          <a:srcRect/>
-          <a:stretch>
-            <a:fillRect/>
-          </a:stretch>
-        </p:blipFill>
-        <p:spPr>
-          <a:xfrm>
-            <a:off x="4367647" y="2287022"/>
-            <a:ext cx="4708860" cy="3133532"/>
-          </a:xfrm>
-          <a:prstGeom prst="rect">
-            <a:avLst/>
-          </a:prstGeom>
-          <a:ln/>
-        </p:spPr>
-      </p:pic>
-      <p:sp>
-        <p:nvSpPr>
-          <p:cNvPr id="5" name="Content Placeholder 2"/>
-          <p:cNvSpPr>
-            <a:spLocks noGrp="1"/>
-          </p:cNvSpPr>
-          <p:nvPr>
-            <p:ph idx="1"/>
-          </p:nvPr>
-        </p:nvSpPr>
-        <p:spPr>
-          <a:xfrm>
-            <a:off x="457200" y="1600200"/>
-            <a:ext cx="3576096" cy="4525963"/>
-          </a:xfrm>
-        </p:spPr>
-        <p:txBody>
-          <a:bodyPr/>
-          <a:lstStyle/>
-          <a:p>
-            <a:r>
-              <a:rPr lang="en-US" dirty="0" smtClean="0"/>
-              <a:t>Is it better to run this application in parallel or serial? Why?</a:t>
-            </a:r>
-            <a:endParaRPr lang="en-US" dirty="0"/>
-          </a:p>
-        </p:txBody>
-      </p:sp>
-    </p:spTree>
-    <p:extLst>
-      <p:ext uri="{BB962C8B-B14F-4D97-AF65-F5344CB8AC3E}">
-        <p14:creationId xmlns:p14="http://schemas.microsoft.com/office/powerpoint/2010/main" val="1343033901"/>
-      </p:ext>
-    </p:extLst>
-  </p:cSld>
-  <p:clrMapOvr>
-    <a:masterClrMapping/>
-  </p:clrMapOvr>
-</p:sld>
-</file>
-
-<file path=ppt/slides/slide22.xml><?xml version="1.0" encoding="utf-8"?>
-<p:sld xmlns:a="http://schemas.openxmlformats.org/drawingml/2006/main" xmlns:r="http://schemas.openxmlformats.org/officeDocument/2006/relationships" xmlns:p="http://schemas.openxmlformats.org/presentationml/2006/main">
-  <p:cSld>
-    <p:spTree>
-      <p:nvGrpSpPr>
-        <p:cNvPr id="1" name=""/>
-        <p:cNvGrpSpPr/>
-        <p:nvPr/>
-      </p:nvGrpSpPr>
-      <p:grpSpPr>
-        <a:xfrm>
-          <a:off x="0" y="0"/>
-          <a:ext cx="0" cy="0"/>
-          <a:chOff x="0" y="0"/>
-          <a:chExt cx="0" cy="0"/>
-        </a:xfrm>
-      </p:grpSpPr>
-      <p:sp>
-        <p:nvSpPr>
-          <p:cNvPr id="2" name="Title 1"/>
-          <p:cNvSpPr>
-            <a:spLocks noGrp="1"/>
-          </p:cNvSpPr>
-          <p:nvPr>
-            <p:ph type="title"/>
-          </p:nvPr>
-        </p:nvSpPr>
-        <p:spPr/>
-        <p:txBody>
-          <a:bodyPr/>
-          <a:lstStyle/>
-          <a:p>
-            <a:r>
-              <a:rPr lang="en-US" dirty="0" smtClean="0"/>
-              <a:t>Tip Calculator</a:t>
-            </a:r>
-            <a:endParaRPr lang="en-US" dirty="0"/>
-          </a:p>
-        </p:txBody>
-      </p:sp>
-      <p:pic>
-        <p:nvPicPr>
-          <p:cNvPr id="4" name="image19.png"/>
-          <p:cNvPicPr/>
-          <p:nvPr/>
-        </p:nvPicPr>
-        <p:blipFill>
-          <a:blip r:embed="rId2"/>
-          <a:srcRect/>
-          <a:stretch>
-            <a:fillRect/>
-          </a:stretch>
-        </p:blipFill>
-        <p:spPr>
-          <a:xfrm>
-            <a:off x="4732106" y="1675459"/>
-            <a:ext cx="3954694" cy="3954694"/>
-          </a:xfrm>
-          <a:prstGeom prst="rect">
-            <a:avLst/>
-          </a:prstGeom>
-          <a:ln/>
-        </p:spPr>
-      </p:pic>
-      <p:sp>
-        <p:nvSpPr>
-          <p:cNvPr id="5" name="Content Placeholder 2"/>
-          <p:cNvSpPr>
-            <a:spLocks noGrp="1"/>
-          </p:cNvSpPr>
-          <p:nvPr>
-            <p:ph idx="1"/>
-          </p:nvPr>
-        </p:nvSpPr>
-        <p:spPr>
-          <a:xfrm>
-            <a:off x="457200" y="1600200"/>
-            <a:ext cx="3576096" cy="4525963"/>
-          </a:xfrm>
-        </p:spPr>
-        <p:txBody>
-          <a:bodyPr/>
-          <a:lstStyle/>
-          <a:p>
-            <a:r>
-              <a:rPr lang="en-US" dirty="0" smtClean="0"/>
-              <a:t>Is it better to run this application in parallel or serial? Why?</a:t>
-            </a:r>
-            <a:endParaRPr lang="en-US" dirty="0"/>
-          </a:p>
-        </p:txBody>
-      </p:sp>
-    </p:spTree>
-    <p:extLst>
-      <p:ext uri="{BB962C8B-B14F-4D97-AF65-F5344CB8AC3E}">
-        <p14:creationId xmlns:p14="http://schemas.microsoft.com/office/powerpoint/2010/main" val="563783200"/>
       </p:ext>
     </p:extLst>
   </p:cSld>
@@ -4521,7 +8362,7 @@
           <a:p>
             <a:r>
               <a:rPr lang="en-US" dirty="0" smtClean="0"/>
-              <a:t>Simple Planetary Movements</a:t>
+              <a:t>Predicting Hurricane Paths</a:t>
             </a:r>
             <a:endParaRPr lang="en-US" dirty="0"/>
           </a:p>
@@ -4529,7 +8370,7 @@
       </p:sp>
       <p:pic>
         <p:nvPicPr>
-          <p:cNvPr id="4" name="image23.png"/>
+          <p:cNvPr id="4" name="image20.png"/>
           <p:cNvPicPr/>
           <p:nvPr/>
         </p:nvPicPr>
@@ -4542,8 +8383,8 @@
         </p:blipFill>
         <p:spPr>
           <a:xfrm>
-            <a:off x="3898769" y="2222309"/>
-            <a:ext cx="5001553" cy="2774948"/>
+            <a:off x="4367647" y="2287022"/>
+            <a:ext cx="4708860" cy="3133532"/>
           </a:xfrm>
           <a:prstGeom prst="rect">
             <a:avLst/>
@@ -4582,7 +8423,7 @@
     </p:spTree>
     <p:extLst>
       <p:ext uri="{BB962C8B-B14F-4D97-AF65-F5344CB8AC3E}">
-        <p14:creationId xmlns:p14="http://schemas.microsoft.com/office/powerpoint/2010/main" val="792685063"/>
+        <p14:creationId xmlns:p14="http://schemas.microsoft.com/office/powerpoint/2010/main" val="1343033901"/>
       </p:ext>
     </p:extLst>
   </p:cSld>
@@ -4626,7 +8467,7 @@
           <a:p>
             <a:r>
               <a:rPr lang="en-US" dirty="0" smtClean="0"/>
-              <a:t>Convert Temp from C to F</a:t>
+              <a:t>Tip Calculator</a:t>
             </a:r>
             <a:endParaRPr lang="en-US" dirty="0"/>
           </a:p>
@@ -4634,7 +8475,7 @@
       </p:sp>
       <p:pic>
         <p:nvPicPr>
-          <p:cNvPr id="4" name="image21.png"/>
+          <p:cNvPr id="4" name="image19.png"/>
           <p:cNvPicPr/>
           <p:nvPr/>
         </p:nvPicPr>
@@ -4647,8 +8488,8 @@
         </p:blipFill>
         <p:spPr>
           <a:xfrm>
-            <a:off x="5999884" y="1665056"/>
-            <a:ext cx="2442992" cy="4515349"/>
+            <a:off x="4732106" y="1675459"/>
+            <a:ext cx="3954694" cy="3954694"/>
           </a:xfrm>
           <a:prstGeom prst="rect">
             <a:avLst/>
@@ -4687,7 +8528,7 @@
     </p:spTree>
     <p:extLst>
       <p:ext uri="{BB962C8B-B14F-4D97-AF65-F5344CB8AC3E}">
-        <p14:creationId xmlns:p14="http://schemas.microsoft.com/office/powerpoint/2010/main" val="866923887"/>
+        <p14:creationId xmlns:p14="http://schemas.microsoft.com/office/powerpoint/2010/main" val="563783200"/>
       </p:ext>
     </p:extLst>
   </p:cSld>
@@ -4731,6 +8572,216 @@
           <a:p>
             <a:r>
               <a:rPr lang="en-US" dirty="0" smtClean="0"/>
+              <a:t>Simple Planetary Movements</a:t>
+            </a:r>
+            <a:endParaRPr lang="en-US" dirty="0"/>
+          </a:p>
+        </p:txBody>
+      </p:sp>
+      <p:pic>
+        <p:nvPicPr>
+          <p:cNvPr id="4" name="image23.png"/>
+          <p:cNvPicPr/>
+          <p:nvPr/>
+        </p:nvPicPr>
+        <p:blipFill>
+          <a:blip r:embed="rId2"/>
+          <a:srcRect/>
+          <a:stretch>
+            <a:fillRect/>
+          </a:stretch>
+        </p:blipFill>
+        <p:spPr>
+          <a:xfrm>
+            <a:off x="3898769" y="2222309"/>
+            <a:ext cx="5001553" cy="2774948"/>
+          </a:xfrm>
+          <a:prstGeom prst="rect">
+            <a:avLst/>
+          </a:prstGeom>
+          <a:ln/>
+        </p:spPr>
+      </p:pic>
+      <p:sp>
+        <p:nvSpPr>
+          <p:cNvPr id="5" name="Content Placeholder 2"/>
+          <p:cNvSpPr>
+            <a:spLocks noGrp="1"/>
+          </p:cNvSpPr>
+          <p:nvPr>
+            <p:ph idx="1"/>
+          </p:nvPr>
+        </p:nvSpPr>
+        <p:spPr>
+          <a:xfrm>
+            <a:off x="457200" y="1600200"/>
+            <a:ext cx="3576096" cy="4525963"/>
+          </a:xfrm>
+        </p:spPr>
+        <p:txBody>
+          <a:bodyPr/>
+          <a:lstStyle/>
+          <a:p>
+            <a:r>
+              <a:rPr lang="en-US" dirty="0" smtClean="0"/>
+              <a:t>Is it better to run this application in parallel or serial? Why?</a:t>
+            </a:r>
+            <a:endParaRPr lang="en-US" dirty="0"/>
+          </a:p>
+        </p:txBody>
+      </p:sp>
+    </p:spTree>
+    <p:extLst>
+      <p:ext uri="{BB962C8B-B14F-4D97-AF65-F5344CB8AC3E}">
+        <p14:creationId xmlns:p14="http://schemas.microsoft.com/office/powerpoint/2010/main" val="792685063"/>
+      </p:ext>
+    </p:extLst>
+  </p:cSld>
+  <p:clrMapOvr>
+    <a:masterClrMapping/>
+  </p:clrMapOvr>
+</p:sld>
+</file>
+
+<file path=ppt/slides/slide26.xml><?xml version="1.0" encoding="utf-8"?>
+<p:sld xmlns:a="http://schemas.openxmlformats.org/drawingml/2006/main" xmlns:r="http://schemas.openxmlformats.org/officeDocument/2006/relationships" xmlns:p="http://schemas.openxmlformats.org/presentationml/2006/main">
+  <p:cSld>
+    <p:spTree>
+      <p:nvGrpSpPr>
+        <p:cNvPr id="1" name=""/>
+        <p:cNvGrpSpPr/>
+        <p:nvPr/>
+      </p:nvGrpSpPr>
+      <p:grpSpPr>
+        <a:xfrm>
+          <a:off x="0" y="0"/>
+          <a:ext cx="0" cy="0"/>
+          <a:chOff x="0" y="0"/>
+          <a:chExt cx="0" cy="0"/>
+        </a:xfrm>
+      </p:grpSpPr>
+      <p:sp>
+        <p:nvSpPr>
+          <p:cNvPr id="2" name="Title 1"/>
+          <p:cNvSpPr>
+            <a:spLocks noGrp="1"/>
+          </p:cNvSpPr>
+          <p:nvPr>
+            <p:ph type="title"/>
+          </p:nvPr>
+        </p:nvSpPr>
+        <p:spPr/>
+        <p:txBody>
+          <a:bodyPr/>
+          <a:lstStyle/>
+          <a:p>
+            <a:r>
+              <a:rPr lang="en-US" dirty="0" smtClean="0"/>
+              <a:t>Convert Temp from C to F</a:t>
+            </a:r>
+            <a:endParaRPr lang="en-US" dirty="0"/>
+          </a:p>
+        </p:txBody>
+      </p:sp>
+      <p:pic>
+        <p:nvPicPr>
+          <p:cNvPr id="4" name="image21.png"/>
+          <p:cNvPicPr/>
+          <p:nvPr/>
+        </p:nvPicPr>
+        <p:blipFill>
+          <a:blip r:embed="rId2"/>
+          <a:srcRect/>
+          <a:stretch>
+            <a:fillRect/>
+          </a:stretch>
+        </p:blipFill>
+        <p:spPr>
+          <a:xfrm>
+            <a:off x="5999884" y="1665056"/>
+            <a:ext cx="2442992" cy="4515349"/>
+          </a:xfrm>
+          <a:prstGeom prst="rect">
+            <a:avLst/>
+          </a:prstGeom>
+          <a:ln/>
+        </p:spPr>
+      </p:pic>
+      <p:sp>
+        <p:nvSpPr>
+          <p:cNvPr id="5" name="Content Placeholder 2"/>
+          <p:cNvSpPr>
+            <a:spLocks noGrp="1"/>
+          </p:cNvSpPr>
+          <p:nvPr>
+            <p:ph idx="1"/>
+          </p:nvPr>
+        </p:nvSpPr>
+        <p:spPr>
+          <a:xfrm>
+            <a:off x="457200" y="1600200"/>
+            <a:ext cx="3576096" cy="4525963"/>
+          </a:xfrm>
+        </p:spPr>
+        <p:txBody>
+          <a:bodyPr/>
+          <a:lstStyle/>
+          <a:p>
+            <a:r>
+              <a:rPr lang="en-US" dirty="0" smtClean="0"/>
+              <a:t>Is it better to run this application in parallel or serial? Why?</a:t>
+            </a:r>
+            <a:endParaRPr lang="en-US" dirty="0"/>
+          </a:p>
+        </p:txBody>
+      </p:sp>
+    </p:spTree>
+    <p:extLst>
+      <p:ext uri="{BB962C8B-B14F-4D97-AF65-F5344CB8AC3E}">
+        <p14:creationId xmlns:p14="http://schemas.microsoft.com/office/powerpoint/2010/main" val="866923887"/>
+      </p:ext>
+    </p:extLst>
+  </p:cSld>
+  <p:clrMapOvr>
+    <a:masterClrMapping/>
+  </p:clrMapOvr>
+</p:sld>
+</file>
+
+<file path=ppt/slides/slide27.xml><?xml version="1.0" encoding="utf-8"?>
+<p:sld xmlns:a="http://schemas.openxmlformats.org/drawingml/2006/main" xmlns:r="http://schemas.openxmlformats.org/officeDocument/2006/relationships" xmlns:p="http://schemas.openxmlformats.org/presentationml/2006/main">
+  <p:cSld>
+    <p:spTree>
+      <p:nvGrpSpPr>
+        <p:cNvPr id="1" name=""/>
+        <p:cNvGrpSpPr/>
+        <p:nvPr/>
+      </p:nvGrpSpPr>
+      <p:grpSpPr>
+        <a:xfrm>
+          <a:off x="0" y="0"/>
+          <a:ext cx="0" cy="0"/>
+          <a:chOff x="0" y="0"/>
+          <a:chExt cx="0" cy="0"/>
+        </a:xfrm>
+      </p:grpSpPr>
+      <p:sp>
+        <p:nvSpPr>
+          <p:cNvPr id="2" name="Title 1"/>
+          <p:cNvSpPr>
+            <a:spLocks noGrp="1"/>
+          </p:cNvSpPr>
+          <p:nvPr>
+            <p:ph type="title"/>
+          </p:nvPr>
+        </p:nvSpPr>
+        <p:spPr/>
+        <p:txBody>
+          <a:bodyPr/>
+          <a:lstStyle/>
+          <a:p>
+            <a:r>
+              <a:rPr lang="en-US" dirty="0" smtClean="0"/>
               <a:t>Molecular Dynamic Simulation</a:t>
             </a:r>
             <a:endParaRPr lang="en-US" dirty="0"/>
@@ -4802,7 +8853,7 @@
 </p:sld>
 </file>
 
-<file path=ppt/slides/slide26.xml><?xml version="1.0" encoding="utf-8"?>
+<file path=ppt/slides/slide28.xml><?xml version="1.0" encoding="utf-8"?>
 <p:sld xmlns:a="http://schemas.openxmlformats.org/drawingml/2006/main" xmlns:r="http://schemas.openxmlformats.org/officeDocument/2006/relationships" xmlns:p="http://schemas.openxmlformats.org/presentationml/2006/main">
   <p:cSld>
     <p:spTree>
@@ -4890,7 +8941,7 @@
             <a:spLocks noGrp="1"/>
           </p:cNvSpPr>
           <p:nvPr>
-            <p:ph type="title"/>
+            <p:ph type="ctrTitle"/>
           </p:nvPr>
         </p:nvSpPr>
         <p:spPr/>
@@ -4900,75 +8951,16 @@
           <a:p>
             <a:r>
               <a:rPr lang="en-US" dirty="0" smtClean="0"/>
-              <a:t>Introduction</a:t>
+              <a:t>Why Parallel Programming?</a:t>
             </a:r>
             <a:endParaRPr lang="en-US" dirty="0"/>
-          </a:p>
-        </p:txBody>
-      </p:sp>
-      <p:sp>
-        <p:nvSpPr>
-          <p:cNvPr id="3" name="Content Placeholder 2"/>
-          <p:cNvSpPr>
-            <a:spLocks noGrp="1"/>
-          </p:cNvSpPr>
-          <p:nvPr>
-            <p:ph idx="1"/>
-          </p:nvPr>
-        </p:nvSpPr>
-        <p:spPr/>
-        <p:txBody>
-          <a:bodyPr>
-            <a:normAutofit/>
-          </a:bodyPr>
-          <a:lstStyle/>
-          <a:p>
-            <a:r>
-              <a:rPr lang="en-US" sz="2000" dirty="0" smtClean="0"/>
-              <a:t>Suppose we want to catch 100 fish. You are the only person available so you head out to catch fish one by one. In computing, what type of computing is this?</a:t>
-            </a:r>
-          </a:p>
-          <a:p>
-            <a:r>
-              <a:rPr lang="en-US" sz="2000" dirty="0" smtClean="0"/>
-              <a:t>What if we send a second person with you to catch 100 fish? In theory, it should take half the time to catch the fish because there are twice as many people working </a:t>
-            </a:r>
-            <a:r>
-              <a:rPr lang="en-US" sz="2000" b="1" dirty="0" smtClean="0"/>
-              <a:t>in parallel </a:t>
-            </a:r>
-            <a:r>
-              <a:rPr lang="en-US" sz="2000" dirty="0" smtClean="0"/>
-              <a:t>to catch the fish</a:t>
-            </a:r>
-          </a:p>
-          <a:p>
-            <a:r>
-              <a:rPr lang="en-US" sz="2000" dirty="0" smtClean="0"/>
-              <a:t>What if we send 4 people instead of 1? How long, in theory, should it take to catch 100 fish?</a:t>
-            </a:r>
-          </a:p>
-          <a:p>
-            <a:r>
-              <a:rPr lang="en-US" sz="2000" dirty="0" smtClean="0"/>
-              <a:t> What if we send 101 people to catch 100 fish? 100 people will catch 1 fish each, but 1 person will be left doing nothing</a:t>
-            </a:r>
-          </a:p>
-          <a:p>
-            <a:r>
-              <a:rPr lang="en-US" sz="2000" dirty="0" smtClean="0"/>
-              <a:t>What if we send 500 people to catch 100 fish? Most of the people will not be able to contribute anything in this case  </a:t>
-            </a:r>
-          </a:p>
-          <a:p>
-            <a:endParaRPr lang="en-US" sz="2000" dirty="0"/>
           </a:p>
         </p:txBody>
       </p:sp>
     </p:spTree>
     <p:extLst>
       <p:ext uri="{BB962C8B-B14F-4D97-AF65-F5344CB8AC3E}">
-        <p14:creationId xmlns:p14="http://schemas.microsoft.com/office/powerpoint/2010/main" val="3797604477"/>
+        <p14:creationId xmlns:p14="http://schemas.microsoft.com/office/powerpoint/2010/main" val="372060863"/>
       </p:ext>
     </p:extLst>
   </p:cSld>
@@ -5007,14 +8999,12 @@
         </p:nvSpPr>
         <p:spPr/>
         <p:txBody>
-          <a:bodyPr>
-            <a:normAutofit fontScale="90000"/>
-          </a:bodyPr>
+          <a:bodyPr/>
           <a:lstStyle/>
           <a:p>
             <a:r>
               <a:rPr lang="en-US" dirty="0" smtClean="0"/>
-              <a:t>Refresh: Serial (sequential) and Parallel Programming </a:t>
+              <a:t>Goal</a:t>
             </a:r>
             <a:endParaRPr lang="en-US" dirty="0"/>
           </a:p>
@@ -5032,77 +9022,33 @@
         </p:nvSpPr>
         <p:spPr/>
         <p:txBody>
-          <a:bodyPr>
-            <a:normAutofit/>
-          </a:bodyPr>
-          <a:lstStyle/>
-          <a:p>
-            <a:r>
-              <a:rPr lang="en-US" sz="2400" dirty="0" smtClean="0"/>
-              <a:t>What is a serial, or sequential, program?</a:t>
-            </a:r>
-          </a:p>
-          <a:p>
-            <a:r>
-              <a:rPr lang="en-US" sz="2400" dirty="0" smtClean="0"/>
-              <a:t>Traditionally, a serial program follows these steps:</a:t>
-            </a:r>
-          </a:p>
-          <a:p>
-            <a:pPr lvl="1"/>
-            <a:r>
-              <a:rPr lang="en-US" sz="2000" dirty="0" smtClean="0"/>
-              <a:t>A problem is broken into a discrete series of instructions</a:t>
-            </a:r>
-          </a:p>
-          <a:p>
-            <a:pPr lvl="1"/>
-            <a:r>
-              <a:rPr lang="en-US" sz="2000" dirty="0" smtClean="0"/>
-              <a:t>Instructions are executed sequentially one after another</a:t>
-            </a:r>
-          </a:p>
-          <a:p>
-            <a:pPr lvl="1"/>
-            <a:r>
-              <a:rPr lang="en-US" sz="2000" dirty="0" smtClean="0"/>
-              <a:t>Everything is executed on 1 processor and only 1 instruction is executed at a time</a:t>
-            </a:r>
-          </a:p>
-          <a:p>
-            <a:r>
-              <a:rPr lang="en-US" sz="2400" dirty="0" smtClean="0"/>
-              <a:t>A parallel program generally follows these steps:</a:t>
-            </a:r>
-          </a:p>
-          <a:p>
-            <a:pPr lvl="1"/>
-            <a:r>
-              <a:rPr lang="en-US" sz="2000" dirty="0" smtClean="0"/>
-              <a:t>A problem is broken into discrete parts that can be solved at the same time</a:t>
-            </a:r>
-          </a:p>
-          <a:p>
-            <a:pPr lvl="1"/>
-            <a:r>
-              <a:rPr lang="en-US" sz="2000" dirty="0" smtClean="0"/>
-              <a:t>Each part is further broken down into a series of instructions</a:t>
-            </a:r>
-          </a:p>
-          <a:p>
-            <a:pPr lvl="1"/>
-            <a:r>
-              <a:rPr lang="en-US" sz="2000" dirty="0" smtClean="0"/>
-              <a:t>Instructions from each part execute all at the same time on multiple different processors</a:t>
-            </a:r>
-            <a:endParaRPr lang="en-US" sz="2000" dirty="0"/>
+          <a:bodyPr/>
+          <a:lstStyle/>
+          <a:p>
+            <a:r>
+              <a:rPr lang="en-US" dirty="0" smtClean="0"/>
+              <a:t>Here, we are going to look at the higher level concepts associated with parallel programming</a:t>
+            </a:r>
+          </a:p>
+          <a:p>
+            <a:r>
+              <a:rPr lang="en-US" dirty="0" smtClean="0"/>
+              <a:t>Look at how to know when to use it</a:t>
+            </a:r>
+          </a:p>
+          <a:p>
+            <a:r>
+              <a:rPr lang="en-US" dirty="0" smtClean="0"/>
+              <a:t>Refresh: What is parallel programming? </a:t>
+            </a:r>
+            <a:endParaRPr lang="en-US" dirty="0"/>
           </a:p>
         </p:txBody>
       </p:sp>
     </p:spTree>
     <p:extLst>
       <p:ext uri="{BB962C8B-B14F-4D97-AF65-F5344CB8AC3E}">
-        <p14:creationId xmlns:p14="http://schemas.microsoft.com/office/powerpoint/2010/main" val="1724864537"/>
+        <p14:creationId xmlns:p14="http://schemas.microsoft.com/office/powerpoint/2010/main" val="3142727460"/>
       </p:ext>
     </p:extLst>
   </p:cSld>
@@ -5146,7 +9092,7 @@
           <a:p>
             <a:r>
               <a:rPr lang="en-US" dirty="0" smtClean="0"/>
-              <a:t>Parallel Program</a:t>
+              <a:t>Introduction</a:t>
             </a:r>
             <a:endParaRPr lang="en-US" dirty="0"/>
           </a:p>
@@ -5170,42 +9116,43 @@
           <a:lstStyle/>
           <a:p>
             <a:r>
-              <a:rPr lang="en-US" sz="2400" dirty="0" smtClean="0"/>
-              <a:t>Programs need to be designed specifically to be run in parallel</a:t>
-            </a:r>
-          </a:p>
-          <a:p>
-            <a:r>
-              <a:rPr lang="en-US" sz="2400" dirty="0" smtClean="0"/>
-              <a:t>Sometimes parts of a program can only be run in serial, so the portions of the program that CAN be run in parallel need to be designed to do so</a:t>
-            </a:r>
-          </a:p>
-          <a:p>
-            <a:r>
-              <a:rPr lang="en-US" sz="2400" dirty="0" smtClean="0"/>
-              <a:t>Example times to divide parts of the program into parallel include:</a:t>
-            </a:r>
-          </a:p>
-          <a:p>
-            <a:pPr lvl="1"/>
-            <a:r>
               <a:rPr lang="en-US" sz="2000" dirty="0" smtClean="0"/>
-              <a:t>Large amounts of data that all require the same instructions</a:t>
-            </a:r>
-          </a:p>
-          <a:p>
-            <a:pPr lvl="1"/>
+              <a:t>Suppose we want to catch 100 fish. You are the only person available so you head out to catch fish one by one. In computing, what type of computing is this?</a:t>
+            </a:r>
+          </a:p>
+          <a:p>
             <a:r>
               <a:rPr lang="en-US" sz="2000" dirty="0" smtClean="0"/>
-              <a:t>Iterations of a loop doing calculations over and over</a:t>
-            </a:r>
-          </a:p>
-          <a:p>
-            <a:pPr lvl="1"/>
+              <a:t>What if we send a second person with you to catch 100 fish? In theory, it should take half the time to catch the fish because there are twice as many people working </a:t>
+            </a:r>
+            <a:r>
+              <a:rPr lang="en-US" sz="2000" b="1" dirty="0" smtClean="0"/>
+              <a:t>in parallel </a:t>
+            </a:r>
             <a:r>
               <a:rPr lang="en-US" sz="2000" dirty="0" smtClean="0"/>
-              <a:t>CONTINUE THIS LIST</a:t>
-            </a:r>
+              <a:t>to catch the fish</a:t>
+            </a:r>
+          </a:p>
+          <a:p>
+            <a:r>
+              <a:rPr lang="en-US" sz="2000" dirty="0" smtClean="0"/>
+              <a:t>What if we send 4 people instead of 1? How long, in theory, should it take to catch 100 fish?</a:t>
+            </a:r>
+          </a:p>
+          <a:p>
+            <a:r>
+              <a:rPr lang="en-US" sz="2000" dirty="0" smtClean="0"/>
+              <a:t> What if we send 101 people to catch 100 fish? 100 people will catch 1 fish each, but 1 person will be left doing nothing</a:t>
+            </a:r>
+          </a:p>
+          <a:p>
+            <a:r>
+              <a:rPr lang="en-US" sz="2000" dirty="0" smtClean="0"/>
+              <a:t>What if we send 500 people to catch 100 fish? Most of the people will not be able to contribute anything in this case  </a:t>
+            </a:r>
+          </a:p>
+          <a:p>
             <a:endParaRPr lang="en-US" sz="2000" dirty="0"/>
           </a:p>
         </p:txBody>
@@ -5213,7 +9160,7 @@
     </p:spTree>
     <p:extLst>
       <p:ext uri="{BB962C8B-B14F-4D97-AF65-F5344CB8AC3E}">
-        <p14:creationId xmlns:p14="http://schemas.microsoft.com/office/powerpoint/2010/main" val="3314323437"/>
+        <p14:creationId xmlns:p14="http://schemas.microsoft.com/office/powerpoint/2010/main" val="3797604477"/>
       </p:ext>
     </p:extLst>
   </p:cSld>
@@ -5252,75 +9199,102 @@
         </p:nvSpPr>
         <p:spPr/>
         <p:txBody>
-          <a:bodyPr/>
+          <a:bodyPr>
+            <a:normAutofit fontScale="90000"/>
+          </a:bodyPr>
           <a:lstStyle/>
           <a:p>
             <a:r>
               <a:rPr lang="en-US" dirty="0" smtClean="0"/>
-              <a:t>Example of Parallelism</a:t>
+              <a:t>Refresh: Serial (sequential) and Parallel Programming </a:t>
             </a:r>
             <a:endParaRPr lang="en-US" dirty="0"/>
           </a:p>
         </p:txBody>
       </p:sp>
-      <p:pic>
-        <p:nvPicPr>
-          <p:cNvPr id="4" name="image12.jpg"/>
-          <p:cNvPicPr/>
-          <p:nvPr/>
-        </p:nvPicPr>
-        <p:blipFill>
-          <a:blip r:embed="rId2"/>
-          <a:srcRect l="5448" r="22756"/>
-          <a:stretch>
-            <a:fillRect/>
-          </a:stretch>
-        </p:blipFill>
-        <p:spPr>
-          <a:xfrm>
-            <a:off x="2438400" y="1555750"/>
-            <a:ext cx="4267200" cy="4457700"/>
-          </a:xfrm>
-          <a:prstGeom prst="rect">
-            <a:avLst/>
-          </a:prstGeom>
-          <a:ln/>
-        </p:spPr>
-      </p:pic>
-      <p:sp>
-        <p:nvSpPr>
-          <p:cNvPr id="5" name="TextBox 4"/>
-          <p:cNvSpPr txBox="1"/>
-          <p:nvPr/>
-        </p:nvSpPr>
-        <p:spPr>
-          <a:xfrm>
-            <a:off x="1143000" y="6013450"/>
-            <a:ext cx="6565900" cy="646331"/>
-          </a:xfrm>
-          <a:prstGeom prst="rect">
-            <a:avLst/>
-          </a:prstGeom>
-          <a:noFill/>
-        </p:spPr>
-        <p:txBody>
-          <a:bodyPr wrap="square" rtlCol="0">
-            <a:spAutoFit/>
+      <p:sp>
+        <p:nvSpPr>
+          <p:cNvPr id="3" name="Content Placeholder 2"/>
+          <p:cNvSpPr>
+            <a:spLocks noGrp="1"/>
+          </p:cNvSpPr>
+          <p:nvPr>
+            <p:ph idx="1"/>
+          </p:nvPr>
+        </p:nvSpPr>
+        <p:spPr/>
+        <p:txBody>
+          <a:bodyPr>
+            <a:normAutofit/>
           </a:bodyPr>
           <a:lstStyle/>
           <a:p>
             <a:r>
-              <a:rPr lang="en-US" dirty="0" smtClean="0"/>
-              <a:t>QUESTION: Is dividing up the work here and parallelizing it beneficial? What do you gain by doing so?</a:t>
-            </a:r>
-            <a:endParaRPr lang="en-US" dirty="0"/>
+              <a:rPr lang="en-US" sz="2400" dirty="0" smtClean="0"/>
+              <a:t>What is a serial, or sequential, program?</a:t>
+            </a:r>
+          </a:p>
+          <a:p>
+            <a:r>
+              <a:rPr lang="en-US" sz="2400" dirty="0" smtClean="0"/>
+              <a:t>Traditionally, a serial program follows these steps:</a:t>
+            </a:r>
+          </a:p>
+          <a:p>
+            <a:pPr lvl="1"/>
+            <a:r>
+              <a:rPr lang="en-US" sz="2000" dirty="0" smtClean="0"/>
+              <a:t>A problem is broken into a discrete series of instructions</a:t>
+            </a:r>
+          </a:p>
+          <a:p>
+            <a:pPr lvl="1"/>
+            <a:r>
+              <a:rPr lang="en-US" sz="2000" dirty="0" smtClean="0"/>
+              <a:t>Instructions are executed sequentially one after another</a:t>
+            </a:r>
+          </a:p>
+          <a:p>
+            <a:pPr lvl="1"/>
+            <a:r>
+              <a:rPr lang="en-US" sz="2000" dirty="0" smtClean="0"/>
+              <a:t>Everything is executed on 1 processor and only 1 instruction is executed at a time</a:t>
+            </a:r>
+          </a:p>
+          <a:p>
+            <a:r>
+              <a:rPr lang="en-US" sz="2400" dirty="0" smtClean="0"/>
+              <a:t>A parallel program generally follows these steps:</a:t>
+            </a:r>
+          </a:p>
+          <a:p>
+            <a:pPr lvl="1"/>
+            <a:r>
+              <a:rPr lang="en-US" sz="2000" dirty="0" smtClean="0"/>
+              <a:t>A problem is broken into discrete parts that can be solved at the same time</a:t>
+            </a:r>
+          </a:p>
+          <a:p>
+            <a:pPr lvl="1"/>
+            <a:r>
+              <a:rPr lang="en-US" sz="2000" dirty="0" smtClean="0"/>
+              <a:t>Each part is further broken down into a series of instructions</a:t>
+            </a:r>
+          </a:p>
+          <a:p>
+            <a:pPr lvl="1"/>
+            <a:r>
+              <a:rPr lang="en-US" sz="2000" dirty="0" smtClean="0"/>
+              <a:t>Instructions from each part execute all at the same time on multiple different processors</a:t>
+            </a:r>
+            <a:endParaRPr lang="en-US" sz="2000" dirty="0"/>
           </a:p>
         </p:txBody>
       </p:sp>
     </p:spTree>
     <p:extLst>
       <p:ext uri="{BB962C8B-B14F-4D97-AF65-F5344CB8AC3E}">
-        <p14:creationId xmlns:p14="http://schemas.microsoft.com/office/powerpoint/2010/main" val="56791986"/>
+        <p14:creationId xmlns:p14="http://schemas.microsoft.com/office/powerpoint/2010/main" val="1724864537"/>
       </p:ext>
     </p:extLst>
   </p:cSld>
@@ -5364,7 +9338,7 @@
           <a:p>
             <a:r>
               <a:rPr lang="en-US" dirty="0" smtClean="0"/>
-              <a:t>Why Parallelism?</a:t>
+              <a:t>Parallel Program</a:t>
             </a:r>
             <a:endParaRPr lang="en-US" dirty="0"/>
           </a:p>
@@ -5382,74 +9356,56 @@
         </p:nvSpPr>
         <p:spPr/>
         <p:txBody>
-          <a:bodyPr/>
-          <a:lstStyle/>
-          <a:p>
-            <a:r>
-              <a:rPr lang="en-US" dirty="0" smtClean="0"/>
-              <a:t>There are 3 reasons that parallelism can be useful for an application</a:t>
-            </a:r>
-          </a:p>
-          <a:p>
-            <a:r>
-              <a:rPr lang="en-US" dirty="0" smtClean="0"/>
-              <a:t>These reasons follow the motto “Sooner, Better, More”</a:t>
-            </a:r>
-          </a:p>
-          <a:p>
-            <a:r>
-              <a:rPr lang="en-US" dirty="0" err="1" smtClean="0"/>
-              <a:t>Sooner</a:t>
-            </a:r>
-            <a:r>
-              <a:rPr lang="en-US" dirty="0" err="1" smtClean="0">
-                <a:sym typeface="Wingdings"/>
-              </a:rPr>
-              <a:t>Speedup</a:t>
-            </a:r>
-            <a:endParaRPr lang="en-US" dirty="0" smtClean="0">
-              <a:sym typeface="Wingdings"/>
-            </a:endParaRPr>
-          </a:p>
-          <a:p>
-            <a:r>
-              <a:rPr lang="en-US" dirty="0" err="1" smtClean="0">
-                <a:sym typeface="Wingdings"/>
-              </a:rPr>
-              <a:t>BetterAccuracy</a:t>
-            </a:r>
-            <a:endParaRPr lang="en-US" dirty="0" smtClean="0">
-              <a:sym typeface="Wingdings"/>
-            </a:endParaRPr>
-          </a:p>
-          <a:p>
-            <a:r>
-              <a:rPr lang="en-US" dirty="0" err="1" smtClean="0">
-                <a:sym typeface="Wingdings"/>
-              </a:rPr>
-              <a:t>MoreScaling</a:t>
-            </a:r>
-            <a:endParaRPr lang="en-US" dirty="0" smtClean="0">
-              <a:sym typeface="Wingdings"/>
-            </a:endParaRPr>
-          </a:p>
-          <a:p>
-            <a:endParaRPr lang="en-US" dirty="0">
-              <a:sym typeface="Wingdings"/>
-            </a:endParaRPr>
-          </a:p>
-          <a:p>
-            <a:pPr marL="0" indent="0">
-              <a:buNone/>
-            </a:pPr>
-            <a:endParaRPr lang="en-US" dirty="0"/>
+          <a:bodyPr>
+            <a:normAutofit/>
+          </a:bodyPr>
+          <a:lstStyle/>
+          <a:p>
+            <a:r>
+              <a:rPr lang="en-US" sz="2400" dirty="0" smtClean="0"/>
+              <a:t>Programs need to be designed specifically to be run in parallel</a:t>
+            </a:r>
+          </a:p>
+          <a:p>
+            <a:r>
+              <a:rPr lang="en-US" sz="2400" dirty="0" smtClean="0"/>
+              <a:t>Sometimes parts of a program can only be run in serial, so the portions of the program that CAN be run in parallel need to be designed to do so</a:t>
+            </a:r>
+          </a:p>
+          <a:p>
+            <a:r>
+              <a:rPr lang="en-US" sz="2400" dirty="0" smtClean="0"/>
+              <a:t>Example times to divide parts of the program into parallel include:</a:t>
+            </a:r>
+          </a:p>
+          <a:p>
+            <a:pPr lvl="1"/>
+            <a:r>
+              <a:rPr lang="en-US" sz="2000" dirty="0" smtClean="0"/>
+              <a:t>Large amounts of data that all require the same instructions</a:t>
+            </a:r>
+          </a:p>
+          <a:p>
+            <a:pPr lvl="1"/>
+            <a:r>
+              <a:rPr lang="en-US" sz="2000" dirty="0" smtClean="0"/>
+              <a:t>Iterations of a loop doing calculations over and over</a:t>
+            </a:r>
+          </a:p>
+          <a:p>
+            <a:pPr lvl="1"/>
+            <a:r>
+              <a:rPr lang="en-US" sz="2000" dirty="0" smtClean="0"/>
+              <a:t>CONTINUE THIS LIST</a:t>
+            </a:r>
+            <a:endParaRPr lang="en-US" sz="2000" dirty="0"/>
           </a:p>
         </p:txBody>
       </p:sp>
     </p:spTree>
     <p:extLst>
       <p:ext uri="{BB962C8B-B14F-4D97-AF65-F5344CB8AC3E}">
-        <p14:creationId xmlns:p14="http://schemas.microsoft.com/office/powerpoint/2010/main" val="1249683421"/>
+        <p14:creationId xmlns:p14="http://schemas.microsoft.com/office/powerpoint/2010/main" val="3314323437"/>
       </p:ext>
     </p:extLst>
   </p:cSld>
@@ -5492,57 +9448,62 @@
           <a:lstStyle/>
           <a:p>
             <a:r>
-              <a:rPr lang="en-US" dirty="0" err="1" smtClean="0"/>
-              <a:t>Sooner</a:t>
-            </a:r>
-            <a:r>
-              <a:rPr lang="en-US" dirty="0" err="1" smtClean="0">
-                <a:sym typeface="Wingdings"/>
-              </a:rPr>
-              <a:t>Speedup</a:t>
+              <a:rPr lang="en-US" dirty="0" smtClean="0"/>
+              <a:t>Example of Parallelism</a:t>
             </a:r>
             <a:endParaRPr lang="en-US" dirty="0"/>
           </a:p>
         </p:txBody>
       </p:sp>
-      <p:sp>
-        <p:nvSpPr>
-          <p:cNvPr id="3" name="Content Placeholder 2"/>
-          <p:cNvSpPr>
-            <a:spLocks noGrp="1"/>
-          </p:cNvSpPr>
-          <p:nvPr>
-            <p:ph idx="1"/>
-          </p:nvPr>
-        </p:nvSpPr>
-        <p:spPr/>
-        <p:txBody>
-          <a:bodyPr>
-            <a:normAutofit lnSpcReduction="10000"/>
+      <p:pic>
+        <p:nvPicPr>
+          <p:cNvPr id="4" name="image12.jpg"/>
+          <p:cNvPicPr/>
+          <p:nvPr/>
+        </p:nvPicPr>
+        <p:blipFill>
+          <a:blip r:embed="rId2"/>
+          <a:srcRect l="5448" r="22756"/>
+          <a:stretch>
+            <a:fillRect/>
+          </a:stretch>
+        </p:blipFill>
+        <p:spPr>
+          <a:xfrm>
+            <a:off x="2438400" y="1555750"/>
+            <a:ext cx="4267200" cy="4457700"/>
+          </a:xfrm>
+          <a:prstGeom prst="rect">
+            <a:avLst/>
+          </a:prstGeom>
+          <a:ln/>
+        </p:spPr>
+      </p:pic>
+      <p:sp>
+        <p:nvSpPr>
+          <p:cNvPr id="5" name="TextBox 4"/>
+          <p:cNvSpPr txBox="1"/>
+          <p:nvPr/>
+        </p:nvSpPr>
+        <p:spPr>
+          <a:xfrm>
+            <a:off x="1143000" y="6013450"/>
+            <a:ext cx="6565900" cy="646331"/>
+          </a:xfrm>
+          <a:prstGeom prst="rect">
+            <a:avLst/>
+          </a:prstGeom>
+          <a:noFill/>
+        </p:spPr>
+        <p:txBody>
+          <a:bodyPr wrap="square" rtlCol="0">
+            <a:spAutoFit/>
           </a:bodyPr>
           <a:lstStyle/>
           <a:p>
             <a:r>
               <a:rPr lang="en-US" dirty="0" smtClean="0"/>
-              <a:t>In theory, programs will run faster if they are parallelized compared to executing the same program in serial</a:t>
-            </a:r>
-          </a:p>
-          <a:p>
-            <a:r>
-              <a:rPr lang="en-US" dirty="0" smtClean="0"/>
-              <a:t>This means there should be some factor of “speedup” when running in parallel</a:t>
-            </a:r>
-          </a:p>
-          <a:p>
-            <a:r>
-              <a:rPr lang="en-US" dirty="0" smtClean="0"/>
-              <a:t>QUESTION: What is an example where parallelization would provide speedup?</a:t>
-            </a:r>
-          </a:p>
-          <a:p>
-            <a:r>
-              <a:rPr lang="en-US" dirty="0" smtClean="0"/>
-              <a:t>QUESTION: What is an example where parallelization would NOT provide speedup?</a:t>
+              <a:t>QUESTION: Is dividing up the work here and parallelizing it beneficial? What do you gain by doing so?</a:t>
             </a:r>
             <a:endParaRPr lang="en-US" dirty="0"/>
           </a:p>
@@ -5551,7 +9512,7 @@
     </p:spTree>
     <p:extLst>
       <p:ext uri="{BB962C8B-B14F-4D97-AF65-F5344CB8AC3E}">
-        <p14:creationId xmlns:p14="http://schemas.microsoft.com/office/powerpoint/2010/main" val="1942008547"/>
+        <p14:creationId xmlns:p14="http://schemas.microsoft.com/office/powerpoint/2010/main" val="56791986"/>
       </p:ext>
     </p:extLst>
   </p:cSld>
@@ -5594,72 +9555,93 @@
           <a:lstStyle/>
           <a:p>
             <a:r>
+              <a:rPr lang="en-US" dirty="0" smtClean="0"/>
+              <a:t>Why Parallelism?</a:t>
+            </a:r>
+            <a:endParaRPr lang="en-US" dirty="0"/>
+          </a:p>
+        </p:txBody>
+      </p:sp>
+      <p:sp>
+        <p:nvSpPr>
+          <p:cNvPr id="3" name="Content Placeholder 2"/>
+          <p:cNvSpPr>
+            <a:spLocks noGrp="1"/>
+          </p:cNvSpPr>
+          <p:nvPr>
+            <p:ph idx="1"/>
+          </p:nvPr>
+        </p:nvSpPr>
+        <p:spPr/>
+        <p:txBody>
+          <a:bodyPr/>
+          <a:lstStyle/>
+          <a:p>
+            <a:r>
+              <a:rPr lang="en-US" dirty="0" smtClean="0"/>
+              <a:t>There are 3 reasons that parallelism can be useful for an application</a:t>
+            </a:r>
+          </a:p>
+          <a:p>
+            <a:r>
+              <a:rPr lang="en-US" dirty="0" smtClean="0"/>
+              <a:t>These reasons follow the motto “Sooner, Better, More”</a:t>
+            </a:r>
+          </a:p>
+          <a:p>
+            <a:r>
               <a:rPr lang="en-US" dirty="0" err="1" smtClean="0"/>
-              <a:t>Better</a:t>
+              <a:t>Sooner</a:t>
             </a:r>
             <a:r>
               <a:rPr lang="en-US" dirty="0" err="1" smtClean="0">
                 <a:sym typeface="Wingdings"/>
               </a:rPr>
-              <a:t>Accuracy</a:t>
-            </a:r>
+              <a:t>Speedup</a:t>
+            </a:r>
+            <a:endParaRPr lang="en-US" dirty="0" smtClean="0">
+              <a:sym typeface="Wingdings"/>
+            </a:endParaRPr>
+          </a:p>
+          <a:p>
+            <a:r>
+              <a:rPr lang="en-US" dirty="0" err="1" smtClean="0">
+                <a:sym typeface="Wingdings"/>
+              </a:rPr>
+              <a:t>BetterAccuracy</a:t>
+            </a:r>
+            <a:endParaRPr lang="en-US" dirty="0" smtClean="0">
+              <a:sym typeface="Wingdings"/>
+            </a:endParaRPr>
+          </a:p>
+          <a:p>
+            <a:r>
+              <a:rPr lang="en-US" dirty="0" err="1" smtClean="0">
+                <a:sym typeface="Wingdings"/>
+              </a:rPr>
+              <a:t>MoreScaling</a:t>
+            </a:r>
+            <a:endParaRPr lang="en-US" dirty="0" smtClean="0">
+              <a:sym typeface="Wingdings"/>
+            </a:endParaRPr>
+          </a:p>
+          <a:p>
+            <a:endParaRPr lang="en-US" dirty="0">
+              <a:sym typeface="Wingdings"/>
+            </a:endParaRPr>
+          </a:p>
+          <a:p>
+            <a:pPr marL="0" indent="0">
+              <a:buNone/>
+            </a:pPr>
             <a:endParaRPr lang="en-US" dirty="0"/>
-          </a:p>
-        </p:txBody>
-      </p:sp>
-      <p:sp>
-        <p:nvSpPr>
-          <p:cNvPr id="3" name="Content Placeholder 2"/>
-          <p:cNvSpPr>
-            <a:spLocks noGrp="1"/>
-          </p:cNvSpPr>
-          <p:nvPr>
-            <p:ph idx="1"/>
-          </p:nvPr>
-        </p:nvSpPr>
-        <p:spPr/>
-        <p:txBody>
-          <a:bodyPr>
-            <a:normAutofit fontScale="85000" lnSpcReduction="20000"/>
-          </a:bodyPr>
-          <a:lstStyle/>
-          <a:p>
-            <a:r>
-              <a:rPr lang="en-US" sz="2800" dirty="0" smtClean="0"/>
-              <a:t>The goal with accuracy is to form a better solution to a problem while obtaining the same level of accuracy (or more accuracy) by running in parallel</a:t>
-            </a:r>
-          </a:p>
-          <a:p>
-            <a:r>
-              <a:rPr lang="en-US" sz="2800" dirty="0" smtClean="0"/>
-              <a:t>If more processors are assigned to a task, there is more computing power available to do tasks such as comprehensive error checking, etc., leading to an accurate result</a:t>
-            </a:r>
-          </a:p>
-          <a:p>
-            <a:r>
-              <a:rPr lang="en-US" sz="2800" dirty="0" smtClean="0"/>
-              <a:t>NOTE: In order to make a program more accurate, speedup may need to be sacrificed </a:t>
-            </a:r>
-          </a:p>
-          <a:p>
-            <a:r>
-              <a:rPr lang="en-US" sz="2800" dirty="0" smtClean="0"/>
-              <a:t>QUESTION: What is an example where parallelization would provide more accuracy?</a:t>
-            </a:r>
-          </a:p>
-          <a:p>
-            <a:r>
-              <a:rPr lang="en-US" sz="2800" dirty="0" smtClean="0"/>
-              <a:t>QUESTION: What is an example where parallelization would NOT provide more accuracy?</a:t>
-            </a:r>
-            <a:endParaRPr lang="en-US" sz="2800" dirty="0"/>
           </a:p>
         </p:txBody>
       </p:sp>
     </p:spTree>
     <p:extLst>
       <p:ext uri="{BB962C8B-B14F-4D97-AF65-F5344CB8AC3E}">
-        <p14:creationId xmlns:p14="http://schemas.microsoft.com/office/powerpoint/2010/main" val="3771772225"/>
+        <p14:creationId xmlns:p14="http://schemas.microsoft.com/office/powerpoint/2010/main" val="1249683421"/>
       </p:ext>
     </p:extLst>
   </p:cSld>
@@ -5987,4 +9969,526 @@
   </a:objectDefaults>
   <a:extraClrSchemeLst/>
 </a:theme>
+</file>
+
+<file path=ppt/theme/theme2.xml><?xml version="1.0" encoding="utf-8"?>
+<a:theme xmlns:a="http://schemas.openxmlformats.org/drawingml/2006/main" name="1_Office Theme">
+  <a:themeElements>
+    <a:clrScheme name="Office">
+      <a:dk1>
+        <a:sysClr val="windowText" lastClr="000000"/>
+      </a:dk1>
+      <a:lt1>
+        <a:sysClr val="window" lastClr="FFFFFF"/>
+      </a:lt1>
+      <a:dk2>
+        <a:srgbClr val="44546A"/>
+      </a:dk2>
+      <a:lt2>
+        <a:srgbClr val="E7E6E6"/>
+      </a:lt2>
+      <a:accent1>
+        <a:srgbClr val="4472C4"/>
+      </a:accent1>
+      <a:accent2>
+        <a:srgbClr val="ED7D31"/>
+      </a:accent2>
+      <a:accent3>
+        <a:srgbClr val="A5A5A5"/>
+      </a:accent3>
+      <a:accent4>
+        <a:srgbClr val="FFC000"/>
+      </a:accent4>
+      <a:accent5>
+        <a:srgbClr val="5B9BD5"/>
+      </a:accent5>
+      <a:accent6>
+        <a:srgbClr val="70AD47"/>
+      </a:accent6>
+      <a:hlink>
+        <a:srgbClr val="0563C1"/>
+      </a:hlink>
+      <a:folHlink>
+        <a:srgbClr val="954F72"/>
+      </a:folHlink>
+    </a:clrScheme>
+    <a:fontScheme name="Office">
+      <a:majorFont>
+        <a:latin typeface="Calibri Light" panose="020F0302020204030204"/>
+        <a:ea typeface=""/>
+        <a:cs typeface=""/>
+        <a:font script="Jpan" typeface="Yu Gothic Light"/>
+        <a:font script="Hang" typeface="맑은 고딕"/>
+        <a:font script="Hans" typeface="DengXian Light"/>
+        <a:font script="Hant" typeface="新細明體"/>
+        <a:font script="Arab" typeface="Times New Roman"/>
+        <a:font script="Hebr" typeface="Times New Roman"/>
+        <a:font script="Thai" typeface="Angsana New"/>
+        <a:font script="Ethi" typeface="Nyala"/>
+        <a:font script="Beng" typeface="Vrinda"/>
+        <a:font script="Gujr" typeface="Shruti"/>
+        <a:font script="Khmr" typeface="MoolBoran"/>
+        <a:font script="Knda" typeface="Tunga"/>
+        <a:font script="Guru" typeface="Raavi"/>
+        <a:font script="Cans" typeface="Euphemia"/>
+        <a:font script="Cher" typeface="Plantagenet Cherokee"/>
+        <a:font script="Yiii" typeface="Microsoft Yi Baiti"/>
+        <a:font script="Tibt" typeface="Microsoft Himalaya"/>
+        <a:font script="Thaa" typeface="MV Boli"/>
+        <a:font script="Deva" typeface="Mangal"/>
+        <a:font script="Telu" typeface="Gautami"/>
+        <a:font script="Taml" typeface="Latha"/>
+        <a:font script="Syrc" typeface="Estrangelo Edessa"/>
+        <a:font script="Orya" typeface="Kalinga"/>
+        <a:font script="Mlym" typeface="Kartika"/>
+        <a:font script="Laoo" typeface="DokChampa"/>
+        <a:font script="Sinh" typeface="Iskoola Pota"/>
+        <a:font script="Mong" typeface="Mongolian Baiti"/>
+        <a:font script="Viet" typeface="Times New Roman"/>
+        <a:font script="Uigh" typeface="Microsoft Uighur"/>
+        <a:font script="Geor" typeface="Sylfaen"/>
+      </a:majorFont>
+      <a:minorFont>
+        <a:latin typeface="Calibri" panose="020F0502020204030204"/>
+        <a:ea typeface=""/>
+        <a:cs typeface=""/>
+        <a:font script="Jpan" typeface="Yu Gothic"/>
+        <a:font script="Hang" typeface="맑은 고딕"/>
+        <a:font script="Hans" typeface="DengXian"/>
+        <a:font script="Hant" typeface="新細明體"/>
+        <a:font script="Arab" typeface="Arial"/>
+        <a:font script="Hebr" typeface="Arial"/>
+        <a:font script="Thai" typeface="Cordia New"/>
+        <a:font script="Ethi" typeface="Nyala"/>
+        <a:font script="Beng" typeface="Vrinda"/>
+        <a:font script="Gujr" typeface="Shruti"/>
+        <a:font script="Khmr" typeface="DaunPenh"/>
+        <a:font script="Knda" typeface="Tunga"/>
+        <a:font script="Guru" typeface="Raavi"/>
+        <a:font script="Cans" typeface="Euphemia"/>
+        <a:font script="Cher" typeface="Plantagenet Cherokee"/>
+        <a:font script="Yiii" typeface="Microsoft Yi Baiti"/>
+        <a:font script="Tibt" typeface="Microsoft Himalaya"/>
+        <a:font script="Thaa" typeface="MV Boli"/>
+        <a:font script="Deva" typeface="Mangal"/>
+        <a:font script="Telu" typeface="Gautami"/>
+        <a:font script="Taml" typeface="Latha"/>
+        <a:font script="Syrc" typeface="Estrangelo Edessa"/>
+        <a:font script="Orya" typeface="Kalinga"/>
+        <a:font script="Mlym" typeface="Kartika"/>
+        <a:font script="Laoo" typeface="DokChampa"/>
+        <a:font script="Sinh" typeface="Iskoola Pota"/>
+        <a:font script="Mong" typeface="Mongolian Baiti"/>
+        <a:font script="Viet" typeface="Arial"/>
+        <a:font script="Uigh" typeface="Microsoft Uighur"/>
+        <a:font script="Geor" typeface="Sylfaen"/>
+      </a:minorFont>
+    </a:fontScheme>
+    <a:fmtScheme name="Office">
+      <a:fillStyleLst>
+        <a:solidFill>
+          <a:schemeClr val="phClr"/>
+        </a:solidFill>
+        <a:gradFill rotWithShape="1">
+          <a:gsLst>
+            <a:gs pos="0">
+              <a:schemeClr val="phClr">
+                <a:lumMod val="110000"/>
+                <a:satMod val="105000"/>
+                <a:tint val="67000"/>
+              </a:schemeClr>
+            </a:gs>
+            <a:gs pos="50000">
+              <a:schemeClr val="phClr">
+                <a:lumMod val="105000"/>
+                <a:satMod val="103000"/>
+                <a:tint val="73000"/>
+              </a:schemeClr>
+            </a:gs>
+            <a:gs pos="100000">
+              <a:schemeClr val="phClr">
+                <a:lumMod val="105000"/>
+                <a:satMod val="109000"/>
+                <a:tint val="81000"/>
+              </a:schemeClr>
+            </a:gs>
+          </a:gsLst>
+          <a:lin ang="5400000" scaled="0"/>
+        </a:gradFill>
+        <a:gradFill rotWithShape="1">
+          <a:gsLst>
+            <a:gs pos="0">
+              <a:schemeClr val="phClr">
+                <a:satMod val="103000"/>
+                <a:lumMod val="102000"/>
+                <a:tint val="94000"/>
+              </a:schemeClr>
+            </a:gs>
+            <a:gs pos="50000">
+              <a:schemeClr val="phClr">
+                <a:satMod val="110000"/>
+                <a:lumMod val="100000"/>
+                <a:shade val="100000"/>
+              </a:schemeClr>
+            </a:gs>
+            <a:gs pos="100000">
+              <a:schemeClr val="phClr">
+                <a:lumMod val="99000"/>
+                <a:satMod val="120000"/>
+                <a:shade val="78000"/>
+              </a:schemeClr>
+            </a:gs>
+          </a:gsLst>
+          <a:lin ang="5400000" scaled="0"/>
+        </a:gradFill>
+      </a:fillStyleLst>
+      <a:lnStyleLst>
+        <a:ln w="6350" cap="flat" cmpd="sng" algn="ctr">
+          <a:solidFill>
+            <a:schemeClr val="phClr"/>
+          </a:solidFill>
+          <a:prstDash val="solid"/>
+          <a:miter lim="800000"/>
+        </a:ln>
+        <a:ln w="12700" cap="flat" cmpd="sng" algn="ctr">
+          <a:solidFill>
+            <a:schemeClr val="phClr"/>
+          </a:solidFill>
+          <a:prstDash val="solid"/>
+          <a:miter lim="800000"/>
+        </a:ln>
+        <a:ln w="19050" cap="flat" cmpd="sng" algn="ctr">
+          <a:solidFill>
+            <a:schemeClr val="phClr"/>
+          </a:solidFill>
+          <a:prstDash val="solid"/>
+          <a:miter lim="800000"/>
+        </a:ln>
+      </a:lnStyleLst>
+      <a:effectStyleLst>
+        <a:effectStyle>
+          <a:effectLst/>
+        </a:effectStyle>
+        <a:effectStyle>
+          <a:effectLst/>
+        </a:effectStyle>
+        <a:effectStyle>
+          <a:effectLst>
+            <a:outerShdw blurRad="57150" dist="19050" dir="5400000" algn="ctr" rotWithShape="0">
+              <a:srgbClr val="000000">
+                <a:alpha val="63000"/>
+              </a:srgbClr>
+            </a:outerShdw>
+          </a:effectLst>
+        </a:effectStyle>
+      </a:effectStyleLst>
+      <a:bgFillStyleLst>
+        <a:solidFill>
+          <a:schemeClr val="phClr"/>
+        </a:solidFill>
+        <a:solidFill>
+          <a:schemeClr val="phClr">
+            <a:tint val="95000"/>
+            <a:satMod val="170000"/>
+          </a:schemeClr>
+        </a:solidFill>
+        <a:gradFill rotWithShape="1">
+          <a:gsLst>
+            <a:gs pos="0">
+              <a:schemeClr val="phClr">
+                <a:tint val="93000"/>
+                <a:satMod val="150000"/>
+                <a:shade val="98000"/>
+                <a:lumMod val="102000"/>
+              </a:schemeClr>
+            </a:gs>
+            <a:gs pos="50000">
+              <a:schemeClr val="phClr">
+                <a:tint val="98000"/>
+                <a:satMod val="130000"/>
+                <a:shade val="90000"/>
+                <a:lumMod val="103000"/>
+              </a:schemeClr>
+            </a:gs>
+            <a:gs pos="100000">
+              <a:schemeClr val="phClr">
+                <a:shade val="63000"/>
+                <a:satMod val="120000"/>
+              </a:schemeClr>
+            </a:gs>
+          </a:gsLst>
+          <a:lin ang="5400000" scaled="0"/>
+        </a:gradFill>
+      </a:bgFillStyleLst>
+    </a:fmtScheme>
+  </a:themeElements>
+  <a:objectDefaults/>
+  <a:extraClrSchemeLst/>
+  <a:extLst>
+    <a:ext uri="{05A4C25C-085E-4340-85A3-A5531E510DB2}">
+      <thm15:themeFamily xmlns:thm15="http://schemas.microsoft.com/office/thememl/2012/main" name="Office Theme" id="{62F939B6-93AF-4DB8-9C6B-D6C7DFDC589F}" vid="{4A3C46E8-61CC-4603-A589-7422A47A8E4A}"/>
+    </a:ext>
+  </a:extLst>
+</a:theme>
+</file>
+
+<file path=ppt/theme/theme3.xml><?xml version="1.0" encoding="utf-8"?>
+<a:theme xmlns:a="http://schemas.openxmlformats.org/drawingml/2006/main" name="Office Theme">
+  <a:themeElements>
+    <a:clrScheme name="Office">
+      <a:dk1>
+        <a:sysClr val="windowText" lastClr="000000"/>
+      </a:dk1>
+      <a:lt1>
+        <a:sysClr val="window" lastClr="FFFFFF"/>
+      </a:lt1>
+      <a:dk2>
+        <a:srgbClr val="44546A"/>
+      </a:dk2>
+      <a:lt2>
+        <a:srgbClr val="E7E6E6"/>
+      </a:lt2>
+      <a:accent1>
+        <a:srgbClr val="4472C4"/>
+      </a:accent1>
+      <a:accent2>
+        <a:srgbClr val="ED7D31"/>
+      </a:accent2>
+      <a:accent3>
+        <a:srgbClr val="A5A5A5"/>
+      </a:accent3>
+      <a:accent4>
+        <a:srgbClr val="FFC000"/>
+      </a:accent4>
+      <a:accent5>
+        <a:srgbClr val="5B9BD5"/>
+      </a:accent5>
+      <a:accent6>
+        <a:srgbClr val="70AD47"/>
+      </a:accent6>
+      <a:hlink>
+        <a:srgbClr val="0563C1"/>
+      </a:hlink>
+      <a:folHlink>
+        <a:srgbClr val="954F72"/>
+      </a:folHlink>
+    </a:clrScheme>
+    <a:fontScheme name="Office">
+      <a:majorFont>
+        <a:latin typeface="Calibri Light" panose="020F0302020204030204"/>
+        <a:ea typeface=""/>
+        <a:cs typeface=""/>
+        <a:font script="Jpan" typeface="Yu Gothic Light"/>
+        <a:font script="Hang" typeface="맑은 고딕"/>
+        <a:font script="Hans" typeface="DengXian Light"/>
+        <a:font script="Hant" typeface="新細明體"/>
+        <a:font script="Arab" typeface="Times New Roman"/>
+        <a:font script="Hebr" typeface="Times New Roman"/>
+        <a:font script="Thai" typeface="Angsana New"/>
+        <a:font script="Ethi" typeface="Nyala"/>
+        <a:font script="Beng" typeface="Vrinda"/>
+        <a:font script="Gujr" typeface="Shruti"/>
+        <a:font script="Khmr" typeface="MoolBoran"/>
+        <a:font script="Knda" typeface="Tunga"/>
+        <a:font script="Guru" typeface="Raavi"/>
+        <a:font script="Cans" typeface="Euphemia"/>
+        <a:font script="Cher" typeface="Plantagenet Cherokee"/>
+        <a:font script="Yiii" typeface="Microsoft Yi Baiti"/>
+        <a:font script="Tibt" typeface="Microsoft Himalaya"/>
+        <a:font script="Thaa" typeface="MV Boli"/>
+        <a:font script="Deva" typeface="Mangal"/>
+        <a:font script="Telu" typeface="Gautami"/>
+        <a:font script="Taml" typeface="Latha"/>
+        <a:font script="Syrc" typeface="Estrangelo Edessa"/>
+        <a:font script="Orya" typeface="Kalinga"/>
+        <a:font script="Mlym" typeface="Kartika"/>
+        <a:font script="Laoo" typeface="DokChampa"/>
+        <a:font script="Sinh" typeface="Iskoola Pota"/>
+        <a:font script="Mong" typeface="Mongolian Baiti"/>
+        <a:font script="Viet" typeface="Times New Roman"/>
+        <a:font script="Uigh" typeface="Microsoft Uighur"/>
+        <a:font script="Geor" typeface="Sylfaen"/>
+      </a:majorFont>
+      <a:minorFont>
+        <a:latin typeface="Calibri" panose="020F0502020204030204"/>
+        <a:ea typeface=""/>
+        <a:cs typeface=""/>
+        <a:font script="Jpan" typeface="Yu Gothic"/>
+        <a:font script="Hang" typeface="맑은 고딕"/>
+        <a:font script="Hans" typeface="DengXian"/>
+        <a:font script="Hant" typeface="新細明體"/>
+        <a:font script="Arab" typeface="Arial"/>
+        <a:font script="Hebr" typeface="Arial"/>
+        <a:font script="Thai" typeface="Cordia New"/>
+        <a:font script="Ethi" typeface="Nyala"/>
+        <a:font script="Beng" typeface="Vrinda"/>
+        <a:font script="Gujr" typeface="Shruti"/>
+        <a:font script="Khmr" typeface="DaunPenh"/>
+        <a:font script="Knda" typeface="Tunga"/>
+        <a:font script="Guru" typeface="Raavi"/>
+        <a:font script="Cans" typeface="Euphemia"/>
+        <a:font script="Cher" typeface="Plantagenet Cherokee"/>
+        <a:font script="Yiii" typeface="Microsoft Yi Baiti"/>
+        <a:font script="Tibt" typeface="Microsoft Himalaya"/>
+        <a:font script="Thaa" typeface="MV Boli"/>
+        <a:font script="Deva" typeface="Mangal"/>
+        <a:font script="Telu" typeface="Gautami"/>
+        <a:font script="Taml" typeface="Latha"/>
+        <a:font script="Syrc" typeface="Estrangelo Edessa"/>
+        <a:font script="Orya" typeface="Kalinga"/>
+        <a:font script="Mlym" typeface="Kartika"/>
+        <a:font script="Laoo" typeface="DokChampa"/>
+        <a:font script="Sinh" typeface="Iskoola Pota"/>
+        <a:font script="Mong" typeface="Mongolian Baiti"/>
+        <a:font script="Viet" typeface="Arial"/>
+        <a:font script="Uigh" typeface="Microsoft Uighur"/>
+        <a:font script="Geor" typeface="Sylfaen"/>
+      </a:minorFont>
+    </a:fontScheme>
+    <a:fmtScheme name="Office">
+      <a:fillStyleLst>
+        <a:solidFill>
+          <a:schemeClr val="phClr"/>
+        </a:solidFill>
+        <a:gradFill rotWithShape="1">
+          <a:gsLst>
+            <a:gs pos="0">
+              <a:schemeClr val="phClr">
+                <a:lumMod val="110000"/>
+                <a:satMod val="105000"/>
+                <a:tint val="67000"/>
+              </a:schemeClr>
+            </a:gs>
+            <a:gs pos="50000">
+              <a:schemeClr val="phClr">
+                <a:lumMod val="105000"/>
+                <a:satMod val="103000"/>
+                <a:tint val="73000"/>
+              </a:schemeClr>
+            </a:gs>
+            <a:gs pos="100000">
+              <a:schemeClr val="phClr">
+                <a:lumMod val="105000"/>
+                <a:satMod val="109000"/>
+                <a:tint val="81000"/>
+              </a:schemeClr>
+            </a:gs>
+          </a:gsLst>
+          <a:lin ang="5400000" scaled="0"/>
+        </a:gradFill>
+        <a:gradFill rotWithShape="1">
+          <a:gsLst>
+            <a:gs pos="0">
+              <a:schemeClr val="phClr">
+                <a:satMod val="103000"/>
+                <a:lumMod val="102000"/>
+                <a:tint val="94000"/>
+              </a:schemeClr>
+            </a:gs>
+            <a:gs pos="50000">
+              <a:schemeClr val="phClr">
+                <a:satMod val="110000"/>
+                <a:lumMod val="100000"/>
+                <a:shade val="100000"/>
+              </a:schemeClr>
+            </a:gs>
+            <a:gs pos="100000">
+              <a:schemeClr val="phClr">
+                <a:lumMod val="99000"/>
+                <a:satMod val="120000"/>
+                <a:shade val="78000"/>
+              </a:schemeClr>
+            </a:gs>
+          </a:gsLst>
+          <a:lin ang="5400000" scaled="0"/>
+        </a:gradFill>
+      </a:fillStyleLst>
+      <a:lnStyleLst>
+        <a:ln w="6350" cap="flat" cmpd="sng" algn="ctr">
+          <a:solidFill>
+            <a:schemeClr val="phClr"/>
+          </a:solidFill>
+          <a:prstDash val="solid"/>
+          <a:miter lim="800000"/>
+        </a:ln>
+        <a:ln w="12700" cap="flat" cmpd="sng" algn="ctr">
+          <a:solidFill>
+            <a:schemeClr val="phClr"/>
+          </a:solidFill>
+          <a:prstDash val="solid"/>
+          <a:miter lim="800000"/>
+        </a:ln>
+        <a:ln w="19050" cap="flat" cmpd="sng" algn="ctr">
+          <a:solidFill>
+            <a:schemeClr val="phClr"/>
+          </a:solidFill>
+          <a:prstDash val="solid"/>
+          <a:miter lim="800000"/>
+        </a:ln>
+      </a:lnStyleLst>
+      <a:effectStyleLst>
+        <a:effectStyle>
+          <a:effectLst/>
+        </a:effectStyle>
+        <a:effectStyle>
+          <a:effectLst/>
+        </a:effectStyle>
+        <a:effectStyle>
+          <a:effectLst>
+            <a:outerShdw blurRad="57150" dist="19050" dir="5400000" algn="ctr" rotWithShape="0">
+              <a:srgbClr val="000000">
+                <a:alpha val="63000"/>
+              </a:srgbClr>
+            </a:outerShdw>
+          </a:effectLst>
+        </a:effectStyle>
+      </a:effectStyleLst>
+      <a:bgFillStyleLst>
+        <a:solidFill>
+          <a:schemeClr val="phClr"/>
+        </a:solidFill>
+        <a:solidFill>
+          <a:schemeClr val="phClr">
+            <a:tint val="95000"/>
+            <a:satMod val="170000"/>
+          </a:schemeClr>
+        </a:solidFill>
+        <a:gradFill rotWithShape="1">
+          <a:gsLst>
+            <a:gs pos="0">
+              <a:schemeClr val="phClr">
+                <a:tint val="93000"/>
+                <a:satMod val="150000"/>
+                <a:shade val="98000"/>
+                <a:lumMod val="102000"/>
+              </a:schemeClr>
+            </a:gs>
+            <a:gs pos="50000">
+              <a:schemeClr val="phClr">
+                <a:tint val="98000"/>
+                <a:satMod val="130000"/>
+                <a:shade val="90000"/>
+                <a:lumMod val="103000"/>
+              </a:schemeClr>
+            </a:gs>
+            <a:gs pos="100000">
+              <a:schemeClr val="phClr">
+                <a:shade val="63000"/>
+                <a:satMod val="120000"/>
+              </a:schemeClr>
+            </a:gs>
+          </a:gsLst>
+          <a:lin ang="5400000" scaled="0"/>
+        </a:gradFill>
+      </a:bgFillStyleLst>
+    </a:fmtScheme>
+  </a:themeElements>
+  <a:objectDefaults/>
+  <a:extraClrSchemeLst/>
+  <a:extLst>
+    <a:ext uri="{05A4C25C-085E-4340-85A3-A5531E510DB2}">
+      <thm15:themeFamily xmlns:thm15="http://schemas.microsoft.com/office/thememl/2012/main" name="Office Theme" id="{62F939B6-93AF-4DB8-9C6B-D6C7DFDC589F}" vid="{4A3C46E8-61CC-4603-A589-7422A47A8E4A}"/>
+    </a:ext>
+  </a:extLst>
+</a:theme>
 </file>
--- a/units/1/lessons/5/resources/petascale-lesson-1.5-slides.pptx
+++ b/units/1/lessons/5/resources/petascale-lesson-1.5-slides.pptx
@@ -10,7 +10,7 @@
   </p:notesMasterIdLst>
   <p:sldIdLst>
     <p:sldId id="282" r:id="rId3"/>
-    <p:sldId id="283" r:id="rId4"/>
+    <p:sldId id="284" r:id="rId4"/>
     <p:sldId id="256" r:id="rId5"/>
     <p:sldId id="257" r:id="rId6"/>
     <p:sldId id="258" r:id="rId7"/>
@@ -236,7 +236,7 @@
           <a:p>
             <a:fld id="{17C14295-8DC6-7744-99EA-BC81EB38DAD3}" type="datetimeFigureOut">
               <a:rPr lang="en-US" smtClean="0"/>
-              <a:t>9/12/20</a:t>
+              <a:t>10/11/20</a:t>
             </a:fld>
             <a:endParaRPr lang="en-US"/>
           </a:p>
@@ -685,7 +685,7 @@
           <a:p>
             <a:fld id="{A9999F1C-1463-A74E-ACAE-D25F0447B980}" type="datetimeFigureOut">
               <a:rPr lang="en-US" smtClean="0"/>
-              <a:t>9/12/20</a:t>
+              <a:t>10/11/20</a:t>
             </a:fld>
             <a:endParaRPr lang="en-US"/>
           </a:p>
@@ -855,7 +855,7 @@
           <a:p>
             <a:fld id="{A9999F1C-1463-A74E-ACAE-D25F0447B980}" type="datetimeFigureOut">
               <a:rPr lang="en-US" smtClean="0"/>
-              <a:t>9/12/20</a:t>
+              <a:t>10/11/20</a:t>
             </a:fld>
             <a:endParaRPr lang="en-US"/>
           </a:p>
@@ -1035,7 +1035,7 @@
           <a:p>
             <a:fld id="{A9999F1C-1463-A74E-ACAE-D25F0447B980}" type="datetimeFigureOut">
               <a:rPr lang="en-US" smtClean="0"/>
-              <a:t>9/12/20</a:t>
+              <a:t>10/11/20</a:t>
             </a:fld>
             <a:endParaRPr lang="en-US"/>
           </a:p>
@@ -1234,7 +1234,7 @@
                 </a:solidFill>
               </a:rPr>
               <a:pPr/>
-              <a:t>9/12/20</a:t>
+              <a:t>10/11/20</a:t>
             </a:fld>
             <a:endParaRPr lang="en-US">
               <a:solidFill>
@@ -1432,7 +1432,7 @@
                 </a:solidFill>
               </a:rPr>
               <a:pPr/>
-              <a:t>9/12/20</a:t>
+              <a:t>10/11/20</a:t>
             </a:fld>
             <a:endParaRPr lang="en-US">
               <a:solidFill>
@@ -1706,7 +1706,7 @@
                 </a:solidFill>
               </a:rPr>
               <a:pPr/>
-              <a:t>9/12/20</a:t>
+              <a:t>10/11/20</a:t>
             </a:fld>
             <a:endParaRPr lang="en-US">
               <a:solidFill>
@@ -1966,7 +1966,7 @@
                 </a:solidFill>
               </a:rPr>
               <a:pPr/>
-              <a:t>9/12/20</a:t>
+              <a:t>10/11/20</a:t>
             </a:fld>
             <a:endParaRPr lang="en-US">
               <a:solidFill>
@@ -2361,7 +2361,7 @@
                 </a:solidFill>
               </a:rPr>
               <a:pPr/>
-              <a:t>9/12/20</a:t>
+              <a:t>10/11/20</a:t>
             </a:fld>
             <a:endParaRPr lang="en-US">
               <a:solidFill>
@@ -2507,7 +2507,7 @@
                 </a:solidFill>
               </a:rPr>
               <a:pPr/>
-              <a:t>9/12/20</a:t>
+              <a:t>10/11/20</a:t>
             </a:fld>
             <a:endParaRPr lang="en-US">
               <a:solidFill>
@@ -2630,7 +2630,7 @@
                 </a:solidFill>
               </a:rPr>
               <a:pPr/>
-              <a:t>9/12/20</a:t>
+              <a:t>10/11/20</a:t>
             </a:fld>
             <a:endParaRPr lang="en-US">
               <a:solidFill>
@@ -2935,7 +2935,7 @@
                 </a:solidFill>
               </a:rPr>
               <a:pPr/>
-              <a:t>9/12/20</a:t>
+              <a:t>10/11/20</a:t>
             </a:fld>
             <a:endParaRPr lang="en-US">
               <a:solidFill>
@@ -3126,7 +3126,7 @@
           <a:p>
             <a:fld id="{A9999F1C-1463-A74E-ACAE-D25F0447B980}" type="datetimeFigureOut">
               <a:rPr lang="en-US" smtClean="0"/>
-              <a:t>9/12/20</a:t>
+              <a:t>10/11/20</a:t>
             </a:fld>
             <a:endParaRPr lang="en-US"/>
           </a:p>
@@ -3386,7 +3386,7 @@
                 </a:solidFill>
               </a:rPr>
               <a:pPr/>
-              <a:t>9/12/20</a:t>
+              <a:t>10/11/20</a:t>
             </a:fld>
             <a:endParaRPr lang="en-US">
               <a:solidFill>
@@ -3584,7 +3584,7 @@
                 </a:solidFill>
               </a:rPr>
               <a:pPr/>
-              <a:t>9/12/20</a:t>
+              <a:t>10/11/20</a:t>
             </a:fld>
             <a:endParaRPr lang="en-US">
               <a:solidFill>
@@ -3792,7 +3792,7 @@
                 </a:solidFill>
               </a:rPr>
               <a:pPr/>
-              <a:t>9/12/20</a:t>
+              <a:t>10/11/20</a:t>
             </a:fld>
             <a:endParaRPr lang="en-US">
               <a:solidFill>
@@ -4059,7 +4059,7 @@
           <a:p>
             <a:fld id="{A9999F1C-1463-A74E-ACAE-D25F0447B980}" type="datetimeFigureOut">
               <a:rPr lang="en-US" smtClean="0"/>
-              <a:t>9/12/20</a:t>
+              <a:t>10/11/20</a:t>
             </a:fld>
             <a:endParaRPr lang="en-US"/>
           </a:p>
@@ -4347,7 +4347,7 @@
           <a:p>
             <a:fld id="{A9999F1C-1463-A74E-ACAE-D25F0447B980}" type="datetimeFigureOut">
               <a:rPr lang="en-US" smtClean="0"/>
-              <a:t>9/12/20</a:t>
+              <a:t>10/11/20</a:t>
             </a:fld>
             <a:endParaRPr lang="en-US"/>
           </a:p>
@@ -4769,7 +4769,7 @@
           <a:p>
             <a:fld id="{A9999F1C-1463-A74E-ACAE-D25F0447B980}" type="datetimeFigureOut">
               <a:rPr lang="en-US" smtClean="0"/>
-              <a:t>9/12/20</a:t>
+              <a:t>10/11/20</a:t>
             </a:fld>
             <a:endParaRPr lang="en-US"/>
           </a:p>
@@ -4887,7 +4887,7 @@
           <a:p>
             <a:fld id="{A9999F1C-1463-A74E-ACAE-D25F0447B980}" type="datetimeFigureOut">
               <a:rPr lang="en-US" smtClean="0"/>
-              <a:t>9/12/20</a:t>
+              <a:t>10/11/20</a:t>
             </a:fld>
             <a:endParaRPr lang="en-US"/>
           </a:p>
@@ -4982,7 +4982,7 @@
           <a:p>
             <a:fld id="{A9999F1C-1463-A74E-ACAE-D25F0447B980}" type="datetimeFigureOut">
               <a:rPr lang="en-US" smtClean="0"/>
-              <a:t>9/12/20</a:t>
+              <a:t>10/11/20</a:t>
             </a:fld>
             <a:endParaRPr lang="en-US"/>
           </a:p>
@@ -5259,7 +5259,7 @@
           <a:p>
             <a:fld id="{A9999F1C-1463-A74E-ACAE-D25F0447B980}" type="datetimeFigureOut">
               <a:rPr lang="en-US" smtClean="0"/>
-              <a:t>9/12/20</a:t>
+              <a:t>10/11/20</a:t>
             </a:fld>
             <a:endParaRPr lang="en-US"/>
           </a:p>
@@ -5512,7 +5512,7 @@
           <a:p>
             <a:fld id="{A9999F1C-1463-A74E-ACAE-D25F0447B980}" type="datetimeFigureOut">
               <a:rPr lang="en-US" smtClean="0"/>
-              <a:t>9/12/20</a:t>
+              <a:t>10/11/20</a:t>
             </a:fld>
             <a:endParaRPr lang="en-US"/>
           </a:p>
@@ -5725,7 +5725,7 @@
           <a:p>
             <a:fld id="{A9999F1C-1463-A74E-ACAE-D25F0447B980}" type="datetimeFigureOut">
               <a:rPr lang="en-US" smtClean="0"/>
-              <a:t>9/12/20</a:t>
+              <a:t>10/11/20</a:t>
             </a:fld>
             <a:endParaRPr lang="en-US"/>
           </a:p>
@@ -6244,7 +6244,7 @@
                 <a:sym typeface="Arial"/>
               </a:rPr>
               <a:pPr defTabSz="914400"/>
-              <a:t>9/12/20</a:t>
+              <a:t>10/11/20</a:t>
             </a:fld>
             <a:endParaRPr lang="en-US">
               <a:solidFill>
@@ -6713,15 +6713,7 @@
                 <a:ea typeface="Times New Roman" charset="0"/>
                 <a:cs typeface="Times New Roman" charset="0"/>
               </a:rPr>
-              <a:t>Blue Waters Petascale</a:t>
-            </a:r>
-            <a:r>
-              <a:rPr lang="en-US" sz="2700" b="1" dirty="0">
-                <a:latin typeface="Times New Roman" charset="0"/>
-                <a:ea typeface="Times New Roman" charset="0"/>
-                <a:cs typeface="Times New Roman" charset="0"/>
-              </a:rPr>
-              <a:t> Semester Curriculum v1.0</a:t>
+              <a:t>Blue Waters Petascale Semester Curriculum v1.0</a:t>
             </a:r>
             <a:r>
               <a:rPr lang="en-US" sz="2700" dirty="0">
@@ -6784,14 +6776,6 @@
               </a:rPr>
               <a:t>Developed by Colleen Heinemann</a:t>
             </a:r>
-            <a:r>
-              <a:rPr lang="en-US" sz="2700" i="1" dirty="0">
-                <a:latin typeface="Times New Roman" charset="0"/>
-                <a:ea typeface="Times New Roman" charset="0"/>
-                <a:cs typeface="Times New Roman" charset="0"/>
-              </a:rPr>
-              <a:t/>
-            </a:r>
             <a:br>
               <a:rPr lang="en-US" sz="2700" i="1" dirty="0">
                 <a:latin typeface="Times New Roman" charset="0"/>
@@ -6807,11 +6791,6 @@
               </a:rPr>
               <a:t>for the Shodor Education Foundation, Inc.</a:t>
             </a:r>
-            <a:endParaRPr lang="en-US" sz="2700" i="1" dirty="0">
-              <a:latin typeface="Times New Roman" charset="0"/>
-              <a:ea typeface="Times New Roman" charset="0"/>
-              <a:cs typeface="Times New Roman" charset="0"/>
-            </a:endParaRPr>
           </a:p>
         </p:txBody>
       </p:sp>
@@ -7101,15 +7080,7 @@
           <a:p>
             <a:r>
               <a:rPr lang="en-US" dirty="0" smtClean="0"/>
-              <a:t>More processors can be used to </a:t>
-            </a:r>
-            <a:r>
-              <a:rPr lang="en-US" dirty="0" smtClean="0"/>
-              <a:t>model a </a:t>
-            </a:r>
-            <a:r>
-              <a:rPr lang="en-US" dirty="0" smtClean="0"/>
-              <a:t>bigger problem in the same amount of time as fewer processors can model a smaller problem</a:t>
+              <a:t>More processors can be used to model a bigger problem in the same amount of time as fewer processors can model a smaller problem</a:t>
             </a:r>
           </a:p>
           <a:p>
@@ -7869,7 +7840,23 @@
                 <a:ea typeface="Times New Roman" charset="0"/>
                 <a:cs typeface="Times New Roman" charset="0"/>
               </a:rPr>
-              <a:t>CC BY-NC 4.0. To view a copy of this license, visit </a:t>
+              <a:t>CC </a:t>
+            </a:r>
+            <a:r>
+              <a:rPr lang="en-US" sz="2100" dirty="0">
+                <a:latin typeface="Times New Roman" charset="0"/>
+                <a:ea typeface="Times New Roman" charset="0"/>
+                <a:cs typeface="Times New Roman" charset="0"/>
+              </a:rPr>
+              <a:t>BY-SA </a:t>
+            </a:r>
+            <a:r>
+              <a:rPr lang="en-US" sz="2100" dirty="0">
+                <a:latin typeface="Times New Roman" charset="0"/>
+                <a:ea typeface="Times New Roman" charset="0"/>
+                <a:cs typeface="Times New Roman" charset="0"/>
+              </a:rPr>
+              <a:t>4.0. To view a copy of this license, visit </a:t>
             </a:r>
             <a:r>
               <a:rPr lang="en-US" sz="2100" dirty="0">
@@ -7878,7 +7865,16 @@
                 <a:cs typeface="Times New Roman" charset="0"/>
                 <a:hlinkClick r:id="rId2"/>
               </a:rPr>
-              <a:t>https://creativecommons.org/licenses/by-nc/4.0</a:t>
+              <a:t>https://</a:t>
+            </a:r>
+            <a:r>
+              <a:rPr lang="en-US" sz="2100" dirty="0">
+                <a:latin typeface="Times New Roman" charset="0"/>
+                <a:ea typeface="Times New Roman" charset="0"/>
+                <a:cs typeface="Times New Roman" charset="0"/>
+                <a:hlinkClick r:id="rId2"/>
+              </a:rPr>
+              <a:t>creativecommons.org/licenses/by-sa/4.0</a:t>
             </a:r>
             <a:r>
               <a:rPr lang="en-US" sz="2100" dirty="0">
@@ -8032,7 +8028,7 @@
     </p:spTree>
     <p:extLst>
       <p:ext uri="{BB962C8B-B14F-4D97-AF65-F5344CB8AC3E}">
-        <p14:creationId xmlns:p14="http://schemas.microsoft.com/office/powerpoint/2010/main" val="1197265616"/>
+        <p14:creationId xmlns:p14="http://schemas.microsoft.com/office/powerpoint/2010/main" val="1313215880"/>
       </p:ext>
     </p:extLst>
   </p:cSld>
